--- a/thesisPlots.pptx
+++ b/thesisPlots.pptx
@@ -8,7 +8,7 @@
     <p:notesMasterId r:id="rId7"/>
   </p:notesMasterIdLst>
   <p:handoutMasterIdLst>
-    <p:handoutMasterId r:id="rId9"/>
+    <p:handoutMasterId r:id="rId11"/>
   </p:handoutMasterIdLst>
   <p:sldIdLst>
     <p:sldId id="256" r:id="rId3"/>
@@ -16,6 +16,8 @@
     <p:sldId id="259" r:id="rId5"/>
     <p:sldId id="260" r:id="rId6"/>
     <p:sldId id="257" r:id="rId8"/>
+    <p:sldId id="261" r:id="rId9"/>
+    <p:sldId id="263" r:id="rId10"/>
   </p:sldIdLst>
   <p:sldSz cx="12192000" cy="6858000"/>
   <p:notesSz cx="7103745" cy="10234295"/>
@@ -3540,10 +3542,10 @@
           <a:bodyPr/>
           <a:p>
             <a:r>
-              <a:rPr lang="" altLang="en-US"/>
+              <a:rPr lang="en-US" altLang="en-US"/>
               <a:t>thesis plots</a:t>
             </a:r>
-            <a:endParaRPr lang="" altLang="en-US"/>
+            <a:endParaRPr lang="en-US" altLang="en-US"/>
           </a:p>
         </p:txBody>
       </p:sp>
@@ -4909,10 +4911,10 @@
           </a:bodyPr>
           <a:p>
             <a:r>
-              <a:rPr lang="" altLang="en-US"/>
+              <a:rPr lang="en-US" altLang="en-US"/>
               <a:t>time of flight</a:t>
             </a:r>
-            <a:endParaRPr lang="" altLang="en-US"/>
+            <a:endParaRPr lang="en-US" altLang="en-US"/>
           </a:p>
         </p:txBody>
       </p:sp>
@@ -6162,10 +6164,10 @@
           </a:bodyPr>
           <a:p>
             <a:r>
-              <a:rPr lang="" altLang="en-US"/>
+              <a:rPr lang="en-US" altLang="en-US"/>
               <a:t>ray-tracer</a:t>
             </a:r>
-            <a:endParaRPr lang="" altLang="en-US"/>
+            <a:endParaRPr lang="en-US" altLang="en-US"/>
           </a:p>
         </p:txBody>
       </p:sp>
@@ -7657,7 +7659,7 @@
         </p:nvSpPr>
         <p:spPr>
           <a:xfrm>
-            <a:off x="692785" y="262255"/>
+            <a:off x="236220" y="67945"/>
             <a:ext cx="10515600" cy="1325563"/>
           </a:xfrm>
         </p:spPr>
@@ -7665,22 +7667,22 @@
           <a:bodyPr/>
           <a:p>
             <a:r>
-              <a:rPr lang="" altLang="en-US"/>
+              <a:rPr lang="en-US" altLang="en-US"/>
               <a:t>SkyShine</a:t>
             </a:r>
-            <a:endParaRPr lang="" altLang="en-US"/>
+            <a:endParaRPr lang="en-US" altLang="en-US"/>
           </a:p>
         </p:txBody>
       </p:sp>
       <p:grpSp>
         <p:nvGrpSpPr>
-          <p:cNvPr id="7" name="Group 6"/>
+          <p:cNvPr id="3" name="Group 2"/>
           <p:cNvGrpSpPr/>
           <p:nvPr/>
         </p:nvGrpSpPr>
         <p:grpSpPr>
           <a:xfrm>
-            <a:off x="2893695" y="769620"/>
+            <a:off x="3806190" y="368935"/>
             <a:ext cx="5212080" cy="5318760"/>
             <a:chOff x="4557" y="1212"/>
             <a:chExt cx="8208" cy="8376"/>
@@ -7688,7 +7690,7 @@
         </p:grpSpPr>
         <p:grpSp>
           <p:nvGrpSpPr>
-            <p:cNvPr id="11" name="Group 10"/>
+            <p:cNvPr id="7" name="Group 6"/>
             <p:cNvGrpSpPr/>
             <p:nvPr/>
           </p:nvGrpSpPr>
@@ -7696,121 +7698,76 @@
             <a:xfrm>
               <a:off x="4557" y="1212"/>
               <a:ext cx="8208" cy="8376"/>
-              <a:chOff x="8474" y="1980"/>
-              <a:chExt cx="5641" cy="5657"/>
+              <a:chOff x="4557" y="1212"/>
+              <a:chExt cx="8208" cy="8376"/>
             </a:xfrm>
           </p:grpSpPr>
           <p:grpSp>
             <p:nvGrpSpPr>
-              <p:cNvPr id="83" name="Group 82"/>
+              <p:cNvPr id="11" name="Group 10"/>
               <p:cNvGrpSpPr/>
               <p:nvPr/>
             </p:nvGrpSpPr>
             <p:grpSpPr>
               <a:xfrm>
-                <a:off x="8474" y="1980"/>
-                <a:ext cx="5641" cy="5657"/>
-                <a:chOff x="6072" y="3070"/>
-                <a:chExt cx="7515" cy="7536"/>
+                <a:off x="4557" y="1212"/>
+                <a:ext cx="8208" cy="8376"/>
+                <a:chOff x="8474" y="1980"/>
+                <a:chExt cx="5641" cy="5657"/>
               </a:xfrm>
             </p:grpSpPr>
             <p:grpSp>
               <p:nvGrpSpPr>
-                <p:cNvPr id="12" name="Group 11"/>
+                <p:cNvPr id="83" name="Group 82"/>
                 <p:cNvGrpSpPr/>
                 <p:nvPr/>
               </p:nvGrpSpPr>
               <p:grpSpPr>
                 <a:xfrm>
-                  <a:off x="6072" y="3091"/>
-                  <a:ext cx="7515" cy="7515"/>
-                  <a:chOff x="10719" y="2770"/>
-                  <a:chExt cx="7515" cy="7515"/>
+                  <a:off x="8474" y="1980"/>
+                  <a:ext cx="5641" cy="5657"/>
+                  <a:chOff x="6072" y="3070"/>
+                  <a:chExt cx="7515" cy="7536"/>
                 </a:xfrm>
               </p:grpSpPr>
-              <p:sp>
-                <p:nvSpPr>
-                  <p:cNvPr id="13" name="Oval 12"/>
-                  <p:cNvSpPr/>
-                  <p:nvPr/>
-                </p:nvSpPr>
-                <p:spPr>
-                  <a:xfrm>
-                    <a:off x="10719" y="2770"/>
-                    <a:ext cx="7515" cy="7515"/>
-                  </a:xfrm>
-                  <a:prstGeom prst="ellipse">
-                    <a:avLst/>
-                  </a:prstGeom>
-                  <a:solidFill>
-                    <a:schemeClr val="accent1"/>
-                  </a:solidFill>
-                  <a:ln w="38100">
-                    <a:solidFill>
-                      <a:schemeClr val="tx1">
-                        <a:lumMod val="65000"/>
-                        <a:lumOff val="35000"/>
-                      </a:schemeClr>
-                    </a:solidFill>
-                  </a:ln>
-                  <a:effectLst/>
-                </p:spPr>
-                <p:style>
-                  <a:lnRef idx="1">
-                    <a:schemeClr val="accent1"/>
-                  </a:lnRef>
-                  <a:fillRef idx="3">
-                    <a:schemeClr val="accent1"/>
-                  </a:fillRef>
-                  <a:effectRef idx="2">
-                    <a:schemeClr val="accent1"/>
-                  </a:effectRef>
-                  <a:fontRef idx="minor">
-                    <a:schemeClr val="lt1"/>
-                  </a:fontRef>
-                </p:style>
-                <p:txBody>
-                  <a:bodyPr/>
-                  <a:p>
-                    <a:endParaRPr lang="en-US" sz="1350"/>
-                  </a:p>
-                </p:txBody>
-              </p:sp>
               <p:grpSp>
                 <p:nvGrpSpPr>
-                  <p:cNvPr id="54" name="Group 53"/>
+                  <p:cNvPr id="12" name="Group 11"/>
                   <p:cNvGrpSpPr/>
                   <p:nvPr/>
                 </p:nvGrpSpPr>
                 <p:grpSpPr>
-                  <a:xfrm rot="9480000">
-                    <a:off x="12970" y="2997"/>
-                    <a:ext cx="549" cy="555"/>
-                    <a:chOff x="6020" y="4865"/>
-                    <a:chExt cx="929" cy="1243"/>
+                  <a:xfrm>
+                    <a:off x="6072" y="3091"/>
+                    <a:ext cx="7515" cy="7515"/>
+                    <a:chOff x="10719" y="2770"/>
+                    <a:chExt cx="7515" cy="7515"/>
                   </a:xfrm>
                 </p:grpSpPr>
                 <p:sp>
                   <p:nvSpPr>
-                    <p:cNvPr id="55" name="Rectangle 54"/>
+                    <p:cNvPr id="13" name="Oval 12"/>
                     <p:cNvSpPr/>
                     <p:nvPr/>
                   </p:nvSpPr>
                   <p:spPr>
                     <a:xfrm>
-                      <a:off x="6321" y="5259"/>
-                      <a:ext cx="327" cy="609"/>
+                      <a:off x="10719" y="2770"/>
+                      <a:ext cx="7515" cy="7515"/>
                     </a:xfrm>
-                    <a:prstGeom prst="rect">
+                    <a:prstGeom prst="ellipse">
                       <a:avLst/>
                     </a:prstGeom>
                     <a:solidFill>
-                      <a:schemeClr val="bg1">
-                        <a:lumMod val="65000"/>
-                      </a:schemeClr>
+                      <a:schemeClr val="accent1"/>
                     </a:solidFill>
-                    <a:ln>
-                      <a:noFill/>
+                    <a:ln w="38100">
+                      <a:solidFill>
+                        <a:schemeClr val="tx1">
+                          <a:lumMod val="65000"/>
+                          <a:lumOff val="35000"/>
+                        </a:schemeClr>
+                      </a:solidFill>
                     </a:ln>
                     <a:effectLst/>
                   </p:spPr>
@@ -7835,2333 +7792,23 @@
                     </a:p>
                   </p:txBody>
                 </p:sp>
-                <p:sp>
-                  <p:nvSpPr>
-                    <p:cNvPr id="56" name="Oval 55"/>
-                    <p:cNvSpPr/>
-                    <p:nvPr/>
-                  </p:nvSpPr>
-                  <p:spPr>
-                    <a:xfrm rot="10800000">
-                      <a:off x="6020" y="4865"/>
-                      <a:ext cx="929" cy="561"/>
-                    </a:xfrm>
-                    <a:prstGeom prst="ellipse">
-                      <a:avLst/>
-                    </a:prstGeom>
-                    <a:gradFill>
-                      <a:gsLst>
-                        <a:gs pos="0">
-                          <a:srgbClr val="FECF40"/>
-                        </a:gs>
-                        <a:gs pos="100000">
-                          <a:srgbClr val="846C21"/>
-                        </a:gs>
-                      </a:gsLst>
-                      <a:lin ang="16200000" scaled="0"/>
-                    </a:gradFill>
-                    <a:ln>
-                      <a:noFill/>
-                    </a:ln>
-                    <a:effectLst/>
-                  </p:spPr>
-                  <p:style>
-                    <a:lnRef idx="1">
-                      <a:schemeClr val="accent1"/>
-                    </a:lnRef>
-                    <a:fillRef idx="3">
-                      <a:schemeClr val="accent1"/>
-                    </a:fillRef>
-                    <a:effectRef idx="2">
-                      <a:schemeClr val="accent1"/>
-                    </a:effectRef>
-                    <a:fontRef idx="minor">
-                      <a:schemeClr val="lt1"/>
-                    </a:fontRef>
-                  </p:style>
-                  <p:txBody>
-                    <a:bodyPr/>
-                    <a:p>
-                      <a:endParaRPr lang="en-US" sz="1350"/>
-                    </a:p>
-                  </p:txBody>
-                </p:sp>
-                <p:sp>
-                  <p:nvSpPr>
-                    <p:cNvPr id="57" name="Rectangle 56"/>
-                    <p:cNvSpPr/>
-                    <p:nvPr/>
-                  </p:nvSpPr>
-                  <p:spPr>
-                    <a:xfrm>
-                      <a:off x="6227" y="5748"/>
-                      <a:ext cx="515" cy="360"/>
-                    </a:xfrm>
-                    <a:prstGeom prst="rect">
-                      <a:avLst/>
-                    </a:prstGeom>
-                    <a:solidFill>
-                      <a:schemeClr val="tx1">
-                        <a:lumMod val="65000"/>
-                        <a:lumOff val="35000"/>
-                      </a:schemeClr>
-                    </a:solidFill>
-                    <a:ln>
-                      <a:noFill/>
-                    </a:ln>
-                    <a:effectLst/>
-                  </p:spPr>
-                  <p:style>
-                    <a:lnRef idx="1">
-                      <a:schemeClr val="accent1"/>
-                    </a:lnRef>
-                    <a:fillRef idx="3">
-                      <a:schemeClr val="accent1"/>
-                    </a:fillRef>
-                    <a:effectRef idx="2">
-                      <a:schemeClr val="accent1"/>
-                    </a:effectRef>
-                    <a:fontRef idx="minor">
-                      <a:schemeClr val="lt1"/>
-                    </a:fontRef>
-                  </p:style>
-                  <p:txBody>
-                    <a:bodyPr/>
-                    <a:p>
-                      <a:endParaRPr lang="en-US" sz="1350"/>
-                    </a:p>
-                  </p:txBody>
-                </p:sp>
-              </p:grpSp>
-              <p:grpSp>
-                <p:nvGrpSpPr>
-                  <p:cNvPr id="16" name="Group 15"/>
-                  <p:cNvGrpSpPr/>
-                  <p:nvPr/>
-                </p:nvGrpSpPr>
-                <p:grpSpPr>
-                  <a:xfrm rot="2100000">
-                    <a:off x="12280" y="9066"/>
-                    <a:ext cx="548" cy="608"/>
-                    <a:chOff x="6020" y="4865"/>
-                    <a:chExt cx="928" cy="1362"/>
-                  </a:xfrm>
-                </p:grpSpPr>
-                <p:sp>
-                  <p:nvSpPr>
-                    <p:cNvPr id="17" name="Rectangle 16"/>
-                    <p:cNvSpPr/>
-                    <p:nvPr/>
-                  </p:nvSpPr>
-                  <p:spPr>
-                    <a:xfrm>
-                      <a:off x="6321" y="5259"/>
-                      <a:ext cx="327" cy="609"/>
-                    </a:xfrm>
-                    <a:prstGeom prst="rect">
-                      <a:avLst/>
-                    </a:prstGeom>
-                    <a:solidFill>
-                      <a:schemeClr val="bg1">
-                        <a:lumMod val="65000"/>
-                      </a:schemeClr>
-                    </a:solidFill>
-                    <a:ln>
-                      <a:noFill/>
-                    </a:ln>
-                    <a:effectLst/>
-                  </p:spPr>
-                  <p:style>
-                    <a:lnRef idx="1">
-                      <a:schemeClr val="accent1"/>
-                    </a:lnRef>
-                    <a:fillRef idx="3">
-                      <a:schemeClr val="accent1"/>
-                    </a:fillRef>
-                    <a:effectRef idx="2">
-                      <a:schemeClr val="accent1"/>
-                    </a:effectRef>
-                    <a:fontRef idx="minor">
-                      <a:schemeClr val="lt1"/>
-                    </a:fontRef>
-                  </p:style>
-                  <p:txBody>
-                    <a:bodyPr/>
-                    <a:p>
-                      <a:endParaRPr lang="en-US" sz="1350"/>
-                    </a:p>
-                  </p:txBody>
-                </p:sp>
-                <p:sp>
-                  <p:nvSpPr>
-                    <p:cNvPr id="18" name="Oval 17"/>
-                    <p:cNvSpPr/>
-                    <p:nvPr/>
-                  </p:nvSpPr>
-                  <p:spPr>
-                    <a:xfrm rot="10800000">
-                      <a:off x="6020" y="4865"/>
-                      <a:ext cx="929" cy="561"/>
-                    </a:xfrm>
-                    <a:prstGeom prst="ellipse">
-                      <a:avLst/>
-                    </a:prstGeom>
-                    <a:gradFill>
-                      <a:gsLst>
-                        <a:gs pos="0">
-                          <a:srgbClr val="FECF40"/>
-                        </a:gs>
-                        <a:gs pos="100000">
-                          <a:srgbClr val="846C21"/>
-                        </a:gs>
-                      </a:gsLst>
-                      <a:lin ang="16200000" scaled="0"/>
-                    </a:gradFill>
-                    <a:ln>
-                      <a:noFill/>
-                    </a:ln>
-                    <a:effectLst/>
-                  </p:spPr>
-                  <p:style>
-                    <a:lnRef idx="1">
-                      <a:schemeClr val="accent1"/>
-                    </a:lnRef>
-                    <a:fillRef idx="3">
-                      <a:schemeClr val="accent1"/>
-                    </a:fillRef>
-                    <a:effectRef idx="2">
-                      <a:schemeClr val="accent1"/>
-                    </a:effectRef>
-                    <a:fontRef idx="minor">
-                      <a:schemeClr val="lt1"/>
-                    </a:fontRef>
-                  </p:style>
-                  <p:txBody>
-                    <a:bodyPr/>
-                    <a:p>
-                      <a:endParaRPr lang="en-US" sz="1350"/>
-                    </a:p>
-                  </p:txBody>
-                </p:sp>
-                <p:sp>
-                  <p:nvSpPr>
-                    <p:cNvPr id="19" name="Rectangle 18"/>
-                    <p:cNvSpPr/>
-                    <p:nvPr/>
-                  </p:nvSpPr>
-                  <p:spPr>
-                    <a:xfrm>
-                      <a:off x="6227" y="5867"/>
-                      <a:ext cx="515" cy="360"/>
-                    </a:xfrm>
-                    <a:prstGeom prst="rect">
-                      <a:avLst/>
-                    </a:prstGeom>
-                    <a:solidFill>
-                      <a:schemeClr val="tx1">
-                        <a:lumMod val="65000"/>
-                        <a:lumOff val="35000"/>
-                      </a:schemeClr>
-                    </a:solidFill>
-                    <a:ln>
-                      <a:noFill/>
-                    </a:ln>
-                    <a:effectLst/>
-                  </p:spPr>
-                  <p:style>
-                    <a:lnRef idx="1">
-                      <a:schemeClr val="accent1"/>
-                    </a:lnRef>
-                    <a:fillRef idx="3">
-                      <a:schemeClr val="accent1"/>
-                    </a:fillRef>
-                    <a:effectRef idx="2">
-                      <a:schemeClr val="accent1"/>
-                    </a:effectRef>
-                    <a:fontRef idx="minor">
-                      <a:schemeClr val="lt1"/>
-                    </a:fontRef>
-                  </p:style>
-                  <p:txBody>
-                    <a:bodyPr/>
-                    <a:p>
-                      <a:endParaRPr lang="en-US" sz="1350"/>
-                    </a:p>
-                  </p:txBody>
-                </p:sp>
-              </p:grpSp>
-              <p:grpSp>
-                <p:nvGrpSpPr>
-                  <p:cNvPr id="20" name="Group 19"/>
-                  <p:cNvGrpSpPr/>
-                  <p:nvPr/>
-                </p:nvGrpSpPr>
-                <p:grpSpPr>
-                  <a:xfrm rot="5400000">
-                    <a:off x="10749" y="6221"/>
-                    <a:ext cx="548" cy="608"/>
-                    <a:chOff x="6020" y="4865"/>
-                    <a:chExt cx="928" cy="1362"/>
-                  </a:xfrm>
-                </p:grpSpPr>
-                <p:sp>
-                  <p:nvSpPr>
-                    <p:cNvPr id="21" name="Rectangle 20"/>
-                    <p:cNvSpPr/>
-                    <p:nvPr/>
-                  </p:nvSpPr>
-                  <p:spPr>
-                    <a:xfrm>
-                      <a:off x="6321" y="5259"/>
-                      <a:ext cx="327" cy="609"/>
-                    </a:xfrm>
-                    <a:prstGeom prst="rect">
-                      <a:avLst/>
-                    </a:prstGeom>
-                    <a:solidFill>
-                      <a:schemeClr val="bg1">
-                        <a:lumMod val="65000"/>
-                      </a:schemeClr>
-                    </a:solidFill>
-                    <a:ln>
-                      <a:noFill/>
-                    </a:ln>
-                    <a:effectLst/>
-                  </p:spPr>
-                  <p:style>
-                    <a:lnRef idx="1">
-                      <a:schemeClr val="accent1"/>
-                    </a:lnRef>
-                    <a:fillRef idx="3">
-                      <a:schemeClr val="accent1"/>
-                    </a:fillRef>
-                    <a:effectRef idx="2">
-                      <a:schemeClr val="accent1"/>
-                    </a:effectRef>
-                    <a:fontRef idx="minor">
-                      <a:schemeClr val="lt1"/>
-                    </a:fontRef>
-                  </p:style>
-                  <p:txBody>
-                    <a:bodyPr/>
-                    <a:p>
-                      <a:endParaRPr lang="en-US" sz="1350"/>
-                    </a:p>
-                  </p:txBody>
-                </p:sp>
-                <p:sp>
-                  <p:nvSpPr>
-                    <p:cNvPr id="22" name="Oval 21"/>
-                    <p:cNvSpPr/>
-                    <p:nvPr/>
-                  </p:nvSpPr>
-                  <p:spPr>
-                    <a:xfrm rot="10800000">
-                      <a:off x="6020" y="4865"/>
-                      <a:ext cx="929" cy="561"/>
-                    </a:xfrm>
-                    <a:prstGeom prst="ellipse">
-                      <a:avLst/>
-                    </a:prstGeom>
-                    <a:gradFill>
-                      <a:gsLst>
-                        <a:gs pos="0">
-                          <a:srgbClr val="FECF40"/>
-                        </a:gs>
-                        <a:gs pos="100000">
-                          <a:srgbClr val="846C21"/>
-                        </a:gs>
-                      </a:gsLst>
-                      <a:lin ang="16200000" scaled="0"/>
-                    </a:gradFill>
-                    <a:ln>
-                      <a:noFill/>
-                    </a:ln>
-                    <a:effectLst/>
-                  </p:spPr>
-                  <p:style>
-                    <a:lnRef idx="1">
-                      <a:schemeClr val="accent1"/>
-                    </a:lnRef>
-                    <a:fillRef idx="3">
-                      <a:schemeClr val="accent1"/>
-                    </a:fillRef>
-                    <a:effectRef idx="2">
-                      <a:schemeClr val="accent1"/>
-                    </a:effectRef>
-                    <a:fontRef idx="minor">
-                      <a:schemeClr val="lt1"/>
-                    </a:fontRef>
-                  </p:style>
-                  <p:txBody>
-                    <a:bodyPr/>
-                    <a:p>
-                      <a:endParaRPr lang="en-US" sz="1350"/>
-                    </a:p>
-                  </p:txBody>
-                </p:sp>
-                <p:sp>
-                  <p:nvSpPr>
-                    <p:cNvPr id="23" name="Rectangle 22"/>
-                    <p:cNvSpPr/>
-                    <p:nvPr/>
-                  </p:nvSpPr>
-                  <p:spPr>
-                    <a:xfrm>
-                      <a:off x="6227" y="5867"/>
-                      <a:ext cx="515" cy="360"/>
-                    </a:xfrm>
-                    <a:prstGeom prst="rect">
-                      <a:avLst/>
-                    </a:prstGeom>
-                    <a:solidFill>
-                      <a:schemeClr val="tx1">
-                        <a:lumMod val="65000"/>
-                        <a:lumOff val="35000"/>
-                      </a:schemeClr>
-                    </a:solidFill>
-                    <a:ln>
-                      <a:noFill/>
-                    </a:ln>
-                    <a:effectLst/>
-                  </p:spPr>
-                  <p:style>
-                    <a:lnRef idx="1">
-                      <a:schemeClr val="accent1"/>
-                    </a:lnRef>
-                    <a:fillRef idx="3">
-                      <a:schemeClr val="accent1"/>
-                    </a:fillRef>
-                    <a:effectRef idx="2">
-                      <a:schemeClr val="accent1"/>
-                    </a:effectRef>
-                    <a:fontRef idx="minor">
-                      <a:schemeClr val="lt1"/>
-                    </a:fontRef>
-                  </p:style>
-                  <p:txBody>
-                    <a:bodyPr/>
-                    <a:p>
-                      <a:endParaRPr lang="en-US" sz="1350"/>
-                    </a:p>
-                  </p:txBody>
-                </p:sp>
-              </p:grpSp>
-              <p:grpSp>
-                <p:nvGrpSpPr>
-                  <p:cNvPr id="30" name="Group 29"/>
-                  <p:cNvGrpSpPr/>
-                  <p:nvPr/>
-                </p:nvGrpSpPr>
-                <p:grpSpPr>
-                  <a:xfrm rot="4500000">
-                    <a:off x="10829" y="6900"/>
-                    <a:ext cx="548" cy="608"/>
-                    <a:chOff x="6020" y="4865"/>
-                    <a:chExt cx="928" cy="1362"/>
-                  </a:xfrm>
-                </p:grpSpPr>
-                <p:sp>
-                  <p:nvSpPr>
-                    <p:cNvPr id="31" name="Rectangle 30"/>
-                    <p:cNvSpPr/>
-                    <p:nvPr/>
-                  </p:nvSpPr>
-                  <p:spPr>
-                    <a:xfrm>
-                      <a:off x="6321" y="5259"/>
-                      <a:ext cx="327" cy="609"/>
-                    </a:xfrm>
-                    <a:prstGeom prst="rect">
-                      <a:avLst/>
-                    </a:prstGeom>
-                    <a:solidFill>
-                      <a:schemeClr val="bg1">
-                        <a:lumMod val="65000"/>
-                      </a:schemeClr>
-                    </a:solidFill>
-                    <a:ln>
-                      <a:noFill/>
-                    </a:ln>
-                    <a:effectLst/>
-                  </p:spPr>
-                  <p:style>
-                    <a:lnRef idx="1">
-                      <a:schemeClr val="accent1"/>
-                    </a:lnRef>
-                    <a:fillRef idx="3">
-                      <a:schemeClr val="accent1"/>
-                    </a:fillRef>
-                    <a:effectRef idx="2">
-                      <a:schemeClr val="accent1"/>
-                    </a:effectRef>
-                    <a:fontRef idx="minor">
-                      <a:schemeClr val="lt1"/>
-                    </a:fontRef>
-                  </p:style>
-                  <p:txBody>
-                    <a:bodyPr/>
-                    <a:p>
-                      <a:endParaRPr lang="en-US" sz="1350"/>
-                    </a:p>
-                  </p:txBody>
-                </p:sp>
-                <p:sp>
-                  <p:nvSpPr>
-                    <p:cNvPr id="40" name="Oval 39"/>
-                    <p:cNvSpPr/>
-                    <p:nvPr/>
-                  </p:nvSpPr>
-                  <p:spPr>
-                    <a:xfrm rot="10800000">
-                      <a:off x="6020" y="4865"/>
-                      <a:ext cx="929" cy="561"/>
-                    </a:xfrm>
-                    <a:prstGeom prst="ellipse">
-                      <a:avLst/>
-                    </a:prstGeom>
-                    <a:gradFill>
-                      <a:gsLst>
-                        <a:gs pos="0">
-                          <a:srgbClr val="FECF40"/>
-                        </a:gs>
-                        <a:gs pos="100000">
-                          <a:srgbClr val="846C21"/>
-                        </a:gs>
-                      </a:gsLst>
-                      <a:lin ang="16200000" scaled="0"/>
-                    </a:gradFill>
-                    <a:ln>
-                      <a:noFill/>
-                    </a:ln>
-                    <a:effectLst/>
-                  </p:spPr>
-                  <p:style>
-                    <a:lnRef idx="1">
-                      <a:schemeClr val="accent1"/>
-                    </a:lnRef>
-                    <a:fillRef idx="3">
-                      <a:schemeClr val="accent1"/>
-                    </a:fillRef>
-                    <a:effectRef idx="2">
-                      <a:schemeClr val="accent1"/>
-                    </a:effectRef>
-                    <a:fontRef idx="minor">
-                      <a:schemeClr val="lt1"/>
-                    </a:fontRef>
-                  </p:style>
-                  <p:txBody>
-                    <a:bodyPr/>
-                    <a:p>
-                      <a:endParaRPr lang="en-US" sz="1350"/>
-                    </a:p>
-                  </p:txBody>
-                </p:sp>
-                <p:sp>
-                  <p:nvSpPr>
-                    <p:cNvPr id="41" name="Rectangle 40"/>
-                    <p:cNvSpPr/>
-                    <p:nvPr/>
-                  </p:nvSpPr>
-                  <p:spPr>
-                    <a:xfrm>
-                      <a:off x="6227" y="5867"/>
-                      <a:ext cx="515" cy="360"/>
-                    </a:xfrm>
-                    <a:prstGeom prst="rect">
-                      <a:avLst/>
-                    </a:prstGeom>
-                    <a:solidFill>
-                      <a:schemeClr val="tx1">
-                        <a:lumMod val="65000"/>
-                        <a:lumOff val="35000"/>
-                      </a:schemeClr>
-                    </a:solidFill>
-                    <a:ln>
-                      <a:noFill/>
-                    </a:ln>
-                    <a:effectLst/>
-                  </p:spPr>
-                  <p:style>
-                    <a:lnRef idx="1">
-                      <a:schemeClr val="accent1"/>
-                    </a:lnRef>
-                    <a:fillRef idx="3">
-                      <a:schemeClr val="accent1"/>
-                    </a:fillRef>
-                    <a:effectRef idx="2">
-                      <a:schemeClr val="accent1"/>
-                    </a:effectRef>
-                    <a:fontRef idx="minor">
-                      <a:schemeClr val="lt1"/>
-                    </a:fontRef>
-                  </p:style>
-                  <p:txBody>
-                    <a:bodyPr/>
-                    <a:p>
-                      <a:endParaRPr lang="en-US" sz="1350"/>
-                    </a:p>
-                  </p:txBody>
-                </p:sp>
-              </p:grpSp>
-              <p:grpSp>
-                <p:nvGrpSpPr>
-                  <p:cNvPr id="42" name="Group 41"/>
-                  <p:cNvGrpSpPr/>
-                  <p:nvPr/>
-                </p:nvGrpSpPr>
-                <p:grpSpPr>
-                  <a:xfrm rot="4020000">
-                    <a:off x="11027" y="7547"/>
-                    <a:ext cx="548" cy="608"/>
-                    <a:chOff x="6020" y="4865"/>
-                    <a:chExt cx="928" cy="1362"/>
-                  </a:xfrm>
-                </p:grpSpPr>
-                <p:sp>
-                  <p:nvSpPr>
-                    <p:cNvPr id="43" name="Rectangle 42"/>
-                    <p:cNvSpPr/>
-                    <p:nvPr/>
-                  </p:nvSpPr>
-                  <p:spPr>
-                    <a:xfrm>
-                      <a:off x="6321" y="5259"/>
-                      <a:ext cx="327" cy="609"/>
-                    </a:xfrm>
-                    <a:prstGeom prst="rect">
-                      <a:avLst/>
-                    </a:prstGeom>
-                    <a:solidFill>
-                      <a:schemeClr val="bg1">
-                        <a:lumMod val="65000"/>
-                      </a:schemeClr>
-                    </a:solidFill>
-                    <a:ln>
-                      <a:noFill/>
-                    </a:ln>
-                    <a:effectLst/>
-                  </p:spPr>
-                  <p:style>
-                    <a:lnRef idx="1">
-                      <a:schemeClr val="accent1"/>
-                    </a:lnRef>
-                    <a:fillRef idx="3">
-                      <a:schemeClr val="accent1"/>
-                    </a:fillRef>
-                    <a:effectRef idx="2">
-                      <a:schemeClr val="accent1"/>
-                    </a:effectRef>
-                    <a:fontRef idx="minor">
-                      <a:schemeClr val="lt1"/>
-                    </a:fontRef>
-                  </p:style>
-                  <p:txBody>
-                    <a:bodyPr/>
-                    <a:p>
-                      <a:endParaRPr lang="en-US" sz="1350"/>
-                    </a:p>
-                  </p:txBody>
-                </p:sp>
-                <p:sp>
-                  <p:nvSpPr>
-                    <p:cNvPr id="46" name="Oval 45"/>
-                    <p:cNvSpPr/>
-                    <p:nvPr/>
-                  </p:nvSpPr>
-                  <p:spPr>
-                    <a:xfrm rot="10800000">
-                      <a:off x="6020" y="4865"/>
-                      <a:ext cx="929" cy="561"/>
-                    </a:xfrm>
-                    <a:prstGeom prst="ellipse">
-                      <a:avLst/>
-                    </a:prstGeom>
-                    <a:gradFill>
-                      <a:gsLst>
-                        <a:gs pos="0">
-                          <a:srgbClr val="FECF40"/>
-                        </a:gs>
-                        <a:gs pos="100000">
-                          <a:srgbClr val="846C21"/>
-                        </a:gs>
-                      </a:gsLst>
-                      <a:lin ang="16200000" scaled="0"/>
-                    </a:gradFill>
-                    <a:ln>
-                      <a:noFill/>
-                    </a:ln>
-                    <a:effectLst/>
-                  </p:spPr>
-                  <p:style>
-                    <a:lnRef idx="1">
-                      <a:schemeClr val="accent1"/>
-                    </a:lnRef>
-                    <a:fillRef idx="3">
-                      <a:schemeClr val="accent1"/>
-                    </a:fillRef>
-                    <a:effectRef idx="2">
-                      <a:schemeClr val="accent1"/>
-                    </a:effectRef>
-                    <a:fontRef idx="minor">
-                      <a:schemeClr val="lt1"/>
-                    </a:fontRef>
-                  </p:style>
-                  <p:txBody>
-                    <a:bodyPr/>
-                    <a:p>
-                      <a:endParaRPr lang="en-US" sz="1350"/>
-                    </a:p>
-                  </p:txBody>
-                </p:sp>
-                <p:sp>
-                  <p:nvSpPr>
-                    <p:cNvPr id="51" name="Rectangle 50"/>
-                    <p:cNvSpPr/>
-                    <p:nvPr/>
-                  </p:nvSpPr>
-                  <p:spPr>
-                    <a:xfrm>
-                      <a:off x="6227" y="5867"/>
-                      <a:ext cx="515" cy="360"/>
-                    </a:xfrm>
-                    <a:prstGeom prst="rect">
-                      <a:avLst/>
-                    </a:prstGeom>
-                    <a:solidFill>
-                      <a:schemeClr val="tx1">
-                        <a:lumMod val="65000"/>
-                        <a:lumOff val="35000"/>
-                      </a:schemeClr>
-                    </a:solidFill>
-                    <a:ln>
-                      <a:noFill/>
-                    </a:ln>
-                    <a:effectLst/>
-                  </p:spPr>
-                  <p:style>
-                    <a:lnRef idx="1">
-                      <a:schemeClr val="accent1"/>
-                    </a:lnRef>
-                    <a:fillRef idx="3">
-                      <a:schemeClr val="accent1"/>
-                    </a:fillRef>
-                    <a:effectRef idx="2">
-                      <a:schemeClr val="accent1"/>
-                    </a:effectRef>
-                    <a:fontRef idx="minor">
-                      <a:schemeClr val="lt1"/>
-                    </a:fontRef>
-                  </p:style>
-                  <p:txBody>
-                    <a:bodyPr/>
-                    <a:p>
-                      <a:endParaRPr lang="en-US" sz="1350"/>
-                    </a:p>
-                  </p:txBody>
-                </p:sp>
-              </p:grpSp>
-              <p:grpSp>
-                <p:nvGrpSpPr>
-                  <p:cNvPr id="52" name="Group 51"/>
-                  <p:cNvGrpSpPr/>
-                  <p:nvPr/>
-                </p:nvGrpSpPr>
-                <p:grpSpPr>
-                  <a:xfrm rot="3420000">
-                    <a:off x="11348" y="8134"/>
-                    <a:ext cx="548" cy="608"/>
-                    <a:chOff x="6020" y="4865"/>
-                    <a:chExt cx="928" cy="1362"/>
-                  </a:xfrm>
-                </p:grpSpPr>
-                <p:sp>
-                  <p:nvSpPr>
-                    <p:cNvPr id="76" name="Rectangle 75"/>
-                    <p:cNvSpPr/>
-                    <p:nvPr/>
-                  </p:nvSpPr>
-                  <p:spPr>
-                    <a:xfrm>
-                      <a:off x="6321" y="5259"/>
-                      <a:ext cx="327" cy="609"/>
-                    </a:xfrm>
-                    <a:prstGeom prst="rect">
-                      <a:avLst/>
-                    </a:prstGeom>
-                    <a:solidFill>
-                      <a:schemeClr val="bg1">
-                        <a:lumMod val="65000"/>
-                      </a:schemeClr>
-                    </a:solidFill>
-                    <a:ln>
-                      <a:noFill/>
-                    </a:ln>
-                    <a:effectLst/>
-                  </p:spPr>
-                  <p:style>
-                    <a:lnRef idx="1">
-                      <a:schemeClr val="accent1"/>
-                    </a:lnRef>
-                    <a:fillRef idx="3">
-                      <a:schemeClr val="accent1"/>
-                    </a:fillRef>
-                    <a:effectRef idx="2">
-                      <a:schemeClr val="accent1"/>
-                    </a:effectRef>
-                    <a:fontRef idx="minor">
-                      <a:schemeClr val="lt1"/>
-                    </a:fontRef>
-                  </p:style>
-                  <p:txBody>
-                    <a:bodyPr/>
-                    <a:p>
-                      <a:endParaRPr lang="en-US" sz="1350"/>
-                    </a:p>
-                  </p:txBody>
-                </p:sp>
-                <p:sp>
-                  <p:nvSpPr>
-                    <p:cNvPr id="77" name="Oval 76"/>
-                    <p:cNvSpPr/>
-                    <p:nvPr/>
-                  </p:nvSpPr>
-                  <p:spPr>
-                    <a:xfrm rot="10800000">
-                      <a:off x="6020" y="4865"/>
-                      <a:ext cx="929" cy="561"/>
-                    </a:xfrm>
-                    <a:prstGeom prst="ellipse">
-                      <a:avLst/>
-                    </a:prstGeom>
-                    <a:gradFill>
-                      <a:gsLst>
-                        <a:gs pos="0">
-                          <a:srgbClr val="FECF40"/>
-                        </a:gs>
-                        <a:gs pos="100000">
-                          <a:srgbClr val="846C21"/>
-                        </a:gs>
-                      </a:gsLst>
-                      <a:lin ang="16200000" scaled="0"/>
-                    </a:gradFill>
-                    <a:ln>
-                      <a:noFill/>
-                    </a:ln>
-                    <a:effectLst/>
-                  </p:spPr>
-                  <p:style>
-                    <a:lnRef idx="1">
-                      <a:schemeClr val="accent1"/>
-                    </a:lnRef>
-                    <a:fillRef idx="3">
-                      <a:schemeClr val="accent1"/>
-                    </a:fillRef>
-                    <a:effectRef idx="2">
-                      <a:schemeClr val="accent1"/>
-                    </a:effectRef>
-                    <a:fontRef idx="minor">
-                      <a:schemeClr val="lt1"/>
-                    </a:fontRef>
-                  </p:style>
-                  <p:txBody>
-                    <a:bodyPr/>
-                    <a:p>
-                      <a:endParaRPr lang="en-US" sz="1350"/>
-                    </a:p>
-                  </p:txBody>
-                </p:sp>
-                <p:sp>
-                  <p:nvSpPr>
-                    <p:cNvPr id="78" name="Rectangle 77"/>
-                    <p:cNvSpPr/>
-                    <p:nvPr/>
-                  </p:nvSpPr>
-                  <p:spPr>
-                    <a:xfrm>
-                      <a:off x="6227" y="5867"/>
-                      <a:ext cx="515" cy="360"/>
-                    </a:xfrm>
-                    <a:prstGeom prst="rect">
-                      <a:avLst/>
-                    </a:prstGeom>
-                    <a:solidFill>
-                      <a:schemeClr val="tx1">
-                        <a:lumMod val="65000"/>
-                        <a:lumOff val="35000"/>
-                      </a:schemeClr>
-                    </a:solidFill>
-                    <a:ln>
-                      <a:noFill/>
-                    </a:ln>
-                    <a:effectLst/>
-                  </p:spPr>
-                  <p:style>
-                    <a:lnRef idx="1">
-                      <a:schemeClr val="accent1"/>
-                    </a:lnRef>
-                    <a:fillRef idx="3">
-                      <a:schemeClr val="accent1"/>
-                    </a:fillRef>
-                    <a:effectRef idx="2">
-                      <a:schemeClr val="accent1"/>
-                    </a:effectRef>
-                    <a:fontRef idx="minor">
-                      <a:schemeClr val="lt1"/>
-                    </a:fontRef>
-                  </p:style>
-                  <p:txBody>
-                    <a:bodyPr/>
-                    <a:p>
-                      <a:endParaRPr lang="en-US" sz="1350"/>
-                    </a:p>
-                  </p:txBody>
-                </p:sp>
-              </p:grpSp>
-              <p:grpSp>
-                <p:nvGrpSpPr>
-                  <p:cNvPr id="79" name="Group 78"/>
-                  <p:cNvGrpSpPr/>
-                  <p:nvPr/>
-                </p:nvGrpSpPr>
-                <p:grpSpPr>
-                  <a:xfrm rot="2760000">
-                    <a:off x="11787" y="8650"/>
-                    <a:ext cx="548" cy="608"/>
-                    <a:chOff x="6020" y="4865"/>
-                    <a:chExt cx="928" cy="1362"/>
-                  </a:xfrm>
-                </p:grpSpPr>
-                <p:sp>
-                  <p:nvSpPr>
-                    <p:cNvPr id="80" name="Rectangle 79"/>
-                    <p:cNvSpPr/>
-                    <p:nvPr/>
-                  </p:nvSpPr>
-                  <p:spPr>
-                    <a:xfrm>
-                      <a:off x="6321" y="5259"/>
-                      <a:ext cx="327" cy="609"/>
-                    </a:xfrm>
-                    <a:prstGeom prst="rect">
-                      <a:avLst/>
-                    </a:prstGeom>
-                    <a:solidFill>
-                      <a:schemeClr val="bg1">
-                        <a:lumMod val="65000"/>
-                      </a:schemeClr>
-                    </a:solidFill>
-                    <a:ln>
-                      <a:noFill/>
-                    </a:ln>
-                    <a:effectLst/>
-                  </p:spPr>
-                  <p:style>
-                    <a:lnRef idx="1">
-                      <a:schemeClr val="accent1"/>
-                    </a:lnRef>
-                    <a:fillRef idx="3">
-                      <a:schemeClr val="accent1"/>
-                    </a:fillRef>
-                    <a:effectRef idx="2">
-                      <a:schemeClr val="accent1"/>
-                    </a:effectRef>
-                    <a:fontRef idx="minor">
-                      <a:schemeClr val="lt1"/>
-                    </a:fontRef>
-                  </p:style>
-                  <p:txBody>
-                    <a:bodyPr/>
-                    <a:p>
-                      <a:endParaRPr lang="en-US" sz="1350"/>
-                    </a:p>
-                  </p:txBody>
-                </p:sp>
-                <p:sp>
-                  <p:nvSpPr>
-                    <p:cNvPr id="81" name="Oval 80"/>
-                    <p:cNvSpPr/>
-                    <p:nvPr/>
-                  </p:nvSpPr>
-                  <p:spPr>
-                    <a:xfrm rot="10800000">
-                      <a:off x="6020" y="4865"/>
-                      <a:ext cx="929" cy="561"/>
-                    </a:xfrm>
-                    <a:prstGeom prst="ellipse">
-                      <a:avLst/>
-                    </a:prstGeom>
-                    <a:gradFill>
-                      <a:gsLst>
-                        <a:gs pos="0">
-                          <a:srgbClr val="FECF40"/>
-                        </a:gs>
-                        <a:gs pos="100000">
-                          <a:srgbClr val="846C21"/>
-                        </a:gs>
-                      </a:gsLst>
-                      <a:lin ang="16200000" scaled="0"/>
-                    </a:gradFill>
-                    <a:ln>
-                      <a:noFill/>
-                    </a:ln>
-                    <a:effectLst/>
-                  </p:spPr>
-                  <p:style>
-                    <a:lnRef idx="1">
-                      <a:schemeClr val="accent1"/>
-                    </a:lnRef>
-                    <a:fillRef idx="3">
-                      <a:schemeClr val="accent1"/>
-                    </a:fillRef>
-                    <a:effectRef idx="2">
-                      <a:schemeClr val="accent1"/>
-                    </a:effectRef>
-                    <a:fontRef idx="minor">
-                      <a:schemeClr val="lt1"/>
-                    </a:fontRef>
-                  </p:style>
-                  <p:txBody>
-                    <a:bodyPr/>
-                    <a:p>
-                      <a:endParaRPr lang="en-US" sz="1350"/>
-                    </a:p>
-                  </p:txBody>
-                </p:sp>
-                <p:sp>
-                  <p:nvSpPr>
-                    <p:cNvPr id="82" name="Rectangle 81"/>
-                    <p:cNvSpPr/>
-                    <p:nvPr/>
-                  </p:nvSpPr>
-                  <p:spPr>
-                    <a:xfrm>
-                      <a:off x="6227" y="5867"/>
-                      <a:ext cx="515" cy="360"/>
-                    </a:xfrm>
-                    <a:prstGeom prst="rect">
-                      <a:avLst/>
-                    </a:prstGeom>
-                    <a:solidFill>
-                      <a:schemeClr val="tx1">
-                        <a:lumMod val="65000"/>
-                        <a:lumOff val="35000"/>
-                      </a:schemeClr>
-                    </a:solidFill>
-                    <a:ln>
-                      <a:noFill/>
-                    </a:ln>
-                    <a:effectLst/>
-                  </p:spPr>
-                  <p:style>
-                    <a:lnRef idx="1">
-                      <a:schemeClr val="accent1"/>
-                    </a:lnRef>
-                    <a:fillRef idx="3">
-                      <a:schemeClr val="accent1"/>
-                    </a:fillRef>
-                    <a:effectRef idx="2">
-                      <a:schemeClr val="accent1"/>
-                    </a:effectRef>
-                    <a:fontRef idx="minor">
-                      <a:schemeClr val="lt1"/>
-                    </a:fontRef>
-                  </p:style>
-                  <p:txBody>
-                    <a:bodyPr/>
-                    <a:p>
-                      <a:endParaRPr lang="en-US" sz="1350"/>
-                    </a:p>
-                  </p:txBody>
-                </p:sp>
-              </p:grpSp>
-              <p:grpSp>
-                <p:nvGrpSpPr>
-                  <p:cNvPr id="53" name="Group 52"/>
-                  <p:cNvGrpSpPr/>
-                  <p:nvPr/>
-                </p:nvGrpSpPr>
-                <p:grpSpPr>
-                  <a:xfrm rot="8640000">
-                    <a:off x="12357" y="3301"/>
-                    <a:ext cx="549" cy="579"/>
-                    <a:chOff x="6020" y="4865"/>
-                    <a:chExt cx="929" cy="1279"/>
-                  </a:xfrm>
-                </p:grpSpPr>
-                <p:sp>
-                  <p:nvSpPr>
-                    <p:cNvPr id="84" name="Rectangle 83"/>
-                    <p:cNvSpPr/>
-                    <p:nvPr/>
-                  </p:nvSpPr>
-                  <p:spPr>
-                    <a:xfrm>
-                      <a:off x="6321" y="5259"/>
-                      <a:ext cx="327" cy="609"/>
-                    </a:xfrm>
-                    <a:prstGeom prst="rect">
-                      <a:avLst/>
-                    </a:prstGeom>
-                    <a:solidFill>
-                      <a:schemeClr val="bg1">
-                        <a:lumMod val="65000"/>
-                      </a:schemeClr>
-                    </a:solidFill>
-                    <a:ln>
-                      <a:noFill/>
-                    </a:ln>
-                    <a:effectLst/>
-                  </p:spPr>
-                  <p:style>
-                    <a:lnRef idx="1">
-                      <a:schemeClr val="accent1"/>
-                    </a:lnRef>
-                    <a:fillRef idx="3">
-                      <a:schemeClr val="accent1"/>
-                    </a:fillRef>
-                    <a:effectRef idx="2">
-                      <a:schemeClr val="accent1"/>
-                    </a:effectRef>
-                    <a:fontRef idx="minor">
-                      <a:schemeClr val="lt1"/>
-                    </a:fontRef>
-                  </p:style>
-                  <p:txBody>
-                    <a:bodyPr/>
-                    <a:p>
-                      <a:endParaRPr lang="en-US" sz="1350"/>
-                    </a:p>
-                  </p:txBody>
-                </p:sp>
-                <p:sp>
-                  <p:nvSpPr>
-                    <p:cNvPr id="85" name="Oval 84"/>
-                    <p:cNvSpPr/>
-                    <p:nvPr/>
-                  </p:nvSpPr>
-                  <p:spPr>
-                    <a:xfrm rot="10800000">
-                      <a:off x="6020" y="4865"/>
-                      <a:ext cx="929" cy="561"/>
-                    </a:xfrm>
-                    <a:prstGeom prst="ellipse">
-                      <a:avLst/>
-                    </a:prstGeom>
-                    <a:gradFill>
-                      <a:gsLst>
-                        <a:gs pos="0">
-                          <a:srgbClr val="FECF40"/>
-                        </a:gs>
-                        <a:gs pos="100000">
-                          <a:srgbClr val="846C21"/>
-                        </a:gs>
-                      </a:gsLst>
-                      <a:lin ang="16200000" scaled="0"/>
-                    </a:gradFill>
-                    <a:ln>
-                      <a:noFill/>
-                    </a:ln>
-                    <a:effectLst/>
-                  </p:spPr>
-                  <p:style>
-                    <a:lnRef idx="1">
-                      <a:schemeClr val="accent1"/>
-                    </a:lnRef>
-                    <a:fillRef idx="3">
-                      <a:schemeClr val="accent1"/>
-                    </a:fillRef>
-                    <a:effectRef idx="2">
-                      <a:schemeClr val="accent1"/>
-                    </a:effectRef>
-                    <a:fontRef idx="minor">
-                      <a:schemeClr val="lt1"/>
-                    </a:fontRef>
-                  </p:style>
-                  <p:txBody>
-                    <a:bodyPr/>
-                    <a:p>
-                      <a:endParaRPr lang="en-US" sz="1350"/>
-                    </a:p>
-                  </p:txBody>
-                </p:sp>
-                <p:sp>
-                  <p:nvSpPr>
-                    <p:cNvPr id="86" name="Rectangle 85"/>
-                    <p:cNvSpPr/>
-                    <p:nvPr/>
-                  </p:nvSpPr>
-                  <p:spPr>
-                    <a:xfrm>
-                      <a:off x="6215" y="5784"/>
-                      <a:ext cx="515" cy="360"/>
-                    </a:xfrm>
-                    <a:prstGeom prst="rect">
-                      <a:avLst/>
-                    </a:prstGeom>
-                    <a:solidFill>
-                      <a:schemeClr val="tx1">
-                        <a:lumMod val="65000"/>
-                        <a:lumOff val="35000"/>
-                      </a:schemeClr>
-                    </a:solidFill>
-                    <a:ln>
-                      <a:noFill/>
-                    </a:ln>
-                    <a:effectLst/>
-                  </p:spPr>
-                  <p:style>
-                    <a:lnRef idx="1">
-                      <a:schemeClr val="accent1"/>
-                    </a:lnRef>
-                    <a:fillRef idx="3">
-                      <a:schemeClr val="accent1"/>
-                    </a:fillRef>
-                    <a:effectRef idx="2">
-                      <a:schemeClr val="accent1"/>
-                    </a:effectRef>
-                    <a:fontRef idx="minor">
-                      <a:schemeClr val="lt1"/>
-                    </a:fontRef>
-                  </p:style>
-                  <p:txBody>
-                    <a:bodyPr/>
-                    <a:p>
-                      <a:endParaRPr lang="en-US" sz="1350"/>
-                    </a:p>
-                  </p:txBody>
-                </p:sp>
-              </p:grpSp>
-              <p:grpSp>
-                <p:nvGrpSpPr>
-                  <p:cNvPr id="87" name="Group 86"/>
-                  <p:cNvGrpSpPr/>
-                  <p:nvPr/>
-                </p:nvGrpSpPr>
-                <p:grpSpPr>
-                  <a:xfrm rot="8160000">
-                    <a:off x="11816" y="3724"/>
-                    <a:ext cx="548" cy="608"/>
-                    <a:chOff x="6020" y="4865"/>
-                    <a:chExt cx="928" cy="1362"/>
-                  </a:xfrm>
-                </p:grpSpPr>
-                <p:sp>
-                  <p:nvSpPr>
-                    <p:cNvPr id="88" name="Rectangle 87"/>
-                    <p:cNvSpPr/>
-                    <p:nvPr/>
-                  </p:nvSpPr>
-                  <p:spPr>
-                    <a:xfrm>
-                      <a:off x="6321" y="5259"/>
-                      <a:ext cx="327" cy="609"/>
-                    </a:xfrm>
-                    <a:prstGeom prst="rect">
-                      <a:avLst/>
-                    </a:prstGeom>
-                    <a:solidFill>
-                      <a:schemeClr val="bg1">
-                        <a:lumMod val="65000"/>
-                      </a:schemeClr>
-                    </a:solidFill>
-                    <a:ln>
-                      <a:noFill/>
-                    </a:ln>
-                    <a:effectLst/>
-                  </p:spPr>
-                  <p:style>
-                    <a:lnRef idx="1">
-                      <a:schemeClr val="accent1"/>
-                    </a:lnRef>
-                    <a:fillRef idx="3">
-                      <a:schemeClr val="accent1"/>
-                    </a:fillRef>
-                    <a:effectRef idx="2">
-                      <a:schemeClr val="accent1"/>
-                    </a:effectRef>
-                    <a:fontRef idx="minor">
-                      <a:schemeClr val="lt1"/>
-                    </a:fontRef>
-                  </p:style>
-                  <p:txBody>
-                    <a:bodyPr/>
-                    <a:p>
-                      <a:endParaRPr lang="en-US" sz="1350"/>
-                    </a:p>
-                  </p:txBody>
-                </p:sp>
-                <p:sp>
-                  <p:nvSpPr>
-                    <p:cNvPr id="89" name="Oval 88"/>
-                    <p:cNvSpPr/>
-                    <p:nvPr/>
-                  </p:nvSpPr>
-                  <p:spPr>
-                    <a:xfrm rot="10800000">
-                      <a:off x="6020" y="4865"/>
-                      <a:ext cx="929" cy="561"/>
-                    </a:xfrm>
-                    <a:prstGeom prst="ellipse">
-                      <a:avLst/>
-                    </a:prstGeom>
-                    <a:gradFill>
-                      <a:gsLst>
-                        <a:gs pos="0">
-                          <a:srgbClr val="FECF40"/>
-                        </a:gs>
-                        <a:gs pos="100000">
-                          <a:srgbClr val="846C21"/>
-                        </a:gs>
-                      </a:gsLst>
-                      <a:lin ang="16200000" scaled="0"/>
-                    </a:gradFill>
-                    <a:ln>
-                      <a:noFill/>
-                    </a:ln>
-                    <a:effectLst/>
-                  </p:spPr>
-                  <p:style>
-                    <a:lnRef idx="1">
-                      <a:schemeClr val="accent1"/>
-                    </a:lnRef>
-                    <a:fillRef idx="3">
-                      <a:schemeClr val="accent1"/>
-                    </a:fillRef>
-                    <a:effectRef idx="2">
-                      <a:schemeClr val="accent1"/>
-                    </a:effectRef>
-                    <a:fontRef idx="minor">
-                      <a:schemeClr val="lt1"/>
-                    </a:fontRef>
-                  </p:style>
-                  <p:txBody>
-                    <a:bodyPr/>
-                    <a:p>
-                      <a:endParaRPr lang="en-US" sz="1350"/>
-                    </a:p>
-                  </p:txBody>
-                </p:sp>
-                <p:sp>
-                  <p:nvSpPr>
-                    <p:cNvPr id="90" name="Rectangle 89"/>
-                    <p:cNvSpPr/>
-                    <p:nvPr/>
-                  </p:nvSpPr>
-                  <p:spPr>
-                    <a:xfrm>
-                      <a:off x="6227" y="5867"/>
-                      <a:ext cx="515" cy="360"/>
-                    </a:xfrm>
-                    <a:prstGeom prst="rect">
-                      <a:avLst/>
-                    </a:prstGeom>
-                    <a:solidFill>
-                      <a:schemeClr val="tx1">
-                        <a:lumMod val="65000"/>
-                        <a:lumOff val="35000"/>
-                      </a:schemeClr>
-                    </a:solidFill>
-                    <a:ln>
-                      <a:noFill/>
-                    </a:ln>
-                    <a:effectLst/>
-                  </p:spPr>
-                  <p:style>
-                    <a:lnRef idx="1">
-                      <a:schemeClr val="accent1"/>
-                    </a:lnRef>
-                    <a:fillRef idx="3">
-                      <a:schemeClr val="accent1"/>
-                    </a:fillRef>
-                    <a:effectRef idx="2">
-                      <a:schemeClr val="accent1"/>
-                    </a:effectRef>
-                    <a:fontRef idx="minor">
-                      <a:schemeClr val="lt1"/>
-                    </a:fontRef>
-                  </p:style>
-                  <p:txBody>
-                    <a:bodyPr/>
-                    <a:p>
-                      <a:endParaRPr lang="en-US" sz="1350"/>
-                    </a:p>
-                  </p:txBody>
-                </p:sp>
-              </p:grpSp>
-              <p:grpSp>
-                <p:nvGrpSpPr>
-                  <p:cNvPr id="91" name="Group 90"/>
-                  <p:cNvGrpSpPr/>
-                  <p:nvPr/>
-                </p:nvGrpSpPr>
-                <p:grpSpPr>
-                  <a:xfrm rot="7500000">
-                    <a:off x="11365" y="4299"/>
-                    <a:ext cx="548" cy="608"/>
-                    <a:chOff x="6020" y="4865"/>
-                    <a:chExt cx="928" cy="1362"/>
-                  </a:xfrm>
-                </p:grpSpPr>
-                <p:sp>
-                  <p:nvSpPr>
-                    <p:cNvPr id="92" name="Rectangle 91"/>
-                    <p:cNvSpPr/>
-                    <p:nvPr/>
-                  </p:nvSpPr>
-                  <p:spPr>
-                    <a:xfrm>
-                      <a:off x="6321" y="5259"/>
-                      <a:ext cx="327" cy="609"/>
-                    </a:xfrm>
-                    <a:prstGeom prst="rect">
-                      <a:avLst/>
-                    </a:prstGeom>
-                    <a:solidFill>
-                      <a:schemeClr val="bg1">
-                        <a:lumMod val="65000"/>
-                      </a:schemeClr>
-                    </a:solidFill>
-                    <a:ln>
-                      <a:noFill/>
-                    </a:ln>
-                    <a:effectLst/>
-                  </p:spPr>
-                  <p:style>
-                    <a:lnRef idx="1">
-                      <a:schemeClr val="accent1"/>
-                    </a:lnRef>
-                    <a:fillRef idx="3">
-                      <a:schemeClr val="accent1"/>
-                    </a:fillRef>
-                    <a:effectRef idx="2">
-                      <a:schemeClr val="accent1"/>
-                    </a:effectRef>
-                    <a:fontRef idx="minor">
-                      <a:schemeClr val="lt1"/>
-                    </a:fontRef>
-                  </p:style>
-                  <p:txBody>
-                    <a:bodyPr/>
-                    <a:p>
-                      <a:endParaRPr lang="en-US" sz="1350"/>
-                    </a:p>
-                  </p:txBody>
-                </p:sp>
-                <p:sp>
-                  <p:nvSpPr>
-                    <p:cNvPr id="93" name="Oval 92"/>
-                    <p:cNvSpPr/>
-                    <p:nvPr/>
-                  </p:nvSpPr>
-                  <p:spPr>
-                    <a:xfrm rot="10800000">
-                      <a:off x="6020" y="4865"/>
-                      <a:ext cx="929" cy="561"/>
-                    </a:xfrm>
-                    <a:prstGeom prst="ellipse">
-                      <a:avLst/>
-                    </a:prstGeom>
-                    <a:gradFill>
-                      <a:gsLst>
-                        <a:gs pos="0">
-                          <a:srgbClr val="FECF40"/>
-                        </a:gs>
-                        <a:gs pos="100000">
-                          <a:srgbClr val="846C21"/>
-                        </a:gs>
-                      </a:gsLst>
-                      <a:lin ang="16200000" scaled="0"/>
-                    </a:gradFill>
-                    <a:ln>
-                      <a:noFill/>
-                    </a:ln>
-                    <a:effectLst/>
-                  </p:spPr>
-                  <p:style>
-                    <a:lnRef idx="1">
-                      <a:schemeClr val="accent1"/>
-                    </a:lnRef>
-                    <a:fillRef idx="3">
-                      <a:schemeClr val="accent1"/>
-                    </a:fillRef>
-                    <a:effectRef idx="2">
-                      <a:schemeClr val="accent1"/>
-                    </a:effectRef>
-                    <a:fontRef idx="minor">
-                      <a:schemeClr val="lt1"/>
-                    </a:fontRef>
-                  </p:style>
-                  <p:txBody>
-                    <a:bodyPr/>
-                    <a:p>
-                      <a:endParaRPr lang="en-US" sz="1350"/>
-                    </a:p>
-                  </p:txBody>
-                </p:sp>
-                <p:sp>
-                  <p:nvSpPr>
-                    <p:cNvPr id="94" name="Rectangle 93"/>
-                    <p:cNvSpPr/>
-                    <p:nvPr/>
-                  </p:nvSpPr>
-                  <p:spPr>
-                    <a:xfrm>
-                      <a:off x="6227" y="5867"/>
-                      <a:ext cx="515" cy="360"/>
-                    </a:xfrm>
-                    <a:prstGeom prst="rect">
-                      <a:avLst/>
-                    </a:prstGeom>
-                    <a:solidFill>
-                      <a:schemeClr val="tx1">
-                        <a:lumMod val="65000"/>
-                        <a:lumOff val="35000"/>
-                      </a:schemeClr>
-                    </a:solidFill>
-                    <a:ln>
-                      <a:noFill/>
-                    </a:ln>
-                    <a:effectLst/>
-                  </p:spPr>
-                  <p:style>
-                    <a:lnRef idx="1">
-                      <a:schemeClr val="accent1"/>
-                    </a:lnRef>
-                    <a:fillRef idx="3">
-                      <a:schemeClr val="accent1"/>
-                    </a:fillRef>
-                    <a:effectRef idx="2">
-                      <a:schemeClr val="accent1"/>
-                    </a:effectRef>
-                    <a:fontRef idx="minor">
-                      <a:schemeClr val="lt1"/>
-                    </a:fontRef>
-                  </p:style>
-                  <p:txBody>
-                    <a:bodyPr/>
-                    <a:p>
-                      <a:endParaRPr lang="en-US" sz="1350"/>
-                    </a:p>
-                  </p:txBody>
-                </p:sp>
-              </p:grpSp>
-              <p:grpSp>
-                <p:nvGrpSpPr>
-                  <p:cNvPr id="95" name="Group 94"/>
-                  <p:cNvGrpSpPr/>
-                  <p:nvPr/>
-                </p:nvGrpSpPr>
-                <p:grpSpPr>
-                  <a:xfrm rot="6900000">
-                    <a:off x="11015" y="4908"/>
-                    <a:ext cx="548" cy="608"/>
-                    <a:chOff x="6020" y="4865"/>
-                    <a:chExt cx="928" cy="1362"/>
-                  </a:xfrm>
-                </p:grpSpPr>
-                <p:sp>
-                  <p:nvSpPr>
-                    <p:cNvPr id="96" name="Rectangle 95"/>
-                    <p:cNvSpPr/>
-                    <p:nvPr/>
-                  </p:nvSpPr>
-                  <p:spPr>
-                    <a:xfrm>
-                      <a:off x="6321" y="5259"/>
-                      <a:ext cx="327" cy="609"/>
-                    </a:xfrm>
-                    <a:prstGeom prst="rect">
-                      <a:avLst/>
-                    </a:prstGeom>
-                    <a:solidFill>
-                      <a:schemeClr val="bg1">
-                        <a:lumMod val="65000"/>
-                      </a:schemeClr>
-                    </a:solidFill>
-                    <a:ln>
-                      <a:noFill/>
-                    </a:ln>
-                    <a:effectLst/>
-                  </p:spPr>
-                  <p:style>
-                    <a:lnRef idx="1">
-                      <a:schemeClr val="accent1"/>
-                    </a:lnRef>
-                    <a:fillRef idx="3">
-                      <a:schemeClr val="accent1"/>
-                    </a:fillRef>
-                    <a:effectRef idx="2">
-                      <a:schemeClr val="accent1"/>
-                    </a:effectRef>
-                    <a:fontRef idx="minor">
-                      <a:schemeClr val="lt1"/>
-                    </a:fontRef>
-                  </p:style>
-                  <p:txBody>
-                    <a:bodyPr/>
-                    <a:p>
-                      <a:endParaRPr lang="en-US" sz="1350"/>
-                    </a:p>
-                  </p:txBody>
-                </p:sp>
-                <p:sp>
-                  <p:nvSpPr>
-                    <p:cNvPr id="97" name="Oval 96"/>
-                    <p:cNvSpPr/>
-                    <p:nvPr/>
-                  </p:nvSpPr>
-                  <p:spPr>
-                    <a:xfrm rot="10800000">
-                      <a:off x="6020" y="4865"/>
-                      <a:ext cx="929" cy="561"/>
-                    </a:xfrm>
-                    <a:prstGeom prst="ellipse">
-                      <a:avLst/>
-                    </a:prstGeom>
-                    <a:gradFill>
-                      <a:gsLst>
-                        <a:gs pos="0">
-                          <a:srgbClr val="FECF40"/>
-                        </a:gs>
-                        <a:gs pos="100000">
-                          <a:srgbClr val="846C21"/>
-                        </a:gs>
-                      </a:gsLst>
-                      <a:lin ang="16200000" scaled="0"/>
-                    </a:gradFill>
-                    <a:ln>
-                      <a:noFill/>
-                    </a:ln>
-                    <a:effectLst/>
-                  </p:spPr>
-                  <p:style>
-                    <a:lnRef idx="1">
-                      <a:schemeClr val="accent1"/>
-                    </a:lnRef>
-                    <a:fillRef idx="3">
-                      <a:schemeClr val="accent1"/>
-                    </a:fillRef>
-                    <a:effectRef idx="2">
-                      <a:schemeClr val="accent1"/>
-                    </a:effectRef>
-                    <a:fontRef idx="minor">
-                      <a:schemeClr val="lt1"/>
-                    </a:fontRef>
-                  </p:style>
-                  <p:txBody>
-                    <a:bodyPr/>
-                    <a:p>
-                      <a:endParaRPr lang="en-US" sz="1350"/>
-                    </a:p>
-                  </p:txBody>
-                </p:sp>
-                <p:sp>
-                  <p:nvSpPr>
-                    <p:cNvPr id="98" name="Rectangle 97"/>
-                    <p:cNvSpPr/>
-                    <p:nvPr/>
-                  </p:nvSpPr>
-                  <p:spPr>
-                    <a:xfrm>
-                      <a:off x="6227" y="5867"/>
-                      <a:ext cx="515" cy="360"/>
-                    </a:xfrm>
-                    <a:prstGeom prst="rect">
-                      <a:avLst/>
-                    </a:prstGeom>
-                    <a:solidFill>
-                      <a:schemeClr val="tx1">
-                        <a:lumMod val="65000"/>
-                        <a:lumOff val="35000"/>
-                      </a:schemeClr>
-                    </a:solidFill>
-                    <a:ln>
-                      <a:noFill/>
-                    </a:ln>
-                    <a:effectLst/>
-                  </p:spPr>
-                  <p:style>
-                    <a:lnRef idx="1">
-                      <a:schemeClr val="accent1"/>
-                    </a:lnRef>
-                    <a:fillRef idx="3">
-                      <a:schemeClr val="accent1"/>
-                    </a:fillRef>
-                    <a:effectRef idx="2">
-                      <a:schemeClr val="accent1"/>
-                    </a:effectRef>
-                    <a:fontRef idx="minor">
-                      <a:schemeClr val="lt1"/>
-                    </a:fontRef>
-                  </p:style>
-                  <p:txBody>
-                    <a:bodyPr/>
-                    <a:p>
-                      <a:endParaRPr lang="en-US" sz="1350"/>
-                    </a:p>
-                  </p:txBody>
-                </p:sp>
-              </p:grpSp>
-              <p:grpSp>
-                <p:nvGrpSpPr>
-                  <p:cNvPr id="119" name="Group 118"/>
-                  <p:cNvGrpSpPr/>
-                  <p:nvPr/>
-                </p:nvGrpSpPr>
-                <p:grpSpPr>
-                  <a:xfrm rot="6000000">
-                    <a:off x="10801" y="5581"/>
-                    <a:ext cx="548" cy="608"/>
-                    <a:chOff x="6020" y="4865"/>
-                    <a:chExt cx="928" cy="1362"/>
-                  </a:xfrm>
-                </p:grpSpPr>
-                <p:sp>
-                  <p:nvSpPr>
-                    <p:cNvPr id="120" name="Rectangle 119"/>
-                    <p:cNvSpPr/>
-                    <p:nvPr/>
-                  </p:nvSpPr>
-                  <p:spPr>
-                    <a:xfrm>
-                      <a:off x="6321" y="5259"/>
-                      <a:ext cx="327" cy="609"/>
-                    </a:xfrm>
-                    <a:prstGeom prst="rect">
-                      <a:avLst/>
-                    </a:prstGeom>
-                    <a:solidFill>
-                      <a:schemeClr val="bg1">
-                        <a:lumMod val="65000"/>
-                      </a:schemeClr>
-                    </a:solidFill>
-                    <a:ln>
-                      <a:noFill/>
-                    </a:ln>
-                    <a:effectLst/>
-                  </p:spPr>
-                  <p:style>
-                    <a:lnRef idx="1">
-                      <a:schemeClr val="accent1"/>
-                    </a:lnRef>
-                    <a:fillRef idx="3">
-                      <a:schemeClr val="accent1"/>
-                    </a:fillRef>
-                    <a:effectRef idx="2">
-                      <a:schemeClr val="accent1"/>
-                    </a:effectRef>
-                    <a:fontRef idx="minor">
-                      <a:schemeClr val="lt1"/>
-                    </a:fontRef>
-                  </p:style>
-                  <p:txBody>
-                    <a:bodyPr/>
-                    <a:p>
-                      <a:endParaRPr lang="en-US" sz="1350"/>
-                    </a:p>
-                  </p:txBody>
-                </p:sp>
-                <p:sp>
-                  <p:nvSpPr>
-                    <p:cNvPr id="121" name="Oval 120"/>
-                    <p:cNvSpPr/>
-                    <p:nvPr/>
-                  </p:nvSpPr>
-                  <p:spPr>
-                    <a:xfrm rot="10800000">
-                      <a:off x="6020" y="4865"/>
-                      <a:ext cx="929" cy="561"/>
-                    </a:xfrm>
-                    <a:prstGeom prst="ellipse">
-                      <a:avLst/>
-                    </a:prstGeom>
-                    <a:gradFill>
-                      <a:gsLst>
-                        <a:gs pos="0">
-                          <a:srgbClr val="FECF40"/>
-                        </a:gs>
-                        <a:gs pos="100000">
-                          <a:srgbClr val="846C21"/>
-                        </a:gs>
-                      </a:gsLst>
-                      <a:lin ang="16200000" scaled="0"/>
-                    </a:gradFill>
-                    <a:ln>
-                      <a:noFill/>
-                    </a:ln>
-                    <a:effectLst/>
-                  </p:spPr>
-                  <p:style>
-                    <a:lnRef idx="1">
-                      <a:schemeClr val="accent1"/>
-                    </a:lnRef>
-                    <a:fillRef idx="3">
-                      <a:schemeClr val="accent1"/>
-                    </a:fillRef>
-                    <a:effectRef idx="2">
-                      <a:schemeClr val="accent1"/>
-                    </a:effectRef>
-                    <a:fontRef idx="minor">
-                      <a:schemeClr val="lt1"/>
-                    </a:fontRef>
-                  </p:style>
-                  <p:txBody>
-                    <a:bodyPr/>
-                    <a:p>
-                      <a:endParaRPr lang="en-US" sz="1350"/>
-                    </a:p>
-                  </p:txBody>
-                </p:sp>
-                <p:sp>
-                  <p:nvSpPr>
-                    <p:cNvPr id="122" name="Rectangle 121"/>
-                    <p:cNvSpPr/>
-                    <p:nvPr/>
-                  </p:nvSpPr>
-                  <p:spPr>
-                    <a:xfrm>
-                      <a:off x="6227" y="5867"/>
-                      <a:ext cx="515" cy="360"/>
-                    </a:xfrm>
-                    <a:prstGeom prst="rect">
-                      <a:avLst/>
-                    </a:prstGeom>
-                    <a:solidFill>
-                      <a:schemeClr val="tx1">
-                        <a:lumMod val="65000"/>
-                        <a:lumOff val="35000"/>
-                      </a:schemeClr>
-                    </a:solidFill>
-                    <a:ln>
-                      <a:noFill/>
-                    </a:ln>
-                    <a:effectLst/>
-                  </p:spPr>
-                  <p:style>
-                    <a:lnRef idx="1">
-                      <a:schemeClr val="accent1"/>
-                    </a:lnRef>
-                    <a:fillRef idx="3">
-                      <a:schemeClr val="accent1"/>
-                    </a:fillRef>
-                    <a:effectRef idx="2">
-                      <a:schemeClr val="accent1"/>
-                    </a:effectRef>
-                    <a:fontRef idx="minor">
-                      <a:schemeClr val="lt1"/>
-                    </a:fontRef>
-                  </p:style>
-                  <p:txBody>
-                    <a:bodyPr/>
-                    <a:p>
-                      <a:endParaRPr lang="en-US" sz="1350"/>
-                    </a:p>
-                  </p:txBody>
-                </p:sp>
-              </p:grpSp>
-              <p:grpSp>
-                <p:nvGrpSpPr>
-                  <p:cNvPr id="123" name="Group 122"/>
-                  <p:cNvGrpSpPr/>
-                  <p:nvPr/>
-                </p:nvGrpSpPr>
-                <p:grpSpPr>
-                  <a:xfrm>
-                    <a:off x="14216" y="9677"/>
-                    <a:ext cx="548" cy="608"/>
-                    <a:chOff x="6020" y="4865"/>
-                    <a:chExt cx="928" cy="1362"/>
-                  </a:xfrm>
-                </p:grpSpPr>
-                <p:sp>
-                  <p:nvSpPr>
-                    <p:cNvPr id="124" name="Rectangle 123"/>
-                    <p:cNvSpPr/>
-                    <p:nvPr/>
-                  </p:nvSpPr>
-                  <p:spPr>
-                    <a:xfrm>
-                      <a:off x="6321" y="5259"/>
-                      <a:ext cx="327" cy="609"/>
-                    </a:xfrm>
-                    <a:prstGeom prst="rect">
-                      <a:avLst/>
-                    </a:prstGeom>
-                    <a:solidFill>
-                      <a:schemeClr val="bg1">
-                        <a:lumMod val="65000"/>
-                      </a:schemeClr>
-                    </a:solidFill>
-                    <a:ln>
-                      <a:noFill/>
-                    </a:ln>
-                    <a:effectLst/>
-                  </p:spPr>
-                  <p:style>
-                    <a:lnRef idx="1">
-                      <a:schemeClr val="accent1"/>
-                    </a:lnRef>
-                    <a:fillRef idx="3">
-                      <a:schemeClr val="accent1"/>
-                    </a:fillRef>
-                    <a:effectRef idx="2">
-                      <a:schemeClr val="accent1"/>
-                    </a:effectRef>
-                    <a:fontRef idx="minor">
-                      <a:schemeClr val="lt1"/>
-                    </a:fontRef>
-                  </p:style>
-                  <p:txBody>
-                    <a:bodyPr/>
-                    <a:p>
-                      <a:endParaRPr lang="en-US" sz="1350"/>
-                    </a:p>
-                  </p:txBody>
-                </p:sp>
-                <p:sp>
-                  <p:nvSpPr>
-                    <p:cNvPr id="125" name="Oval 124"/>
-                    <p:cNvSpPr/>
-                    <p:nvPr/>
-                  </p:nvSpPr>
-                  <p:spPr>
-                    <a:xfrm rot="10800000">
-                      <a:off x="6020" y="4865"/>
-                      <a:ext cx="929" cy="561"/>
-                    </a:xfrm>
-                    <a:prstGeom prst="ellipse">
-                      <a:avLst/>
-                    </a:prstGeom>
-                    <a:gradFill>
-                      <a:gsLst>
-                        <a:gs pos="0">
-                          <a:srgbClr val="FECF40"/>
-                        </a:gs>
-                        <a:gs pos="100000">
-                          <a:srgbClr val="846C21"/>
-                        </a:gs>
-                      </a:gsLst>
-                      <a:lin ang="16200000" scaled="0"/>
-                    </a:gradFill>
-                    <a:ln>
-                      <a:noFill/>
-                    </a:ln>
-                    <a:effectLst/>
-                  </p:spPr>
-                  <p:style>
-                    <a:lnRef idx="1">
-                      <a:schemeClr val="accent1"/>
-                    </a:lnRef>
-                    <a:fillRef idx="3">
-                      <a:schemeClr val="accent1"/>
-                    </a:fillRef>
-                    <a:effectRef idx="2">
-                      <a:schemeClr val="accent1"/>
-                    </a:effectRef>
-                    <a:fontRef idx="minor">
-                      <a:schemeClr val="lt1"/>
-                    </a:fontRef>
-                  </p:style>
-                  <p:txBody>
-                    <a:bodyPr/>
-                    <a:p>
-                      <a:endParaRPr lang="en-US" sz="1350"/>
-                    </a:p>
-                  </p:txBody>
-                </p:sp>
-                <p:sp>
-                  <p:nvSpPr>
-                    <p:cNvPr id="126" name="Rectangle 125"/>
-                    <p:cNvSpPr/>
-                    <p:nvPr/>
-                  </p:nvSpPr>
-                  <p:spPr>
-                    <a:xfrm>
-                      <a:off x="6227" y="5867"/>
-                      <a:ext cx="515" cy="360"/>
-                    </a:xfrm>
-                    <a:prstGeom prst="rect">
-                      <a:avLst/>
-                    </a:prstGeom>
-                    <a:solidFill>
-                      <a:schemeClr val="tx1">
-                        <a:lumMod val="65000"/>
-                        <a:lumOff val="35000"/>
-                      </a:schemeClr>
-                    </a:solidFill>
-                    <a:ln>
-                      <a:noFill/>
-                    </a:ln>
-                    <a:effectLst/>
-                  </p:spPr>
-                  <p:style>
-                    <a:lnRef idx="1">
-                      <a:schemeClr val="accent1"/>
-                    </a:lnRef>
-                    <a:fillRef idx="3">
-                      <a:schemeClr val="accent1"/>
-                    </a:fillRef>
-                    <a:effectRef idx="2">
-                      <a:schemeClr val="accent1"/>
-                    </a:effectRef>
-                    <a:fontRef idx="minor">
-                      <a:schemeClr val="lt1"/>
-                    </a:fontRef>
-                  </p:style>
-                  <p:txBody>
-                    <a:bodyPr/>
-                    <a:p>
-                      <a:endParaRPr lang="en-US" sz="1350"/>
-                    </a:p>
-                  </p:txBody>
-                </p:sp>
-              </p:grpSp>
-              <p:grpSp>
-                <p:nvGrpSpPr>
-                  <p:cNvPr id="127" name="Group 126"/>
-                  <p:cNvGrpSpPr/>
-                  <p:nvPr/>
-                </p:nvGrpSpPr>
-                <p:grpSpPr>
-                  <a:xfrm rot="1440000">
-                    <a:off x="12888" y="9384"/>
-                    <a:ext cx="548" cy="608"/>
-                    <a:chOff x="6020" y="4865"/>
-                    <a:chExt cx="928" cy="1362"/>
-                  </a:xfrm>
-                </p:grpSpPr>
-                <p:sp>
-                  <p:nvSpPr>
-                    <p:cNvPr id="128" name="Rectangle 127"/>
-                    <p:cNvSpPr/>
-                    <p:nvPr/>
-                  </p:nvSpPr>
-                  <p:spPr>
-                    <a:xfrm>
-                      <a:off x="6321" y="5259"/>
-                      <a:ext cx="327" cy="609"/>
-                    </a:xfrm>
-                    <a:prstGeom prst="rect">
-                      <a:avLst/>
-                    </a:prstGeom>
-                    <a:solidFill>
-                      <a:schemeClr val="bg1">
-                        <a:lumMod val="65000"/>
-                      </a:schemeClr>
-                    </a:solidFill>
-                    <a:ln>
-                      <a:noFill/>
-                    </a:ln>
-                    <a:effectLst/>
-                  </p:spPr>
-                  <p:style>
-                    <a:lnRef idx="1">
-                      <a:schemeClr val="accent1"/>
-                    </a:lnRef>
-                    <a:fillRef idx="3">
-                      <a:schemeClr val="accent1"/>
-                    </a:fillRef>
-                    <a:effectRef idx="2">
-                      <a:schemeClr val="accent1"/>
-                    </a:effectRef>
-                    <a:fontRef idx="minor">
-                      <a:schemeClr val="lt1"/>
-                    </a:fontRef>
-                  </p:style>
-                  <p:txBody>
-                    <a:bodyPr/>
-                    <a:p>
-                      <a:endParaRPr lang="en-US" sz="1350"/>
-                    </a:p>
-                  </p:txBody>
-                </p:sp>
-                <p:sp>
-                  <p:nvSpPr>
-                    <p:cNvPr id="129" name="Oval 128"/>
-                    <p:cNvSpPr/>
-                    <p:nvPr/>
-                  </p:nvSpPr>
-                  <p:spPr>
-                    <a:xfrm rot="10800000">
-                      <a:off x="6020" y="4865"/>
-                      <a:ext cx="929" cy="561"/>
-                    </a:xfrm>
-                    <a:prstGeom prst="ellipse">
-                      <a:avLst/>
-                    </a:prstGeom>
-                    <a:gradFill>
-                      <a:gsLst>
-                        <a:gs pos="0">
-                          <a:srgbClr val="FECF40"/>
-                        </a:gs>
-                        <a:gs pos="100000">
-                          <a:srgbClr val="846C21"/>
-                        </a:gs>
-                      </a:gsLst>
-                      <a:lin ang="16200000" scaled="0"/>
-                    </a:gradFill>
-                    <a:ln>
-                      <a:noFill/>
-                    </a:ln>
-                    <a:effectLst/>
-                  </p:spPr>
-                  <p:style>
-                    <a:lnRef idx="1">
-                      <a:schemeClr val="accent1"/>
-                    </a:lnRef>
-                    <a:fillRef idx="3">
-                      <a:schemeClr val="accent1"/>
-                    </a:fillRef>
-                    <a:effectRef idx="2">
-                      <a:schemeClr val="accent1"/>
-                    </a:effectRef>
-                    <a:fontRef idx="minor">
-                      <a:schemeClr val="lt1"/>
-                    </a:fontRef>
-                  </p:style>
-                  <p:txBody>
-                    <a:bodyPr/>
-                    <a:p>
-                      <a:endParaRPr lang="en-US" sz="1350"/>
-                    </a:p>
-                  </p:txBody>
-                </p:sp>
-                <p:sp>
-                  <p:nvSpPr>
-                    <p:cNvPr id="130" name="Rectangle 129"/>
-                    <p:cNvSpPr/>
-                    <p:nvPr/>
-                  </p:nvSpPr>
-                  <p:spPr>
-                    <a:xfrm>
-                      <a:off x="6227" y="5867"/>
-                      <a:ext cx="515" cy="360"/>
-                    </a:xfrm>
-                    <a:prstGeom prst="rect">
-                      <a:avLst/>
-                    </a:prstGeom>
-                    <a:solidFill>
-                      <a:schemeClr val="tx1">
-                        <a:lumMod val="65000"/>
-                        <a:lumOff val="35000"/>
-                      </a:schemeClr>
-                    </a:solidFill>
-                    <a:ln>
-                      <a:noFill/>
-                    </a:ln>
-                    <a:effectLst/>
-                  </p:spPr>
-                  <p:style>
-                    <a:lnRef idx="1">
-                      <a:schemeClr val="accent1"/>
-                    </a:lnRef>
-                    <a:fillRef idx="3">
-                      <a:schemeClr val="accent1"/>
-                    </a:fillRef>
-                    <a:effectRef idx="2">
-                      <a:schemeClr val="accent1"/>
-                    </a:effectRef>
-                    <a:fontRef idx="minor">
-                      <a:schemeClr val="lt1"/>
-                    </a:fontRef>
-                  </p:style>
-                  <p:txBody>
-                    <a:bodyPr/>
-                    <a:p>
-                      <a:endParaRPr lang="en-US" sz="1350"/>
-                    </a:p>
-                  </p:txBody>
-                </p:sp>
-              </p:grpSp>
-              <p:grpSp>
-                <p:nvGrpSpPr>
-                  <p:cNvPr id="131" name="Group 130"/>
-                  <p:cNvGrpSpPr/>
-                  <p:nvPr/>
-                </p:nvGrpSpPr>
-                <p:grpSpPr>
-                  <a:xfrm rot="780000">
-                    <a:off x="13522" y="9588"/>
-                    <a:ext cx="548" cy="608"/>
-                    <a:chOff x="6020" y="4865"/>
-                    <a:chExt cx="928" cy="1362"/>
-                  </a:xfrm>
-                </p:grpSpPr>
-                <p:sp>
-                  <p:nvSpPr>
-                    <p:cNvPr id="132" name="Rectangle 131"/>
-                    <p:cNvSpPr/>
-                    <p:nvPr/>
-                  </p:nvSpPr>
-                  <p:spPr>
-                    <a:xfrm>
-                      <a:off x="6321" y="5259"/>
-                      <a:ext cx="327" cy="609"/>
-                    </a:xfrm>
-                    <a:prstGeom prst="rect">
-                      <a:avLst/>
-                    </a:prstGeom>
-                    <a:solidFill>
-                      <a:schemeClr val="bg1">
-                        <a:lumMod val="65000"/>
-                      </a:schemeClr>
-                    </a:solidFill>
-                    <a:ln>
-                      <a:noFill/>
-                    </a:ln>
-                    <a:effectLst/>
-                  </p:spPr>
-                  <p:style>
-                    <a:lnRef idx="1">
-                      <a:schemeClr val="accent1"/>
-                    </a:lnRef>
-                    <a:fillRef idx="3">
-                      <a:schemeClr val="accent1"/>
-                    </a:fillRef>
-                    <a:effectRef idx="2">
-                      <a:schemeClr val="accent1"/>
-                    </a:effectRef>
-                    <a:fontRef idx="minor">
-                      <a:schemeClr val="lt1"/>
-                    </a:fontRef>
-                  </p:style>
-                  <p:txBody>
-                    <a:bodyPr/>
-                    <a:p>
-                      <a:endParaRPr lang="en-US" sz="1350"/>
-                    </a:p>
-                  </p:txBody>
-                </p:sp>
-                <p:sp>
-                  <p:nvSpPr>
-                    <p:cNvPr id="133" name="Oval 132"/>
-                    <p:cNvSpPr/>
-                    <p:nvPr/>
-                  </p:nvSpPr>
-                  <p:spPr>
-                    <a:xfrm rot="10800000">
-                      <a:off x="6020" y="4865"/>
-                      <a:ext cx="929" cy="561"/>
-                    </a:xfrm>
-                    <a:prstGeom prst="ellipse">
-                      <a:avLst/>
-                    </a:prstGeom>
-                    <a:gradFill>
-                      <a:gsLst>
-                        <a:gs pos="0">
-                          <a:srgbClr val="FECF40"/>
-                        </a:gs>
-                        <a:gs pos="100000">
-                          <a:srgbClr val="846C21"/>
-                        </a:gs>
-                      </a:gsLst>
-                      <a:lin ang="16200000" scaled="0"/>
-                    </a:gradFill>
-                    <a:ln>
-                      <a:noFill/>
-                    </a:ln>
-                    <a:effectLst/>
-                  </p:spPr>
-                  <p:style>
-                    <a:lnRef idx="1">
-                      <a:schemeClr val="accent1"/>
-                    </a:lnRef>
-                    <a:fillRef idx="3">
-                      <a:schemeClr val="accent1"/>
-                    </a:fillRef>
-                    <a:effectRef idx="2">
-                      <a:schemeClr val="accent1"/>
-                    </a:effectRef>
-                    <a:fontRef idx="minor">
-                      <a:schemeClr val="lt1"/>
-                    </a:fontRef>
-                  </p:style>
-                  <p:txBody>
-                    <a:bodyPr/>
-                    <a:p>
-                      <a:endParaRPr lang="en-US" sz="1350"/>
-                    </a:p>
-                  </p:txBody>
-                </p:sp>
-                <p:sp>
-                  <p:nvSpPr>
-                    <p:cNvPr id="134" name="Rectangle 133"/>
-                    <p:cNvSpPr/>
-                    <p:nvPr/>
-                  </p:nvSpPr>
-                  <p:spPr>
-                    <a:xfrm>
-                      <a:off x="6227" y="5867"/>
-                      <a:ext cx="515" cy="360"/>
-                    </a:xfrm>
-                    <a:prstGeom prst="rect">
-                      <a:avLst/>
-                    </a:prstGeom>
-                    <a:solidFill>
-                      <a:schemeClr val="tx1">
-                        <a:lumMod val="65000"/>
-                        <a:lumOff val="35000"/>
-                      </a:schemeClr>
-                    </a:solidFill>
-                    <a:ln>
-                      <a:noFill/>
-                    </a:ln>
-                    <a:effectLst/>
-                  </p:spPr>
-                  <p:style>
-                    <a:lnRef idx="1">
-                      <a:schemeClr val="accent1"/>
-                    </a:lnRef>
-                    <a:fillRef idx="3">
-                      <a:schemeClr val="accent1"/>
-                    </a:fillRef>
-                    <a:effectRef idx="2">
-                      <a:schemeClr val="accent1"/>
-                    </a:effectRef>
-                    <a:fontRef idx="minor">
-                      <a:schemeClr val="lt1"/>
-                    </a:fontRef>
-                  </p:style>
-                  <p:txBody>
-                    <a:bodyPr/>
-                    <a:p>
-                      <a:endParaRPr lang="en-US" sz="1350"/>
-                    </a:p>
-                  </p:txBody>
-                </p:sp>
-              </p:grpSp>
-              <p:grpSp>
-                <p:nvGrpSpPr>
-                  <p:cNvPr id="135" name="Group 134"/>
-                  <p:cNvGrpSpPr/>
-                  <p:nvPr/>
-                </p:nvGrpSpPr>
-                <p:grpSpPr>
-                  <a:xfrm flipH="1">
-                    <a:off x="14883" y="2972"/>
-                    <a:ext cx="3351" cy="7250"/>
-                    <a:chOff x="6716" y="3162"/>
-                    <a:chExt cx="3351" cy="7250"/>
-                  </a:xfrm>
-                </p:grpSpPr>
                 <p:grpSp>
                   <p:nvGrpSpPr>
-                    <p:cNvPr id="136" name="Group 135"/>
+                    <p:cNvPr id="54" name="Group 53"/>
                     <p:cNvGrpSpPr/>
                     <p:nvPr/>
                   </p:nvGrpSpPr>
                   <p:grpSpPr>
                     <a:xfrm rot="9480000">
-                      <a:off x="8958" y="3162"/>
-                      <a:ext cx="548" cy="608"/>
+                      <a:off x="12970" y="2997"/>
+                      <a:ext cx="549" cy="555"/>
                       <a:chOff x="6020" y="4865"/>
-                      <a:chExt cx="928" cy="1362"/>
+                      <a:chExt cx="929" cy="1243"/>
                     </a:xfrm>
                   </p:grpSpPr>
                   <p:sp>
                     <p:nvSpPr>
-                      <p:cNvPr id="137" name="Rectangle 136"/>
+                      <p:cNvPr id="55" name="Rectangle 54"/>
                       <p:cNvSpPr/>
                       <p:nvPr/>
                     </p:nvSpPr>
@@ -10206,7 +7853,7 @@
                   </p:sp>
                   <p:sp>
                     <p:nvSpPr>
-                      <p:cNvPr id="138" name="Oval 137"/>
+                      <p:cNvPr id="56" name="Oval 55"/>
                       <p:cNvSpPr/>
                       <p:nvPr/>
                     </p:nvSpPr>
@@ -10257,13 +7904,13 @@
                   </p:sp>
                   <p:sp>
                     <p:nvSpPr>
-                      <p:cNvPr id="139" name="Rectangle 138"/>
+                      <p:cNvPr id="57" name="Rectangle 56"/>
                       <p:cNvSpPr/>
                       <p:nvPr/>
                     </p:nvSpPr>
                     <p:spPr>
                       <a:xfrm>
-                        <a:off x="6227" y="5867"/>
+                        <a:off x="6227" y="5748"/>
                         <a:ext cx="515" cy="360"/>
                       </a:xfrm>
                       <a:prstGeom prst="rect">
@@ -10304,13 +7951,13 @@
                 </p:grpSp>
                 <p:grpSp>
                   <p:nvGrpSpPr>
-                    <p:cNvPr id="144" name="Group 143"/>
+                    <p:cNvPr id="16" name="Group 15"/>
                     <p:cNvGrpSpPr/>
                     <p:nvPr/>
                   </p:nvGrpSpPr>
                   <p:grpSpPr>
                     <a:xfrm rot="2100000">
-                      <a:off x="8277" y="9282"/>
+                      <a:off x="12280" y="9066"/>
                       <a:ext cx="548" cy="608"/>
                       <a:chOff x="6020" y="4865"/>
                       <a:chExt cx="928" cy="1362"/>
@@ -10318,7 +7965,7 @@
                   </p:grpSpPr>
                   <p:sp>
                     <p:nvSpPr>
-                      <p:cNvPr id="145" name="Rectangle 144"/>
+                      <p:cNvPr id="17" name="Rectangle 16"/>
                       <p:cNvSpPr/>
                       <p:nvPr/>
                     </p:nvSpPr>
@@ -10363,7 +8010,7 @@
                   </p:sp>
                   <p:sp>
                     <p:nvSpPr>
-                      <p:cNvPr id="146" name="Oval 145"/>
+                      <p:cNvPr id="18" name="Oval 17"/>
                       <p:cNvSpPr/>
                       <p:nvPr/>
                     </p:nvSpPr>
@@ -10414,7 +8061,7 @@
                   </p:sp>
                   <p:sp>
                     <p:nvSpPr>
-                      <p:cNvPr id="147" name="Rectangle 146"/>
+                      <p:cNvPr id="19" name="Rectangle 18"/>
                       <p:cNvSpPr/>
                       <p:nvPr/>
                     </p:nvSpPr>
@@ -10461,13 +8108,13 @@
                 </p:grpSp>
                 <p:grpSp>
                   <p:nvGrpSpPr>
-                    <p:cNvPr id="148" name="Group 147"/>
+                    <p:cNvPr id="20" name="Group 19"/>
                     <p:cNvGrpSpPr/>
                     <p:nvPr/>
                   </p:nvGrpSpPr>
                   <p:grpSpPr>
                     <a:xfrm rot="5400000">
-                      <a:off x="6746" y="6437"/>
+                      <a:off x="10749" y="6221"/>
                       <a:ext cx="548" cy="608"/>
                       <a:chOff x="6020" y="4865"/>
                       <a:chExt cx="928" cy="1362"/>
@@ -10475,7 +8122,7 @@
                   </p:grpSpPr>
                   <p:sp>
                     <p:nvSpPr>
-                      <p:cNvPr id="149" name="Rectangle 148"/>
+                      <p:cNvPr id="21" name="Rectangle 20"/>
                       <p:cNvSpPr/>
                       <p:nvPr/>
                     </p:nvSpPr>
@@ -10520,7 +8167,7 @@
                   </p:sp>
                   <p:sp>
                     <p:nvSpPr>
-                      <p:cNvPr id="150" name="Oval 149"/>
+                      <p:cNvPr id="22" name="Oval 21"/>
                       <p:cNvSpPr/>
                       <p:nvPr/>
                     </p:nvSpPr>
@@ -10571,7 +8218,7 @@
                   </p:sp>
                   <p:sp>
                     <p:nvSpPr>
-                      <p:cNvPr id="151" name="Rectangle 150"/>
+                      <p:cNvPr id="23" name="Rectangle 22"/>
                       <p:cNvSpPr/>
                       <p:nvPr/>
                     </p:nvSpPr>
@@ -10618,13 +8265,13 @@
                 </p:grpSp>
                 <p:grpSp>
                   <p:nvGrpSpPr>
-                    <p:cNvPr id="152" name="Group 151"/>
+                    <p:cNvPr id="30" name="Group 29"/>
                     <p:cNvGrpSpPr/>
                     <p:nvPr/>
                   </p:nvGrpSpPr>
                   <p:grpSpPr>
                     <a:xfrm rot="4500000">
-                      <a:off x="6826" y="7116"/>
+                      <a:off x="10829" y="6900"/>
                       <a:ext cx="548" cy="608"/>
                       <a:chOff x="6020" y="4865"/>
                       <a:chExt cx="928" cy="1362"/>
@@ -10632,7 +8279,7 @@
                   </p:grpSpPr>
                   <p:sp>
                     <p:nvSpPr>
-                      <p:cNvPr id="153" name="Rectangle 152"/>
+                      <p:cNvPr id="31" name="Rectangle 30"/>
                       <p:cNvSpPr/>
                       <p:nvPr/>
                     </p:nvSpPr>
@@ -10677,7 +8324,7 @@
                   </p:sp>
                   <p:sp>
                     <p:nvSpPr>
-                      <p:cNvPr id="154" name="Oval 153"/>
+                      <p:cNvPr id="40" name="Oval 39"/>
                       <p:cNvSpPr/>
                       <p:nvPr/>
                     </p:nvSpPr>
@@ -10728,7 +8375,7 @@
                   </p:sp>
                   <p:sp>
                     <p:nvSpPr>
-                      <p:cNvPr id="155" name="Rectangle 154"/>
+                      <p:cNvPr id="41" name="Rectangle 40"/>
                       <p:cNvSpPr/>
                       <p:nvPr/>
                     </p:nvSpPr>
@@ -10775,13 +8422,13 @@
                 </p:grpSp>
                 <p:grpSp>
                   <p:nvGrpSpPr>
-                    <p:cNvPr id="156" name="Group 155"/>
+                    <p:cNvPr id="42" name="Group 41"/>
                     <p:cNvGrpSpPr/>
                     <p:nvPr/>
                   </p:nvGrpSpPr>
                   <p:grpSpPr>
                     <a:xfrm rot="4020000">
-                      <a:off x="7024" y="7763"/>
+                      <a:off x="11027" y="7547"/>
                       <a:ext cx="548" cy="608"/>
                       <a:chOff x="6020" y="4865"/>
                       <a:chExt cx="928" cy="1362"/>
@@ -10789,7 +8436,7 @@
                   </p:grpSpPr>
                   <p:sp>
                     <p:nvSpPr>
-                      <p:cNvPr id="157" name="Rectangle 156"/>
+                      <p:cNvPr id="43" name="Rectangle 42"/>
                       <p:cNvSpPr/>
                       <p:nvPr/>
                     </p:nvSpPr>
@@ -10834,7 +8481,7 @@
                   </p:sp>
                   <p:sp>
                     <p:nvSpPr>
-                      <p:cNvPr id="158" name="Oval 157"/>
+                      <p:cNvPr id="46" name="Oval 45"/>
                       <p:cNvSpPr/>
                       <p:nvPr/>
                     </p:nvSpPr>
@@ -10885,7 +8532,7 @@
                   </p:sp>
                   <p:sp>
                     <p:nvSpPr>
-                      <p:cNvPr id="159" name="Rectangle 158"/>
+                      <p:cNvPr id="51" name="Rectangle 50"/>
                       <p:cNvSpPr/>
                       <p:nvPr/>
                     </p:nvSpPr>
@@ -10932,13 +8579,13 @@
                 </p:grpSp>
                 <p:grpSp>
                   <p:nvGrpSpPr>
-                    <p:cNvPr id="160" name="Group 159"/>
+                    <p:cNvPr id="52" name="Group 51"/>
                     <p:cNvGrpSpPr/>
                     <p:nvPr/>
                   </p:nvGrpSpPr>
                   <p:grpSpPr>
                     <a:xfrm rot="3420000">
-                      <a:off x="7345" y="8350"/>
+                      <a:off x="11348" y="8134"/>
                       <a:ext cx="548" cy="608"/>
                       <a:chOff x="6020" y="4865"/>
                       <a:chExt cx="928" cy="1362"/>
@@ -10946,7 +8593,7 @@
                   </p:grpSpPr>
                   <p:sp>
                     <p:nvSpPr>
-                      <p:cNvPr id="161" name="Rectangle 160"/>
+                      <p:cNvPr id="76" name="Rectangle 75"/>
                       <p:cNvSpPr/>
                       <p:nvPr/>
                     </p:nvSpPr>
@@ -10991,7 +8638,7 @@
                   </p:sp>
                   <p:sp>
                     <p:nvSpPr>
-                      <p:cNvPr id="162" name="Oval 161"/>
+                      <p:cNvPr id="77" name="Oval 76"/>
                       <p:cNvSpPr/>
                       <p:nvPr/>
                     </p:nvSpPr>
@@ -11042,7 +8689,7 @@
                   </p:sp>
                   <p:sp>
                     <p:nvSpPr>
-                      <p:cNvPr id="163" name="Rectangle 162"/>
+                      <p:cNvPr id="78" name="Rectangle 77"/>
                       <p:cNvSpPr/>
                       <p:nvPr/>
                     </p:nvSpPr>
@@ -11089,13 +8736,13 @@
                 </p:grpSp>
                 <p:grpSp>
                   <p:nvGrpSpPr>
-                    <p:cNvPr id="164" name="Group 163"/>
+                    <p:cNvPr id="79" name="Group 78"/>
                     <p:cNvGrpSpPr/>
                     <p:nvPr/>
                   </p:nvGrpSpPr>
                   <p:grpSpPr>
                     <a:xfrm rot="2760000">
-                      <a:off x="7784" y="8866"/>
+                      <a:off x="11787" y="8650"/>
                       <a:ext cx="548" cy="608"/>
                       <a:chOff x="6020" y="4865"/>
                       <a:chExt cx="928" cy="1362"/>
@@ -11103,7 +8750,7 @@
                   </p:grpSpPr>
                   <p:sp>
                     <p:nvSpPr>
-                      <p:cNvPr id="165" name="Rectangle 164"/>
+                      <p:cNvPr id="80" name="Rectangle 79"/>
                       <p:cNvSpPr/>
                       <p:nvPr/>
                     </p:nvSpPr>
@@ -11148,7 +8795,7 @@
                   </p:sp>
                   <p:sp>
                     <p:nvSpPr>
-                      <p:cNvPr id="166" name="Oval 165"/>
+                      <p:cNvPr id="81" name="Oval 80"/>
                       <p:cNvSpPr/>
                       <p:nvPr/>
                     </p:nvSpPr>
@@ -11199,7 +8846,7 @@
                   </p:sp>
                   <p:sp>
                     <p:nvSpPr>
-                      <p:cNvPr id="167" name="Rectangle 166"/>
+                      <p:cNvPr id="82" name="Rectangle 81"/>
                       <p:cNvSpPr/>
                       <p:nvPr/>
                     </p:nvSpPr>
@@ -11246,21 +8893,21 @@
                 </p:grpSp>
                 <p:grpSp>
                   <p:nvGrpSpPr>
-                    <p:cNvPr id="176" name="Group 175"/>
+                    <p:cNvPr id="53" name="Group 52"/>
                     <p:cNvGrpSpPr/>
                     <p:nvPr/>
                   </p:nvGrpSpPr>
                   <p:grpSpPr>
                     <a:xfrm rot="8640000">
-                      <a:off x="8343" y="3483"/>
-                      <a:ext cx="548" cy="617"/>
+                      <a:off x="12357" y="3301"/>
+                      <a:ext cx="549" cy="579"/>
                       <a:chOff x="6020" y="4865"/>
-                      <a:chExt cx="928" cy="1362"/>
+                      <a:chExt cx="929" cy="1279"/>
                     </a:xfrm>
                   </p:grpSpPr>
                   <p:sp>
                     <p:nvSpPr>
-                      <p:cNvPr id="177" name="Rectangle 176"/>
+                      <p:cNvPr id="84" name="Rectangle 83"/>
                       <p:cNvSpPr/>
                       <p:nvPr/>
                     </p:nvSpPr>
@@ -11305,7 +8952,7 @@
                   </p:sp>
                   <p:sp>
                     <p:nvSpPr>
-                      <p:cNvPr id="178" name="Oval 177"/>
+                      <p:cNvPr id="85" name="Oval 84"/>
                       <p:cNvSpPr/>
                       <p:nvPr/>
                     </p:nvSpPr>
@@ -11356,13 +9003,13 @@
                   </p:sp>
                   <p:sp>
                     <p:nvSpPr>
-                      <p:cNvPr id="179" name="Rectangle 178"/>
+                      <p:cNvPr id="86" name="Rectangle 85"/>
                       <p:cNvSpPr/>
                       <p:nvPr/>
                     </p:nvSpPr>
                     <p:spPr>
                       <a:xfrm>
-                        <a:off x="6227" y="5867"/>
+                        <a:off x="6215" y="5784"/>
                         <a:ext cx="515" cy="360"/>
                       </a:xfrm>
                       <a:prstGeom prst="rect">
@@ -11403,13 +9050,13 @@
                 </p:grpSp>
                 <p:grpSp>
                   <p:nvGrpSpPr>
-                    <p:cNvPr id="180" name="Group 179"/>
+                    <p:cNvPr id="87" name="Group 86"/>
                     <p:cNvGrpSpPr/>
                     <p:nvPr/>
                   </p:nvGrpSpPr>
                   <p:grpSpPr>
                     <a:xfrm rot="8160000">
-                      <a:off x="7813" y="3940"/>
+                      <a:off x="11816" y="3724"/>
                       <a:ext cx="548" cy="608"/>
                       <a:chOff x="6020" y="4865"/>
                       <a:chExt cx="928" cy="1362"/>
@@ -11417,7 +9064,7 @@
                   </p:grpSpPr>
                   <p:sp>
                     <p:nvSpPr>
-                      <p:cNvPr id="181" name="Rectangle 180"/>
+                      <p:cNvPr id="88" name="Rectangle 87"/>
                       <p:cNvSpPr/>
                       <p:nvPr/>
                     </p:nvSpPr>
@@ -11462,7 +9109,7 @@
                   </p:sp>
                   <p:sp>
                     <p:nvSpPr>
-                      <p:cNvPr id="182" name="Oval 181"/>
+                      <p:cNvPr id="89" name="Oval 88"/>
                       <p:cNvSpPr/>
                       <p:nvPr/>
                     </p:nvSpPr>
@@ -11513,7 +9160,7 @@
                   </p:sp>
                   <p:sp>
                     <p:nvSpPr>
-                      <p:cNvPr id="183" name="Rectangle 182"/>
+                      <p:cNvPr id="90" name="Rectangle 89"/>
                       <p:cNvSpPr/>
                       <p:nvPr/>
                     </p:nvSpPr>
@@ -11560,13 +9207,13 @@
                 </p:grpSp>
                 <p:grpSp>
                   <p:nvGrpSpPr>
-                    <p:cNvPr id="184" name="Group 183"/>
+                    <p:cNvPr id="91" name="Group 90"/>
                     <p:cNvGrpSpPr/>
                     <p:nvPr/>
                   </p:nvGrpSpPr>
                   <p:grpSpPr>
                     <a:xfrm rot="7500000">
-                      <a:off x="7362" y="4515"/>
+                      <a:off x="11365" y="4299"/>
                       <a:ext cx="548" cy="608"/>
                       <a:chOff x="6020" y="4865"/>
                       <a:chExt cx="928" cy="1362"/>
@@ -11574,7 +9221,7 @@
                   </p:grpSpPr>
                   <p:sp>
                     <p:nvSpPr>
-                      <p:cNvPr id="185" name="Rectangle 184"/>
+                      <p:cNvPr id="92" name="Rectangle 91"/>
                       <p:cNvSpPr/>
                       <p:nvPr/>
                     </p:nvSpPr>
@@ -11619,7 +9266,7 @@
                   </p:sp>
                   <p:sp>
                     <p:nvSpPr>
-                      <p:cNvPr id="186" name="Oval 185"/>
+                      <p:cNvPr id="93" name="Oval 92"/>
                       <p:cNvSpPr/>
                       <p:nvPr/>
                     </p:nvSpPr>
@@ -11670,7 +9317,7 @@
                   </p:sp>
                   <p:sp>
                     <p:nvSpPr>
-                      <p:cNvPr id="187" name="Rectangle 186"/>
+                      <p:cNvPr id="94" name="Rectangle 93"/>
                       <p:cNvSpPr/>
                       <p:nvPr/>
                     </p:nvSpPr>
@@ -11717,13 +9364,13 @@
                 </p:grpSp>
                 <p:grpSp>
                   <p:nvGrpSpPr>
-                    <p:cNvPr id="188" name="Group 187"/>
+                    <p:cNvPr id="95" name="Group 94"/>
                     <p:cNvGrpSpPr/>
                     <p:nvPr/>
                   </p:nvGrpSpPr>
                   <p:grpSpPr>
                     <a:xfrm rot="6900000">
-                      <a:off x="7012" y="5124"/>
+                      <a:off x="11015" y="4908"/>
                       <a:ext cx="548" cy="608"/>
                       <a:chOff x="6020" y="4865"/>
                       <a:chExt cx="928" cy="1362"/>
@@ -11731,7 +9378,7 @@
                   </p:grpSpPr>
                   <p:sp>
                     <p:nvSpPr>
-                      <p:cNvPr id="189" name="Rectangle 188"/>
+                      <p:cNvPr id="96" name="Rectangle 95"/>
                       <p:cNvSpPr/>
                       <p:nvPr/>
                     </p:nvSpPr>
@@ -11776,7 +9423,7 @@
                   </p:sp>
                   <p:sp>
                     <p:nvSpPr>
-                      <p:cNvPr id="190" name="Oval 189"/>
+                      <p:cNvPr id="97" name="Oval 96"/>
                       <p:cNvSpPr/>
                       <p:nvPr/>
                     </p:nvSpPr>
@@ -11827,7 +9474,7 @@
                   </p:sp>
                   <p:sp>
                     <p:nvSpPr>
-                      <p:cNvPr id="191" name="Rectangle 190"/>
+                      <p:cNvPr id="98" name="Rectangle 97"/>
                       <p:cNvSpPr/>
                       <p:nvPr/>
                     </p:nvSpPr>
@@ -11874,13 +9521,13 @@
                 </p:grpSp>
                 <p:grpSp>
                   <p:nvGrpSpPr>
-                    <p:cNvPr id="192" name="Group 191"/>
+                    <p:cNvPr id="119" name="Group 118"/>
                     <p:cNvGrpSpPr/>
                     <p:nvPr/>
                   </p:nvGrpSpPr>
                   <p:grpSpPr>
                     <a:xfrm rot="6000000">
-                      <a:off x="6798" y="5797"/>
+                      <a:off x="10801" y="5581"/>
                       <a:ext cx="548" cy="608"/>
                       <a:chOff x="6020" y="4865"/>
                       <a:chExt cx="928" cy="1362"/>
@@ -11888,7 +9535,7 @@
                   </p:grpSpPr>
                   <p:sp>
                     <p:nvSpPr>
-                      <p:cNvPr id="193" name="Rectangle 192"/>
+                      <p:cNvPr id="120" name="Rectangle 119"/>
                       <p:cNvSpPr/>
                       <p:nvPr/>
                     </p:nvSpPr>
@@ -11933,7 +9580,7 @@
                   </p:sp>
                   <p:sp>
                     <p:nvSpPr>
-                      <p:cNvPr id="194" name="Oval 193"/>
+                      <p:cNvPr id="121" name="Oval 120"/>
                       <p:cNvSpPr/>
                       <p:nvPr/>
                     </p:nvSpPr>
@@ -11984,7 +9631,7 @@
                   </p:sp>
                   <p:sp>
                     <p:nvSpPr>
-                      <p:cNvPr id="195" name="Rectangle 194"/>
+                      <p:cNvPr id="122" name="Rectangle 121"/>
                       <p:cNvSpPr/>
                       <p:nvPr/>
                     </p:nvSpPr>
@@ -12031,13 +9678,13 @@
                 </p:grpSp>
                 <p:grpSp>
                   <p:nvGrpSpPr>
-                    <p:cNvPr id="196" name="Group 195"/>
+                    <p:cNvPr id="123" name="Group 122"/>
                     <p:cNvGrpSpPr/>
                     <p:nvPr/>
                   </p:nvGrpSpPr>
                   <p:grpSpPr>
-                    <a:xfrm rot="1440000">
-                      <a:off x="8885" y="9600"/>
+                    <a:xfrm>
+                      <a:off x="14216" y="9677"/>
                       <a:ext cx="548" cy="608"/>
                       <a:chOff x="6020" y="4865"/>
                       <a:chExt cx="928" cy="1362"/>
@@ -12045,7 +9692,7 @@
                   </p:grpSpPr>
                   <p:sp>
                     <p:nvSpPr>
-                      <p:cNvPr id="197" name="Rectangle 196"/>
+                      <p:cNvPr id="124" name="Rectangle 123"/>
                       <p:cNvSpPr/>
                       <p:nvPr/>
                     </p:nvSpPr>
@@ -12090,7 +9737,7 @@
                   </p:sp>
                   <p:sp>
                     <p:nvSpPr>
-                      <p:cNvPr id="198" name="Oval 197"/>
+                      <p:cNvPr id="125" name="Oval 124"/>
                       <p:cNvSpPr/>
                       <p:nvPr/>
                     </p:nvSpPr>
@@ -12141,7 +9788,7 @@
                   </p:sp>
                   <p:sp>
                     <p:nvSpPr>
-                      <p:cNvPr id="199" name="Rectangle 198"/>
+                      <p:cNvPr id="126" name="Rectangle 125"/>
                       <p:cNvSpPr/>
                       <p:nvPr/>
                     </p:nvSpPr>
@@ -12188,13 +9835,13 @@
                 </p:grpSp>
                 <p:grpSp>
                   <p:nvGrpSpPr>
-                    <p:cNvPr id="200" name="Group 199"/>
+                    <p:cNvPr id="127" name="Group 126"/>
                     <p:cNvGrpSpPr/>
                     <p:nvPr/>
                   </p:nvGrpSpPr>
                   <p:grpSpPr>
-                    <a:xfrm rot="780000">
-                      <a:off x="9519" y="9804"/>
+                    <a:xfrm rot="1440000">
+                      <a:off x="12888" y="9384"/>
                       <a:ext cx="548" cy="608"/>
                       <a:chOff x="6020" y="4865"/>
                       <a:chExt cx="928" cy="1362"/>
@@ -12202,7 +9849,7 @@
                   </p:grpSpPr>
                   <p:sp>
                     <p:nvSpPr>
-                      <p:cNvPr id="201" name="Rectangle 200"/>
+                      <p:cNvPr id="128" name="Rectangle 127"/>
                       <p:cNvSpPr/>
                       <p:nvPr/>
                     </p:nvSpPr>
@@ -12247,7 +9894,7 @@
                   </p:sp>
                   <p:sp>
                     <p:nvSpPr>
-                      <p:cNvPr id="202" name="Oval 201"/>
+                      <p:cNvPr id="129" name="Oval 128"/>
                       <p:cNvSpPr/>
                       <p:nvPr/>
                     </p:nvSpPr>
@@ -12298,7 +9945,7 @@
                   </p:sp>
                   <p:sp>
                     <p:nvSpPr>
-                      <p:cNvPr id="203" name="Rectangle 202"/>
+                      <p:cNvPr id="130" name="Rectangle 129"/>
                       <p:cNvSpPr/>
                       <p:nvPr/>
                     </p:nvSpPr>
@@ -12343,68 +9990,2556 @@
                     </p:txBody>
                   </p:sp>
                 </p:grpSp>
+                <p:grpSp>
+                  <p:nvGrpSpPr>
+                    <p:cNvPr id="131" name="Group 130"/>
+                    <p:cNvGrpSpPr/>
+                    <p:nvPr/>
+                  </p:nvGrpSpPr>
+                  <p:grpSpPr>
+                    <a:xfrm rot="780000">
+                      <a:off x="13522" y="9588"/>
+                      <a:ext cx="548" cy="608"/>
+                      <a:chOff x="6020" y="4865"/>
+                      <a:chExt cx="928" cy="1362"/>
+                    </a:xfrm>
+                  </p:grpSpPr>
+                  <p:sp>
+                    <p:nvSpPr>
+                      <p:cNvPr id="132" name="Rectangle 131"/>
+                      <p:cNvSpPr/>
+                      <p:nvPr/>
+                    </p:nvSpPr>
+                    <p:spPr>
+                      <a:xfrm>
+                        <a:off x="6321" y="5259"/>
+                        <a:ext cx="327" cy="609"/>
+                      </a:xfrm>
+                      <a:prstGeom prst="rect">
+                        <a:avLst/>
+                      </a:prstGeom>
+                      <a:solidFill>
+                        <a:schemeClr val="bg1">
+                          <a:lumMod val="65000"/>
+                        </a:schemeClr>
+                      </a:solidFill>
+                      <a:ln>
+                        <a:noFill/>
+                      </a:ln>
+                      <a:effectLst/>
+                    </p:spPr>
+                    <p:style>
+                      <a:lnRef idx="1">
+                        <a:schemeClr val="accent1"/>
+                      </a:lnRef>
+                      <a:fillRef idx="3">
+                        <a:schemeClr val="accent1"/>
+                      </a:fillRef>
+                      <a:effectRef idx="2">
+                        <a:schemeClr val="accent1"/>
+                      </a:effectRef>
+                      <a:fontRef idx="minor">
+                        <a:schemeClr val="lt1"/>
+                      </a:fontRef>
+                    </p:style>
+                    <p:txBody>
+                      <a:bodyPr/>
+                      <a:p>
+                        <a:endParaRPr lang="en-US" sz="1350"/>
+                      </a:p>
+                    </p:txBody>
+                  </p:sp>
+                  <p:sp>
+                    <p:nvSpPr>
+                      <p:cNvPr id="133" name="Oval 132"/>
+                      <p:cNvSpPr/>
+                      <p:nvPr/>
+                    </p:nvSpPr>
+                    <p:spPr>
+                      <a:xfrm rot="10800000">
+                        <a:off x="6020" y="4865"/>
+                        <a:ext cx="929" cy="561"/>
+                      </a:xfrm>
+                      <a:prstGeom prst="ellipse">
+                        <a:avLst/>
+                      </a:prstGeom>
+                      <a:gradFill>
+                        <a:gsLst>
+                          <a:gs pos="0">
+                            <a:srgbClr val="FECF40"/>
+                          </a:gs>
+                          <a:gs pos="100000">
+                            <a:srgbClr val="846C21"/>
+                          </a:gs>
+                        </a:gsLst>
+                        <a:lin ang="16200000" scaled="0"/>
+                      </a:gradFill>
+                      <a:ln>
+                        <a:noFill/>
+                      </a:ln>
+                      <a:effectLst/>
+                    </p:spPr>
+                    <p:style>
+                      <a:lnRef idx="1">
+                        <a:schemeClr val="accent1"/>
+                      </a:lnRef>
+                      <a:fillRef idx="3">
+                        <a:schemeClr val="accent1"/>
+                      </a:fillRef>
+                      <a:effectRef idx="2">
+                        <a:schemeClr val="accent1"/>
+                      </a:effectRef>
+                      <a:fontRef idx="minor">
+                        <a:schemeClr val="lt1"/>
+                      </a:fontRef>
+                    </p:style>
+                    <p:txBody>
+                      <a:bodyPr/>
+                      <a:p>
+                        <a:endParaRPr lang="en-US" sz="1350"/>
+                      </a:p>
+                    </p:txBody>
+                  </p:sp>
+                  <p:sp>
+                    <p:nvSpPr>
+                      <p:cNvPr id="134" name="Rectangle 133"/>
+                      <p:cNvSpPr/>
+                      <p:nvPr/>
+                    </p:nvSpPr>
+                    <p:spPr>
+                      <a:xfrm>
+                        <a:off x="6227" y="5867"/>
+                        <a:ext cx="515" cy="360"/>
+                      </a:xfrm>
+                      <a:prstGeom prst="rect">
+                        <a:avLst/>
+                      </a:prstGeom>
+                      <a:solidFill>
+                        <a:schemeClr val="tx1">
+                          <a:lumMod val="65000"/>
+                          <a:lumOff val="35000"/>
+                        </a:schemeClr>
+                      </a:solidFill>
+                      <a:ln>
+                        <a:noFill/>
+                      </a:ln>
+                      <a:effectLst/>
+                    </p:spPr>
+                    <p:style>
+                      <a:lnRef idx="1">
+                        <a:schemeClr val="accent1"/>
+                      </a:lnRef>
+                      <a:fillRef idx="3">
+                        <a:schemeClr val="accent1"/>
+                      </a:fillRef>
+                      <a:effectRef idx="2">
+                        <a:schemeClr val="accent1"/>
+                      </a:effectRef>
+                      <a:fontRef idx="minor">
+                        <a:schemeClr val="lt1"/>
+                      </a:fontRef>
+                    </p:style>
+                    <p:txBody>
+                      <a:bodyPr/>
+                      <a:p>
+                        <a:endParaRPr lang="en-US" sz="1350"/>
+                      </a:p>
+                    </p:txBody>
+                  </p:sp>
+                </p:grpSp>
+                <p:grpSp>
+                  <p:nvGrpSpPr>
+                    <p:cNvPr id="135" name="Group 134"/>
+                    <p:cNvGrpSpPr/>
+                    <p:nvPr/>
+                  </p:nvGrpSpPr>
+                  <p:grpSpPr>
+                    <a:xfrm flipH="1">
+                      <a:off x="14883" y="2972"/>
+                      <a:ext cx="3351" cy="7250"/>
+                      <a:chOff x="6716" y="3162"/>
+                      <a:chExt cx="3351" cy="7250"/>
+                    </a:xfrm>
+                  </p:grpSpPr>
+                  <p:grpSp>
+                    <p:nvGrpSpPr>
+                      <p:cNvPr id="136" name="Group 135"/>
+                      <p:cNvGrpSpPr/>
+                      <p:nvPr/>
+                    </p:nvGrpSpPr>
+                    <p:grpSpPr>
+                      <a:xfrm rot="9480000">
+                        <a:off x="8958" y="3162"/>
+                        <a:ext cx="548" cy="608"/>
+                        <a:chOff x="6020" y="4865"/>
+                        <a:chExt cx="928" cy="1362"/>
+                      </a:xfrm>
+                    </p:grpSpPr>
+                    <p:sp>
+                      <p:nvSpPr>
+                        <p:cNvPr id="137" name="Rectangle 136"/>
+                        <p:cNvSpPr/>
+                        <p:nvPr/>
+                      </p:nvSpPr>
+                      <p:spPr>
+                        <a:xfrm>
+                          <a:off x="6321" y="5259"/>
+                          <a:ext cx="327" cy="609"/>
+                        </a:xfrm>
+                        <a:prstGeom prst="rect">
+                          <a:avLst/>
+                        </a:prstGeom>
+                        <a:solidFill>
+                          <a:schemeClr val="bg1">
+                            <a:lumMod val="65000"/>
+                          </a:schemeClr>
+                        </a:solidFill>
+                        <a:ln>
+                          <a:noFill/>
+                        </a:ln>
+                        <a:effectLst/>
+                      </p:spPr>
+                      <p:style>
+                        <a:lnRef idx="1">
+                          <a:schemeClr val="accent1"/>
+                        </a:lnRef>
+                        <a:fillRef idx="3">
+                          <a:schemeClr val="accent1"/>
+                        </a:fillRef>
+                        <a:effectRef idx="2">
+                          <a:schemeClr val="accent1"/>
+                        </a:effectRef>
+                        <a:fontRef idx="minor">
+                          <a:schemeClr val="lt1"/>
+                        </a:fontRef>
+                      </p:style>
+                      <p:txBody>
+                        <a:bodyPr/>
+                        <a:p>
+                          <a:endParaRPr lang="en-US" sz="1350"/>
+                        </a:p>
+                      </p:txBody>
+                    </p:sp>
+                    <p:sp>
+                      <p:nvSpPr>
+                        <p:cNvPr id="138" name="Oval 137"/>
+                        <p:cNvSpPr/>
+                        <p:nvPr/>
+                      </p:nvSpPr>
+                      <p:spPr>
+                        <a:xfrm rot="10800000">
+                          <a:off x="6020" y="4865"/>
+                          <a:ext cx="929" cy="561"/>
+                        </a:xfrm>
+                        <a:prstGeom prst="ellipse">
+                          <a:avLst/>
+                        </a:prstGeom>
+                        <a:gradFill>
+                          <a:gsLst>
+                            <a:gs pos="0">
+                              <a:srgbClr val="FECF40"/>
+                            </a:gs>
+                            <a:gs pos="100000">
+                              <a:srgbClr val="846C21"/>
+                            </a:gs>
+                          </a:gsLst>
+                          <a:lin ang="16200000" scaled="0"/>
+                        </a:gradFill>
+                        <a:ln>
+                          <a:noFill/>
+                        </a:ln>
+                        <a:effectLst/>
+                      </p:spPr>
+                      <p:style>
+                        <a:lnRef idx="1">
+                          <a:schemeClr val="accent1"/>
+                        </a:lnRef>
+                        <a:fillRef idx="3">
+                          <a:schemeClr val="accent1"/>
+                        </a:fillRef>
+                        <a:effectRef idx="2">
+                          <a:schemeClr val="accent1"/>
+                        </a:effectRef>
+                        <a:fontRef idx="minor">
+                          <a:schemeClr val="lt1"/>
+                        </a:fontRef>
+                      </p:style>
+                      <p:txBody>
+                        <a:bodyPr/>
+                        <a:p>
+                          <a:endParaRPr lang="en-US" sz="1350"/>
+                        </a:p>
+                      </p:txBody>
+                    </p:sp>
+                    <p:sp>
+                      <p:nvSpPr>
+                        <p:cNvPr id="139" name="Rectangle 138"/>
+                        <p:cNvSpPr/>
+                        <p:nvPr/>
+                      </p:nvSpPr>
+                      <p:spPr>
+                        <a:xfrm>
+                          <a:off x="6227" y="5867"/>
+                          <a:ext cx="515" cy="360"/>
+                        </a:xfrm>
+                        <a:prstGeom prst="rect">
+                          <a:avLst/>
+                        </a:prstGeom>
+                        <a:solidFill>
+                          <a:schemeClr val="tx1">
+                            <a:lumMod val="65000"/>
+                            <a:lumOff val="35000"/>
+                          </a:schemeClr>
+                        </a:solidFill>
+                        <a:ln>
+                          <a:noFill/>
+                        </a:ln>
+                        <a:effectLst/>
+                      </p:spPr>
+                      <p:style>
+                        <a:lnRef idx="1">
+                          <a:schemeClr val="accent1"/>
+                        </a:lnRef>
+                        <a:fillRef idx="3">
+                          <a:schemeClr val="accent1"/>
+                        </a:fillRef>
+                        <a:effectRef idx="2">
+                          <a:schemeClr val="accent1"/>
+                        </a:effectRef>
+                        <a:fontRef idx="minor">
+                          <a:schemeClr val="lt1"/>
+                        </a:fontRef>
+                      </p:style>
+                      <p:txBody>
+                        <a:bodyPr/>
+                        <a:p>
+                          <a:endParaRPr lang="en-US" sz="1350"/>
+                        </a:p>
+                      </p:txBody>
+                    </p:sp>
+                  </p:grpSp>
+                  <p:grpSp>
+                    <p:nvGrpSpPr>
+                      <p:cNvPr id="144" name="Group 143"/>
+                      <p:cNvGrpSpPr/>
+                      <p:nvPr/>
+                    </p:nvGrpSpPr>
+                    <p:grpSpPr>
+                      <a:xfrm rot="2100000">
+                        <a:off x="8277" y="9282"/>
+                        <a:ext cx="548" cy="608"/>
+                        <a:chOff x="6020" y="4865"/>
+                        <a:chExt cx="928" cy="1362"/>
+                      </a:xfrm>
+                    </p:grpSpPr>
+                    <p:sp>
+                      <p:nvSpPr>
+                        <p:cNvPr id="145" name="Rectangle 144"/>
+                        <p:cNvSpPr/>
+                        <p:nvPr/>
+                      </p:nvSpPr>
+                      <p:spPr>
+                        <a:xfrm>
+                          <a:off x="6321" y="5259"/>
+                          <a:ext cx="327" cy="609"/>
+                        </a:xfrm>
+                        <a:prstGeom prst="rect">
+                          <a:avLst/>
+                        </a:prstGeom>
+                        <a:solidFill>
+                          <a:schemeClr val="bg1">
+                            <a:lumMod val="65000"/>
+                          </a:schemeClr>
+                        </a:solidFill>
+                        <a:ln>
+                          <a:noFill/>
+                        </a:ln>
+                        <a:effectLst/>
+                      </p:spPr>
+                      <p:style>
+                        <a:lnRef idx="1">
+                          <a:schemeClr val="accent1"/>
+                        </a:lnRef>
+                        <a:fillRef idx="3">
+                          <a:schemeClr val="accent1"/>
+                        </a:fillRef>
+                        <a:effectRef idx="2">
+                          <a:schemeClr val="accent1"/>
+                        </a:effectRef>
+                        <a:fontRef idx="minor">
+                          <a:schemeClr val="lt1"/>
+                        </a:fontRef>
+                      </p:style>
+                      <p:txBody>
+                        <a:bodyPr/>
+                        <a:p>
+                          <a:endParaRPr lang="en-US" sz="1350"/>
+                        </a:p>
+                      </p:txBody>
+                    </p:sp>
+                    <p:sp>
+                      <p:nvSpPr>
+                        <p:cNvPr id="146" name="Oval 145"/>
+                        <p:cNvSpPr/>
+                        <p:nvPr/>
+                      </p:nvSpPr>
+                      <p:spPr>
+                        <a:xfrm rot="10800000">
+                          <a:off x="6020" y="4865"/>
+                          <a:ext cx="929" cy="561"/>
+                        </a:xfrm>
+                        <a:prstGeom prst="ellipse">
+                          <a:avLst/>
+                        </a:prstGeom>
+                        <a:gradFill>
+                          <a:gsLst>
+                            <a:gs pos="0">
+                              <a:srgbClr val="FECF40"/>
+                            </a:gs>
+                            <a:gs pos="100000">
+                              <a:srgbClr val="846C21"/>
+                            </a:gs>
+                          </a:gsLst>
+                          <a:lin ang="16200000" scaled="0"/>
+                        </a:gradFill>
+                        <a:ln>
+                          <a:noFill/>
+                        </a:ln>
+                        <a:effectLst/>
+                      </p:spPr>
+                      <p:style>
+                        <a:lnRef idx="1">
+                          <a:schemeClr val="accent1"/>
+                        </a:lnRef>
+                        <a:fillRef idx="3">
+                          <a:schemeClr val="accent1"/>
+                        </a:fillRef>
+                        <a:effectRef idx="2">
+                          <a:schemeClr val="accent1"/>
+                        </a:effectRef>
+                        <a:fontRef idx="minor">
+                          <a:schemeClr val="lt1"/>
+                        </a:fontRef>
+                      </p:style>
+                      <p:txBody>
+                        <a:bodyPr/>
+                        <a:p>
+                          <a:endParaRPr lang="en-US" sz="1350"/>
+                        </a:p>
+                      </p:txBody>
+                    </p:sp>
+                    <p:sp>
+                      <p:nvSpPr>
+                        <p:cNvPr id="147" name="Rectangle 146"/>
+                        <p:cNvSpPr/>
+                        <p:nvPr/>
+                      </p:nvSpPr>
+                      <p:spPr>
+                        <a:xfrm>
+                          <a:off x="6227" y="5867"/>
+                          <a:ext cx="515" cy="360"/>
+                        </a:xfrm>
+                        <a:prstGeom prst="rect">
+                          <a:avLst/>
+                        </a:prstGeom>
+                        <a:solidFill>
+                          <a:schemeClr val="tx1">
+                            <a:lumMod val="65000"/>
+                            <a:lumOff val="35000"/>
+                          </a:schemeClr>
+                        </a:solidFill>
+                        <a:ln>
+                          <a:noFill/>
+                        </a:ln>
+                        <a:effectLst/>
+                      </p:spPr>
+                      <p:style>
+                        <a:lnRef idx="1">
+                          <a:schemeClr val="accent1"/>
+                        </a:lnRef>
+                        <a:fillRef idx="3">
+                          <a:schemeClr val="accent1"/>
+                        </a:fillRef>
+                        <a:effectRef idx="2">
+                          <a:schemeClr val="accent1"/>
+                        </a:effectRef>
+                        <a:fontRef idx="minor">
+                          <a:schemeClr val="lt1"/>
+                        </a:fontRef>
+                      </p:style>
+                      <p:txBody>
+                        <a:bodyPr/>
+                        <a:p>
+                          <a:endParaRPr lang="en-US" sz="1350"/>
+                        </a:p>
+                      </p:txBody>
+                    </p:sp>
+                  </p:grpSp>
+                  <p:grpSp>
+                    <p:nvGrpSpPr>
+                      <p:cNvPr id="148" name="Group 147"/>
+                      <p:cNvGrpSpPr/>
+                      <p:nvPr/>
+                    </p:nvGrpSpPr>
+                    <p:grpSpPr>
+                      <a:xfrm rot="5400000">
+                        <a:off x="6746" y="6437"/>
+                        <a:ext cx="548" cy="608"/>
+                        <a:chOff x="6020" y="4865"/>
+                        <a:chExt cx="928" cy="1362"/>
+                      </a:xfrm>
+                    </p:grpSpPr>
+                    <p:sp>
+                      <p:nvSpPr>
+                        <p:cNvPr id="149" name="Rectangle 148"/>
+                        <p:cNvSpPr/>
+                        <p:nvPr/>
+                      </p:nvSpPr>
+                      <p:spPr>
+                        <a:xfrm>
+                          <a:off x="6321" y="5259"/>
+                          <a:ext cx="327" cy="609"/>
+                        </a:xfrm>
+                        <a:prstGeom prst="rect">
+                          <a:avLst/>
+                        </a:prstGeom>
+                        <a:solidFill>
+                          <a:schemeClr val="bg1">
+                            <a:lumMod val="65000"/>
+                          </a:schemeClr>
+                        </a:solidFill>
+                        <a:ln>
+                          <a:noFill/>
+                        </a:ln>
+                        <a:effectLst/>
+                      </p:spPr>
+                      <p:style>
+                        <a:lnRef idx="1">
+                          <a:schemeClr val="accent1"/>
+                        </a:lnRef>
+                        <a:fillRef idx="3">
+                          <a:schemeClr val="accent1"/>
+                        </a:fillRef>
+                        <a:effectRef idx="2">
+                          <a:schemeClr val="accent1"/>
+                        </a:effectRef>
+                        <a:fontRef idx="minor">
+                          <a:schemeClr val="lt1"/>
+                        </a:fontRef>
+                      </p:style>
+                      <p:txBody>
+                        <a:bodyPr/>
+                        <a:p>
+                          <a:endParaRPr lang="en-US" sz="1350"/>
+                        </a:p>
+                      </p:txBody>
+                    </p:sp>
+                    <p:sp>
+                      <p:nvSpPr>
+                        <p:cNvPr id="150" name="Oval 149"/>
+                        <p:cNvSpPr/>
+                        <p:nvPr/>
+                      </p:nvSpPr>
+                      <p:spPr>
+                        <a:xfrm rot="10800000">
+                          <a:off x="6020" y="4865"/>
+                          <a:ext cx="929" cy="561"/>
+                        </a:xfrm>
+                        <a:prstGeom prst="ellipse">
+                          <a:avLst/>
+                        </a:prstGeom>
+                        <a:gradFill>
+                          <a:gsLst>
+                            <a:gs pos="0">
+                              <a:srgbClr val="FECF40"/>
+                            </a:gs>
+                            <a:gs pos="100000">
+                              <a:srgbClr val="846C21"/>
+                            </a:gs>
+                          </a:gsLst>
+                          <a:lin ang="16200000" scaled="0"/>
+                        </a:gradFill>
+                        <a:ln>
+                          <a:noFill/>
+                        </a:ln>
+                        <a:effectLst/>
+                      </p:spPr>
+                      <p:style>
+                        <a:lnRef idx="1">
+                          <a:schemeClr val="accent1"/>
+                        </a:lnRef>
+                        <a:fillRef idx="3">
+                          <a:schemeClr val="accent1"/>
+                        </a:fillRef>
+                        <a:effectRef idx="2">
+                          <a:schemeClr val="accent1"/>
+                        </a:effectRef>
+                        <a:fontRef idx="minor">
+                          <a:schemeClr val="lt1"/>
+                        </a:fontRef>
+                      </p:style>
+                      <p:txBody>
+                        <a:bodyPr/>
+                        <a:p>
+                          <a:endParaRPr lang="en-US" sz="1350"/>
+                        </a:p>
+                      </p:txBody>
+                    </p:sp>
+                    <p:sp>
+                      <p:nvSpPr>
+                        <p:cNvPr id="151" name="Rectangle 150"/>
+                        <p:cNvSpPr/>
+                        <p:nvPr/>
+                      </p:nvSpPr>
+                      <p:spPr>
+                        <a:xfrm>
+                          <a:off x="6227" y="5867"/>
+                          <a:ext cx="515" cy="360"/>
+                        </a:xfrm>
+                        <a:prstGeom prst="rect">
+                          <a:avLst/>
+                        </a:prstGeom>
+                        <a:solidFill>
+                          <a:schemeClr val="tx1">
+                            <a:lumMod val="65000"/>
+                            <a:lumOff val="35000"/>
+                          </a:schemeClr>
+                        </a:solidFill>
+                        <a:ln>
+                          <a:noFill/>
+                        </a:ln>
+                        <a:effectLst/>
+                      </p:spPr>
+                      <p:style>
+                        <a:lnRef idx="1">
+                          <a:schemeClr val="accent1"/>
+                        </a:lnRef>
+                        <a:fillRef idx="3">
+                          <a:schemeClr val="accent1"/>
+                        </a:fillRef>
+                        <a:effectRef idx="2">
+                          <a:schemeClr val="accent1"/>
+                        </a:effectRef>
+                        <a:fontRef idx="minor">
+                          <a:schemeClr val="lt1"/>
+                        </a:fontRef>
+                      </p:style>
+                      <p:txBody>
+                        <a:bodyPr/>
+                        <a:p>
+                          <a:endParaRPr lang="en-US" sz="1350"/>
+                        </a:p>
+                      </p:txBody>
+                    </p:sp>
+                  </p:grpSp>
+                  <p:grpSp>
+                    <p:nvGrpSpPr>
+                      <p:cNvPr id="152" name="Group 151"/>
+                      <p:cNvGrpSpPr/>
+                      <p:nvPr/>
+                    </p:nvGrpSpPr>
+                    <p:grpSpPr>
+                      <a:xfrm rot="4500000">
+                        <a:off x="6826" y="7116"/>
+                        <a:ext cx="548" cy="608"/>
+                        <a:chOff x="6020" y="4865"/>
+                        <a:chExt cx="928" cy="1362"/>
+                      </a:xfrm>
+                    </p:grpSpPr>
+                    <p:sp>
+                      <p:nvSpPr>
+                        <p:cNvPr id="153" name="Rectangle 152"/>
+                        <p:cNvSpPr/>
+                        <p:nvPr/>
+                      </p:nvSpPr>
+                      <p:spPr>
+                        <a:xfrm>
+                          <a:off x="6321" y="5259"/>
+                          <a:ext cx="327" cy="609"/>
+                        </a:xfrm>
+                        <a:prstGeom prst="rect">
+                          <a:avLst/>
+                        </a:prstGeom>
+                        <a:solidFill>
+                          <a:schemeClr val="bg1">
+                            <a:lumMod val="65000"/>
+                          </a:schemeClr>
+                        </a:solidFill>
+                        <a:ln>
+                          <a:noFill/>
+                        </a:ln>
+                        <a:effectLst/>
+                      </p:spPr>
+                      <p:style>
+                        <a:lnRef idx="1">
+                          <a:schemeClr val="accent1"/>
+                        </a:lnRef>
+                        <a:fillRef idx="3">
+                          <a:schemeClr val="accent1"/>
+                        </a:fillRef>
+                        <a:effectRef idx="2">
+                          <a:schemeClr val="accent1"/>
+                        </a:effectRef>
+                        <a:fontRef idx="minor">
+                          <a:schemeClr val="lt1"/>
+                        </a:fontRef>
+                      </p:style>
+                      <p:txBody>
+                        <a:bodyPr/>
+                        <a:p>
+                          <a:endParaRPr lang="en-US" sz="1350"/>
+                        </a:p>
+                      </p:txBody>
+                    </p:sp>
+                    <p:sp>
+                      <p:nvSpPr>
+                        <p:cNvPr id="154" name="Oval 153"/>
+                        <p:cNvSpPr/>
+                        <p:nvPr/>
+                      </p:nvSpPr>
+                      <p:spPr>
+                        <a:xfrm rot="10800000">
+                          <a:off x="6020" y="4865"/>
+                          <a:ext cx="929" cy="561"/>
+                        </a:xfrm>
+                        <a:prstGeom prst="ellipse">
+                          <a:avLst/>
+                        </a:prstGeom>
+                        <a:gradFill>
+                          <a:gsLst>
+                            <a:gs pos="0">
+                              <a:srgbClr val="FECF40"/>
+                            </a:gs>
+                            <a:gs pos="100000">
+                              <a:srgbClr val="846C21"/>
+                            </a:gs>
+                          </a:gsLst>
+                          <a:lin ang="16200000" scaled="0"/>
+                        </a:gradFill>
+                        <a:ln>
+                          <a:noFill/>
+                        </a:ln>
+                        <a:effectLst/>
+                      </p:spPr>
+                      <p:style>
+                        <a:lnRef idx="1">
+                          <a:schemeClr val="accent1"/>
+                        </a:lnRef>
+                        <a:fillRef idx="3">
+                          <a:schemeClr val="accent1"/>
+                        </a:fillRef>
+                        <a:effectRef idx="2">
+                          <a:schemeClr val="accent1"/>
+                        </a:effectRef>
+                        <a:fontRef idx="minor">
+                          <a:schemeClr val="lt1"/>
+                        </a:fontRef>
+                      </p:style>
+                      <p:txBody>
+                        <a:bodyPr/>
+                        <a:p>
+                          <a:endParaRPr lang="en-US" sz="1350"/>
+                        </a:p>
+                      </p:txBody>
+                    </p:sp>
+                    <p:sp>
+                      <p:nvSpPr>
+                        <p:cNvPr id="155" name="Rectangle 154"/>
+                        <p:cNvSpPr/>
+                        <p:nvPr/>
+                      </p:nvSpPr>
+                      <p:spPr>
+                        <a:xfrm>
+                          <a:off x="6227" y="5867"/>
+                          <a:ext cx="515" cy="360"/>
+                        </a:xfrm>
+                        <a:prstGeom prst="rect">
+                          <a:avLst/>
+                        </a:prstGeom>
+                        <a:solidFill>
+                          <a:schemeClr val="tx1">
+                            <a:lumMod val="65000"/>
+                            <a:lumOff val="35000"/>
+                          </a:schemeClr>
+                        </a:solidFill>
+                        <a:ln>
+                          <a:noFill/>
+                        </a:ln>
+                        <a:effectLst/>
+                      </p:spPr>
+                      <p:style>
+                        <a:lnRef idx="1">
+                          <a:schemeClr val="accent1"/>
+                        </a:lnRef>
+                        <a:fillRef idx="3">
+                          <a:schemeClr val="accent1"/>
+                        </a:fillRef>
+                        <a:effectRef idx="2">
+                          <a:schemeClr val="accent1"/>
+                        </a:effectRef>
+                        <a:fontRef idx="minor">
+                          <a:schemeClr val="lt1"/>
+                        </a:fontRef>
+                      </p:style>
+                      <p:txBody>
+                        <a:bodyPr/>
+                        <a:p>
+                          <a:endParaRPr lang="en-US" sz="1350"/>
+                        </a:p>
+                      </p:txBody>
+                    </p:sp>
+                  </p:grpSp>
+                  <p:grpSp>
+                    <p:nvGrpSpPr>
+                      <p:cNvPr id="156" name="Group 155"/>
+                      <p:cNvGrpSpPr/>
+                      <p:nvPr/>
+                    </p:nvGrpSpPr>
+                    <p:grpSpPr>
+                      <a:xfrm rot="4020000">
+                        <a:off x="7024" y="7763"/>
+                        <a:ext cx="548" cy="608"/>
+                        <a:chOff x="6020" y="4865"/>
+                        <a:chExt cx="928" cy="1362"/>
+                      </a:xfrm>
+                    </p:grpSpPr>
+                    <p:sp>
+                      <p:nvSpPr>
+                        <p:cNvPr id="157" name="Rectangle 156"/>
+                        <p:cNvSpPr/>
+                        <p:nvPr/>
+                      </p:nvSpPr>
+                      <p:spPr>
+                        <a:xfrm>
+                          <a:off x="6321" y="5259"/>
+                          <a:ext cx="327" cy="609"/>
+                        </a:xfrm>
+                        <a:prstGeom prst="rect">
+                          <a:avLst/>
+                        </a:prstGeom>
+                        <a:solidFill>
+                          <a:schemeClr val="bg1">
+                            <a:lumMod val="65000"/>
+                          </a:schemeClr>
+                        </a:solidFill>
+                        <a:ln>
+                          <a:noFill/>
+                        </a:ln>
+                        <a:effectLst/>
+                      </p:spPr>
+                      <p:style>
+                        <a:lnRef idx="1">
+                          <a:schemeClr val="accent1"/>
+                        </a:lnRef>
+                        <a:fillRef idx="3">
+                          <a:schemeClr val="accent1"/>
+                        </a:fillRef>
+                        <a:effectRef idx="2">
+                          <a:schemeClr val="accent1"/>
+                        </a:effectRef>
+                        <a:fontRef idx="minor">
+                          <a:schemeClr val="lt1"/>
+                        </a:fontRef>
+                      </p:style>
+                      <p:txBody>
+                        <a:bodyPr/>
+                        <a:p>
+                          <a:endParaRPr lang="en-US" sz="1350"/>
+                        </a:p>
+                      </p:txBody>
+                    </p:sp>
+                    <p:sp>
+                      <p:nvSpPr>
+                        <p:cNvPr id="158" name="Oval 157"/>
+                        <p:cNvSpPr/>
+                        <p:nvPr/>
+                      </p:nvSpPr>
+                      <p:spPr>
+                        <a:xfrm rot="10800000">
+                          <a:off x="6020" y="4865"/>
+                          <a:ext cx="929" cy="561"/>
+                        </a:xfrm>
+                        <a:prstGeom prst="ellipse">
+                          <a:avLst/>
+                        </a:prstGeom>
+                        <a:gradFill>
+                          <a:gsLst>
+                            <a:gs pos="0">
+                              <a:srgbClr val="FECF40"/>
+                            </a:gs>
+                            <a:gs pos="100000">
+                              <a:srgbClr val="846C21"/>
+                            </a:gs>
+                          </a:gsLst>
+                          <a:lin ang="16200000" scaled="0"/>
+                        </a:gradFill>
+                        <a:ln>
+                          <a:noFill/>
+                        </a:ln>
+                        <a:effectLst/>
+                      </p:spPr>
+                      <p:style>
+                        <a:lnRef idx="1">
+                          <a:schemeClr val="accent1"/>
+                        </a:lnRef>
+                        <a:fillRef idx="3">
+                          <a:schemeClr val="accent1"/>
+                        </a:fillRef>
+                        <a:effectRef idx="2">
+                          <a:schemeClr val="accent1"/>
+                        </a:effectRef>
+                        <a:fontRef idx="minor">
+                          <a:schemeClr val="lt1"/>
+                        </a:fontRef>
+                      </p:style>
+                      <p:txBody>
+                        <a:bodyPr/>
+                        <a:p>
+                          <a:endParaRPr lang="en-US" sz="1350"/>
+                        </a:p>
+                      </p:txBody>
+                    </p:sp>
+                    <p:sp>
+                      <p:nvSpPr>
+                        <p:cNvPr id="159" name="Rectangle 158"/>
+                        <p:cNvSpPr/>
+                        <p:nvPr/>
+                      </p:nvSpPr>
+                      <p:spPr>
+                        <a:xfrm>
+                          <a:off x="6227" y="5867"/>
+                          <a:ext cx="515" cy="360"/>
+                        </a:xfrm>
+                        <a:prstGeom prst="rect">
+                          <a:avLst/>
+                        </a:prstGeom>
+                        <a:solidFill>
+                          <a:schemeClr val="tx1">
+                            <a:lumMod val="65000"/>
+                            <a:lumOff val="35000"/>
+                          </a:schemeClr>
+                        </a:solidFill>
+                        <a:ln>
+                          <a:noFill/>
+                        </a:ln>
+                        <a:effectLst/>
+                      </p:spPr>
+                      <p:style>
+                        <a:lnRef idx="1">
+                          <a:schemeClr val="accent1"/>
+                        </a:lnRef>
+                        <a:fillRef idx="3">
+                          <a:schemeClr val="accent1"/>
+                        </a:fillRef>
+                        <a:effectRef idx="2">
+                          <a:schemeClr val="accent1"/>
+                        </a:effectRef>
+                        <a:fontRef idx="minor">
+                          <a:schemeClr val="lt1"/>
+                        </a:fontRef>
+                      </p:style>
+                      <p:txBody>
+                        <a:bodyPr/>
+                        <a:p>
+                          <a:endParaRPr lang="en-US" sz="1350"/>
+                        </a:p>
+                      </p:txBody>
+                    </p:sp>
+                  </p:grpSp>
+                  <p:grpSp>
+                    <p:nvGrpSpPr>
+                      <p:cNvPr id="160" name="Group 159"/>
+                      <p:cNvGrpSpPr/>
+                      <p:nvPr/>
+                    </p:nvGrpSpPr>
+                    <p:grpSpPr>
+                      <a:xfrm rot="3420000">
+                        <a:off x="7345" y="8350"/>
+                        <a:ext cx="548" cy="608"/>
+                        <a:chOff x="6020" y="4865"/>
+                        <a:chExt cx="928" cy="1362"/>
+                      </a:xfrm>
+                    </p:grpSpPr>
+                    <p:sp>
+                      <p:nvSpPr>
+                        <p:cNvPr id="161" name="Rectangle 160"/>
+                        <p:cNvSpPr/>
+                        <p:nvPr/>
+                      </p:nvSpPr>
+                      <p:spPr>
+                        <a:xfrm>
+                          <a:off x="6321" y="5259"/>
+                          <a:ext cx="327" cy="609"/>
+                        </a:xfrm>
+                        <a:prstGeom prst="rect">
+                          <a:avLst/>
+                        </a:prstGeom>
+                        <a:solidFill>
+                          <a:schemeClr val="bg1">
+                            <a:lumMod val="65000"/>
+                          </a:schemeClr>
+                        </a:solidFill>
+                        <a:ln>
+                          <a:noFill/>
+                        </a:ln>
+                        <a:effectLst/>
+                      </p:spPr>
+                      <p:style>
+                        <a:lnRef idx="1">
+                          <a:schemeClr val="accent1"/>
+                        </a:lnRef>
+                        <a:fillRef idx="3">
+                          <a:schemeClr val="accent1"/>
+                        </a:fillRef>
+                        <a:effectRef idx="2">
+                          <a:schemeClr val="accent1"/>
+                        </a:effectRef>
+                        <a:fontRef idx="minor">
+                          <a:schemeClr val="lt1"/>
+                        </a:fontRef>
+                      </p:style>
+                      <p:txBody>
+                        <a:bodyPr/>
+                        <a:p>
+                          <a:endParaRPr lang="en-US" sz="1350"/>
+                        </a:p>
+                      </p:txBody>
+                    </p:sp>
+                    <p:sp>
+                      <p:nvSpPr>
+                        <p:cNvPr id="162" name="Oval 161"/>
+                        <p:cNvSpPr/>
+                        <p:nvPr/>
+                      </p:nvSpPr>
+                      <p:spPr>
+                        <a:xfrm rot="10800000">
+                          <a:off x="6020" y="4865"/>
+                          <a:ext cx="929" cy="561"/>
+                        </a:xfrm>
+                        <a:prstGeom prst="ellipse">
+                          <a:avLst/>
+                        </a:prstGeom>
+                        <a:gradFill>
+                          <a:gsLst>
+                            <a:gs pos="0">
+                              <a:srgbClr val="FECF40"/>
+                            </a:gs>
+                            <a:gs pos="100000">
+                              <a:srgbClr val="846C21"/>
+                            </a:gs>
+                          </a:gsLst>
+                          <a:lin ang="16200000" scaled="0"/>
+                        </a:gradFill>
+                        <a:ln>
+                          <a:noFill/>
+                        </a:ln>
+                        <a:effectLst/>
+                      </p:spPr>
+                      <p:style>
+                        <a:lnRef idx="1">
+                          <a:schemeClr val="accent1"/>
+                        </a:lnRef>
+                        <a:fillRef idx="3">
+                          <a:schemeClr val="accent1"/>
+                        </a:fillRef>
+                        <a:effectRef idx="2">
+                          <a:schemeClr val="accent1"/>
+                        </a:effectRef>
+                        <a:fontRef idx="minor">
+                          <a:schemeClr val="lt1"/>
+                        </a:fontRef>
+                      </p:style>
+                      <p:txBody>
+                        <a:bodyPr/>
+                        <a:p>
+                          <a:endParaRPr lang="en-US" sz="1350"/>
+                        </a:p>
+                      </p:txBody>
+                    </p:sp>
+                    <p:sp>
+                      <p:nvSpPr>
+                        <p:cNvPr id="163" name="Rectangle 162"/>
+                        <p:cNvSpPr/>
+                        <p:nvPr/>
+                      </p:nvSpPr>
+                      <p:spPr>
+                        <a:xfrm>
+                          <a:off x="6227" y="5867"/>
+                          <a:ext cx="515" cy="360"/>
+                        </a:xfrm>
+                        <a:prstGeom prst="rect">
+                          <a:avLst/>
+                        </a:prstGeom>
+                        <a:solidFill>
+                          <a:schemeClr val="tx1">
+                            <a:lumMod val="65000"/>
+                            <a:lumOff val="35000"/>
+                          </a:schemeClr>
+                        </a:solidFill>
+                        <a:ln>
+                          <a:noFill/>
+                        </a:ln>
+                        <a:effectLst/>
+                      </p:spPr>
+                      <p:style>
+                        <a:lnRef idx="1">
+                          <a:schemeClr val="accent1"/>
+                        </a:lnRef>
+                        <a:fillRef idx="3">
+                          <a:schemeClr val="accent1"/>
+                        </a:fillRef>
+                        <a:effectRef idx="2">
+                          <a:schemeClr val="accent1"/>
+                        </a:effectRef>
+                        <a:fontRef idx="minor">
+                          <a:schemeClr val="lt1"/>
+                        </a:fontRef>
+                      </p:style>
+                      <p:txBody>
+                        <a:bodyPr/>
+                        <a:p>
+                          <a:endParaRPr lang="en-US" sz="1350"/>
+                        </a:p>
+                      </p:txBody>
+                    </p:sp>
+                  </p:grpSp>
+                  <p:grpSp>
+                    <p:nvGrpSpPr>
+                      <p:cNvPr id="164" name="Group 163"/>
+                      <p:cNvGrpSpPr/>
+                      <p:nvPr/>
+                    </p:nvGrpSpPr>
+                    <p:grpSpPr>
+                      <a:xfrm rot="2760000">
+                        <a:off x="7784" y="8866"/>
+                        <a:ext cx="548" cy="608"/>
+                        <a:chOff x="6020" y="4865"/>
+                        <a:chExt cx="928" cy="1362"/>
+                      </a:xfrm>
+                    </p:grpSpPr>
+                    <p:sp>
+                      <p:nvSpPr>
+                        <p:cNvPr id="165" name="Rectangle 164"/>
+                        <p:cNvSpPr/>
+                        <p:nvPr/>
+                      </p:nvSpPr>
+                      <p:spPr>
+                        <a:xfrm>
+                          <a:off x="6321" y="5259"/>
+                          <a:ext cx="327" cy="609"/>
+                        </a:xfrm>
+                        <a:prstGeom prst="rect">
+                          <a:avLst/>
+                        </a:prstGeom>
+                        <a:solidFill>
+                          <a:schemeClr val="bg1">
+                            <a:lumMod val="65000"/>
+                          </a:schemeClr>
+                        </a:solidFill>
+                        <a:ln>
+                          <a:noFill/>
+                        </a:ln>
+                        <a:effectLst/>
+                      </p:spPr>
+                      <p:style>
+                        <a:lnRef idx="1">
+                          <a:schemeClr val="accent1"/>
+                        </a:lnRef>
+                        <a:fillRef idx="3">
+                          <a:schemeClr val="accent1"/>
+                        </a:fillRef>
+                        <a:effectRef idx="2">
+                          <a:schemeClr val="accent1"/>
+                        </a:effectRef>
+                        <a:fontRef idx="minor">
+                          <a:schemeClr val="lt1"/>
+                        </a:fontRef>
+                      </p:style>
+                      <p:txBody>
+                        <a:bodyPr/>
+                        <a:p>
+                          <a:endParaRPr lang="en-US" sz="1350"/>
+                        </a:p>
+                      </p:txBody>
+                    </p:sp>
+                    <p:sp>
+                      <p:nvSpPr>
+                        <p:cNvPr id="166" name="Oval 165"/>
+                        <p:cNvSpPr/>
+                        <p:nvPr/>
+                      </p:nvSpPr>
+                      <p:spPr>
+                        <a:xfrm rot="10800000">
+                          <a:off x="6020" y="4865"/>
+                          <a:ext cx="929" cy="561"/>
+                        </a:xfrm>
+                        <a:prstGeom prst="ellipse">
+                          <a:avLst/>
+                        </a:prstGeom>
+                        <a:gradFill>
+                          <a:gsLst>
+                            <a:gs pos="0">
+                              <a:srgbClr val="FECF40"/>
+                            </a:gs>
+                            <a:gs pos="100000">
+                              <a:srgbClr val="846C21"/>
+                            </a:gs>
+                          </a:gsLst>
+                          <a:lin ang="16200000" scaled="0"/>
+                        </a:gradFill>
+                        <a:ln>
+                          <a:noFill/>
+                        </a:ln>
+                        <a:effectLst/>
+                      </p:spPr>
+                      <p:style>
+                        <a:lnRef idx="1">
+                          <a:schemeClr val="accent1"/>
+                        </a:lnRef>
+                        <a:fillRef idx="3">
+                          <a:schemeClr val="accent1"/>
+                        </a:fillRef>
+                        <a:effectRef idx="2">
+                          <a:schemeClr val="accent1"/>
+                        </a:effectRef>
+                        <a:fontRef idx="minor">
+                          <a:schemeClr val="lt1"/>
+                        </a:fontRef>
+                      </p:style>
+                      <p:txBody>
+                        <a:bodyPr/>
+                        <a:p>
+                          <a:endParaRPr lang="en-US" sz="1350"/>
+                        </a:p>
+                      </p:txBody>
+                    </p:sp>
+                    <p:sp>
+                      <p:nvSpPr>
+                        <p:cNvPr id="167" name="Rectangle 166"/>
+                        <p:cNvSpPr/>
+                        <p:nvPr/>
+                      </p:nvSpPr>
+                      <p:spPr>
+                        <a:xfrm>
+                          <a:off x="6227" y="5867"/>
+                          <a:ext cx="515" cy="360"/>
+                        </a:xfrm>
+                        <a:prstGeom prst="rect">
+                          <a:avLst/>
+                        </a:prstGeom>
+                        <a:solidFill>
+                          <a:schemeClr val="tx1">
+                            <a:lumMod val="65000"/>
+                            <a:lumOff val="35000"/>
+                          </a:schemeClr>
+                        </a:solidFill>
+                        <a:ln>
+                          <a:noFill/>
+                        </a:ln>
+                        <a:effectLst/>
+                      </p:spPr>
+                      <p:style>
+                        <a:lnRef idx="1">
+                          <a:schemeClr val="accent1"/>
+                        </a:lnRef>
+                        <a:fillRef idx="3">
+                          <a:schemeClr val="accent1"/>
+                        </a:fillRef>
+                        <a:effectRef idx="2">
+                          <a:schemeClr val="accent1"/>
+                        </a:effectRef>
+                        <a:fontRef idx="minor">
+                          <a:schemeClr val="lt1"/>
+                        </a:fontRef>
+                      </p:style>
+                      <p:txBody>
+                        <a:bodyPr/>
+                        <a:p>
+                          <a:endParaRPr lang="en-US" sz="1350"/>
+                        </a:p>
+                      </p:txBody>
+                    </p:sp>
+                  </p:grpSp>
+                  <p:grpSp>
+                    <p:nvGrpSpPr>
+                      <p:cNvPr id="176" name="Group 175"/>
+                      <p:cNvGrpSpPr/>
+                      <p:nvPr/>
+                    </p:nvGrpSpPr>
+                    <p:grpSpPr>
+                      <a:xfrm rot="8640000">
+                        <a:off x="8343" y="3483"/>
+                        <a:ext cx="548" cy="617"/>
+                        <a:chOff x="6020" y="4865"/>
+                        <a:chExt cx="928" cy="1362"/>
+                      </a:xfrm>
+                    </p:grpSpPr>
+                    <p:sp>
+                      <p:nvSpPr>
+                        <p:cNvPr id="177" name="Rectangle 176"/>
+                        <p:cNvSpPr/>
+                        <p:nvPr/>
+                      </p:nvSpPr>
+                      <p:spPr>
+                        <a:xfrm>
+                          <a:off x="6321" y="5259"/>
+                          <a:ext cx="327" cy="609"/>
+                        </a:xfrm>
+                        <a:prstGeom prst="rect">
+                          <a:avLst/>
+                        </a:prstGeom>
+                        <a:solidFill>
+                          <a:schemeClr val="bg1">
+                            <a:lumMod val="65000"/>
+                          </a:schemeClr>
+                        </a:solidFill>
+                        <a:ln>
+                          <a:noFill/>
+                        </a:ln>
+                        <a:effectLst/>
+                      </p:spPr>
+                      <p:style>
+                        <a:lnRef idx="1">
+                          <a:schemeClr val="accent1"/>
+                        </a:lnRef>
+                        <a:fillRef idx="3">
+                          <a:schemeClr val="accent1"/>
+                        </a:fillRef>
+                        <a:effectRef idx="2">
+                          <a:schemeClr val="accent1"/>
+                        </a:effectRef>
+                        <a:fontRef idx="minor">
+                          <a:schemeClr val="lt1"/>
+                        </a:fontRef>
+                      </p:style>
+                      <p:txBody>
+                        <a:bodyPr/>
+                        <a:p>
+                          <a:endParaRPr lang="en-US" sz="1350"/>
+                        </a:p>
+                      </p:txBody>
+                    </p:sp>
+                    <p:sp>
+                      <p:nvSpPr>
+                        <p:cNvPr id="178" name="Oval 177"/>
+                        <p:cNvSpPr/>
+                        <p:nvPr/>
+                      </p:nvSpPr>
+                      <p:spPr>
+                        <a:xfrm rot="10800000">
+                          <a:off x="6020" y="4865"/>
+                          <a:ext cx="929" cy="561"/>
+                        </a:xfrm>
+                        <a:prstGeom prst="ellipse">
+                          <a:avLst/>
+                        </a:prstGeom>
+                        <a:gradFill>
+                          <a:gsLst>
+                            <a:gs pos="0">
+                              <a:srgbClr val="FECF40"/>
+                            </a:gs>
+                            <a:gs pos="100000">
+                              <a:srgbClr val="846C21"/>
+                            </a:gs>
+                          </a:gsLst>
+                          <a:lin ang="16200000" scaled="0"/>
+                        </a:gradFill>
+                        <a:ln>
+                          <a:noFill/>
+                        </a:ln>
+                        <a:effectLst/>
+                      </p:spPr>
+                      <p:style>
+                        <a:lnRef idx="1">
+                          <a:schemeClr val="accent1"/>
+                        </a:lnRef>
+                        <a:fillRef idx="3">
+                          <a:schemeClr val="accent1"/>
+                        </a:fillRef>
+                        <a:effectRef idx="2">
+                          <a:schemeClr val="accent1"/>
+                        </a:effectRef>
+                        <a:fontRef idx="minor">
+                          <a:schemeClr val="lt1"/>
+                        </a:fontRef>
+                      </p:style>
+                      <p:txBody>
+                        <a:bodyPr/>
+                        <a:p>
+                          <a:endParaRPr lang="en-US" sz="1350"/>
+                        </a:p>
+                      </p:txBody>
+                    </p:sp>
+                    <p:sp>
+                      <p:nvSpPr>
+                        <p:cNvPr id="179" name="Rectangle 178"/>
+                        <p:cNvSpPr/>
+                        <p:nvPr/>
+                      </p:nvSpPr>
+                      <p:spPr>
+                        <a:xfrm>
+                          <a:off x="6227" y="5867"/>
+                          <a:ext cx="515" cy="360"/>
+                        </a:xfrm>
+                        <a:prstGeom prst="rect">
+                          <a:avLst/>
+                        </a:prstGeom>
+                        <a:solidFill>
+                          <a:schemeClr val="tx1">
+                            <a:lumMod val="65000"/>
+                            <a:lumOff val="35000"/>
+                          </a:schemeClr>
+                        </a:solidFill>
+                        <a:ln>
+                          <a:noFill/>
+                        </a:ln>
+                        <a:effectLst/>
+                      </p:spPr>
+                      <p:style>
+                        <a:lnRef idx="1">
+                          <a:schemeClr val="accent1"/>
+                        </a:lnRef>
+                        <a:fillRef idx="3">
+                          <a:schemeClr val="accent1"/>
+                        </a:fillRef>
+                        <a:effectRef idx="2">
+                          <a:schemeClr val="accent1"/>
+                        </a:effectRef>
+                        <a:fontRef idx="minor">
+                          <a:schemeClr val="lt1"/>
+                        </a:fontRef>
+                      </p:style>
+                      <p:txBody>
+                        <a:bodyPr/>
+                        <a:p>
+                          <a:endParaRPr lang="en-US" sz="1350"/>
+                        </a:p>
+                      </p:txBody>
+                    </p:sp>
+                  </p:grpSp>
+                  <p:grpSp>
+                    <p:nvGrpSpPr>
+                      <p:cNvPr id="180" name="Group 179"/>
+                      <p:cNvGrpSpPr/>
+                      <p:nvPr/>
+                    </p:nvGrpSpPr>
+                    <p:grpSpPr>
+                      <a:xfrm rot="8160000">
+                        <a:off x="7813" y="3940"/>
+                        <a:ext cx="548" cy="608"/>
+                        <a:chOff x="6020" y="4865"/>
+                        <a:chExt cx="928" cy="1362"/>
+                      </a:xfrm>
+                    </p:grpSpPr>
+                    <p:sp>
+                      <p:nvSpPr>
+                        <p:cNvPr id="181" name="Rectangle 180"/>
+                        <p:cNvSpPr/>
+                        <p:nvPr/>
+                      </p:nvSpPr>
+                      <p:spPr>
+                        <a:xfrm>
+                          <a:off x="6321" y="5259"/>
+                          <a:ext cx="327" cy="609"/>
+                        </a:xfrm>
+                        <a:prstGeom prst="rect">
+                          <a:avLst/>
+                        </a:prstGeom>
+                        <a:solidFill>
+                          <a:schemeClr val="bg1">
+                            <a:lumMod val="65000"/>
+                          </a:schemeClr>
+                        </a:solidFill>
+                        <a:ln>
+                          <a:noFill/>
+                        </a:ln>
+                        <a:effectLst/>
+                      </p:spPr>
+                      <p:style>
+                        <a:lnRef idx="1">
+                          <a:schemeClr val="accent1"/>
+                        </a:lnRef>
+                        <a:fillRef idx="3">
+                          <a:schemeClr val="accent1"/>
+                        </a:fillRef>
+                        <a:effectRef idx="2">
+                          <a:schemeClr val="accent1"/>
+                        </a:effectRef>
+                        <a:fontRef idx="minor">
+                          <a:schemeClr val="lt1"/>
+                        </a:fontRef>
+                      </p:style>
+                      <p:txBody>
+                        <a:bodyPr/>
+                        <a:p>
+                          <a:endParaRPr lang="en-US" sz="1350"/>
+                        </a:p>
+                      </p:txBody>
+                    </p:sp>
+                    <p:sp>
+                      <p:nvSpPr>
+                        <p:cNvPr id="182" name="Oval 181"/>
+                        <p:cNvSpPr/>
+                        <p:nvPr/>
+                      </p:nvSpPr>
+                      <p:spPr>
+                        <a:xfrm rot="10800000">
+                          <a:off x="6020" y="4865"/>
+                          <a:ext cx="929" cy="561"/>
+                        </a:xfrm>
+                        <a:prstGeom prst="ellipse">
+                          <a:avLst/>
+                        </a:prstGeom>
+                        <a:gradFill>
+                          <a:gsLst>
+                            <a:gs pos="0">
+                              <a:srgbClr val="FECF40"/>
+                            </a:gs>
+                            <a:gs pos="100000">
+                              <a:srgbClr val="846C21"/>
+                            </a:gs>
+                          </a:gsLst>
+                          <a:lin ang="16200000" scaled="0"/>
+                        </a:gradFill>
+                        <a:ln>
+                          <a:noFill/>
+                        </a:ln>
+                        <a:effectLst/>
+                      </p:spPr>
+                      <p:style>
+                        <a:lnRef idx="1">
+                          <a:schemeClr val="accent1"/>
+                        </a:lnRef>
+                        <a:fillRef idx="3">
+                          <a:schemeClr val="accent1"/>
+                        </a:fillRef>
+                        <a:effectRef idx="2">
+                          <a:schemeClr val="accent1"/>
+                        </a:effectRef>
+                        <a:fontRef idx="minor">
+                          <a:schemeClr val="lt1"/>
+                        </a:fontRef>
+                      </p:style>
+                      <p:txBody>
+                        <a:bodyPr/>
+                        <a:p>
+                          <a:endParaRPr lang="en-US" sz="1350"/>
+                        </a:p>
+                      </p:txBody>
+                    </p:sp>
+                    <p:sp>
+                      <p:nvSpPr>
+                        <p:cNvPr id="183" name="Rectangle 182"/>
+                        <p:cNvSpPr/>
+                        <p:nvPr/>
+                      </p:nvSpPr>
+                      <p:spPr>
+                        <a:xfrm>
+                          <a:off x="6227" y="5867"/>
+                          <a:ext cx="515" cy="360"/>
+                        </a:xfrm>
+                        <a:prstGeom prst="rect">
+                          <a:avLst/>
+                        </a:prstGeom>
+                        <a:solidFill>
+                          <a:schemeClr val="tx1">
+                            <a:lumMod val="65000"/>
+                            <a:lumOff val="35000"/>
+                          </a:schemeClr>
+                        </a:solidFill>
+                        <a:ln>
+                          <a:noFill/>
+                        </a:ln>
+                        <a:effectLst/>
+                      </p:spPr>
+                      <p:style>
+                        <a:lnRef idx="1">
+                          <a:schemeClr val="accent1"/>
+                        </a:lnRef>
+                        <a:fillRef idx="3">
+                          <a:schemeClr val="accent1"/>
+                        </a:fillRef>
+                        <a:effectRef idx="2">
+                          <a:schemeClr val="accent1"/>
+                        </a:effectRef>
+                        <a:fontRef idx="minor">
+                          <a:schemeClr val="lt1"/>
+                        </a:fontRef>
+                      </p:style>
+                      <p:txBody>
+                        <a:bodyPr/>
+                        <a:p>
+                          <a:endParaRPr lang="en-US" sz="1350"/>
+                        </a:p>
+                      </p:txBody>
+                    </p:sp>
+                  </p:grpSp>
+                  <p:grpSp>
+                    <p:nvGrpSpPr>
+                      <p:cNvPr id="184" name="Group 183"/>
+                      <p:cNvGrpSpPr/>
+                      <p:nvPr/>
+                    </p:nvGrpSpPr>
+                    <p:grpSpPr>
+                      <a:xfrm rot="7500000">
+                        <a:off x="7362" y="4515"/>
+                        <a:ext cx="548" cy="608"/>
+                        <a:chOff x="6020" y="4865"/>
+                        <a:chExt cx="928" cy="1362"/>
+                      </a:xfrm>
+                    </p:grpSpPr>
+                    <p:sp>
+                      <p:nvSpPr>
+                        <p:cNvPr id="185" name="Rectangle 184"/>
+                        <p:cNvSpPr/>
+                        <p:nvPr/>
+                      </p:nvSpPr>
+                      <p:spPr>
+                        <a:xfrm>
+                          <a:off x="6321" y="5259"/>
+                          <a:ext cx="327" cy="609"/>
+                        </a:xfrm>
+                        <a:prstGeom prst="rect">
+                          <a:avLst/>
+                        </a:prstGeom>
+                        <a:solidFill>
+                          <a:schemeClr val="bg1">
+                            <a:lumMod val="65000"/>
+                          </a:schemeClr>
+                        </a:solidFill>
+                        <a:ln>
+                          <a:noFill/>
+                        </a:ln>
+                        <a:effectLst/>
+                      </p:spPr>
+                      <p:style>
+                        <a:lnRef idx="1">
+                          <a:schemeClr val="accent1"/>
+                        </a:lnRef>
+                        <a:fillRef idx="3">
+                          <a:schemeClr val="accent1"/>
+                        </a:fillRef>
+                        <a:effectRef idx="2">
+                          <a:schemeClr val="accent1"/>
+                        </a:effectRef>
+                        <a:fontRef idx="minor">
+                          <a:schemeClr val="lt1"/>
+                        </a:fontRef>
+                      </p:style>
+                      <p:txBody>
+                        <a:bodyPr/>
+                        <a:p>
+                          <a:endParaRPr lang="en-US" sz="1350"/>
+                        </a:p>
+                      </p:txBody>
+                    </p:sp>
+                    <p:sp>
+                      <p:nvSpPr>
+                        <p:cNvPr id="186" name="Oval 185"/>
+                        <p:cNvSpPr/>
+                        <p:nvPr/>
+                      </p:nvSpPr>
+                      <p:spPr>
+                        <a:xfrm rot="10800000">
+                          <a:off x="6020" y="4865"/>
+                          <a:ext cx="929" cy="561"/>
+                        </a:xfrm>
+                        <a:prstGeom prst="ellipse">
+                          <a:avLst/>
+                        </a:prstGeom>
+                        <a:gradFill>
+                          <a:gsLst>
+                            <a:gs pos="0">
+                              <a:srgbClr val="FECF40"/>
+                            </a:gs>
+                            <a:gs pos="100000">
+                              <a:srgbClr val="846C21"/>
+                            </a:gs>
+                          </a:gsLst>
+                          <a:lin ang="16200000" scaled="0"/>
+                        </a:gradFill>
+                        <a:ln>
+                          <a:noFill/>
+                        </a:ln>
+                        <a:effectLst/>
+                      </p:spPr>
+                      <p:style>
+                        <a:lnRef idx="1">
+                          <a:schemeClr val="accent1"/>
+                        </a:lnRef>
+                        <a:fillRef idx="3">
+                          <a:schemeClr val="accent1"/>
+                        </a:fillRef>
+                        <a:effectRef idx="2">
+                          <a:schemeClr val="accent1"/>
+                        </a:effectRef>
+                        <a:fontRef idx="minor">
+                          <a:schemeClr val="lt1"/>
+                        </a:fontRef>
+                      </p:style>
+                      <p:txBody>
+                        <a:bodyPr/>
+                        <a:p>
+                          <a:endParaRPr lang="en-US" sz="1350"/>
+                        </a:p>
+                      </p:txBody>
+                    </p:sp>
+                    <p:sp>
+                      <p:nvSpPr>
+                        <p:cNvPr id="187" name="Rectangle 186"/>
+                        <p:cNvSpPr/>
+                        <p:nvPr/>
+                      </p:nvSpPr>
+                      <p:spPr>
+                        <a:xfrm>
+                          <a:off x="6227" y="5867"/>
+                          <a:ext cx="515" cy="360"/>
+                        </a:xfrm>
+                        <a:prstGeom prst="rect">
+                          <a:avLst/>
+                        </a:prstGeom>
+                        <a:solidFill>
+                          <a:schemeClr val="tx1">
+                            <a:lumMod val="65000"/>
+                            <a:lumOff val="35000"/>
+                          </a:schemeClr>
+                        </a:solidFill>
+                        <a:ln>
+                          <a:noFill/>
+                        </a:ln>
+                        <a:effectLst/>
+                      </p:spPr>
+                      <p:style>
+                        <a:lnRef idx="1">
+                          <a:schemeClr val="accent1"/>
+                        </a:lnRef>
+                        <a:fillRef idx="3">
+                          <a:schemeClr val="accent1"/>
+                        </a:fillRef>
+                        <a:effectRef idx="2">
+                          <a:schemeClr val="accent1"/>
+                        </a:effectRef>
+                        <a:fontRef idx="minor">
+                          <a:schemeClr val="lt1"/>
+                        </a:fontRef>
+                      </p:style>
+                      <p:txBody>
+                        <a:bodyPr/>
+                        <a:p>
+                          <a:endParaRPr lang="en-US" sz="1350"/>
+                        </a:p>
+                      </p:txBody>
+                    </p:sp>
+                  </p:grpSp>
+                  <p:grpSp>
+                    <p:nvGrpSpPr>
+                      <p:cNvPr id="188" name="Group 187"/>
+                      <p:cNvGrpSpPr/>
+                      <p:nvPr/>
+                    </p:nvGrpSpPr>
+                    <p:grpSpPr>
+                      <a:xfrm rot="6900000">
+                        <a:off x="7012" y="5124"/>
+                        <a:ext cx="548" cy="608"/>
+                        <a:chOff x="6020" y="4865"/>
+                        <a:chExt cx="928" cy="1362"/>
+                      </a:xfrm>
+                    </p:grpSpPr>
+                    <p:sp>
+                      <p:nvSpPr>
+                        <p:cNvPr id="189" name="Rectangle 188"/>
+                        <p:cNvSpPr/>
+                        <p:nvPr/>
+                      </p:nvSpPr>
+                      <p:spPr>
+                        <a:xfrm>
+                          <a:off x="6321" y="5259"/>
+                          <a:ext cx="327" cy="609"/>
+                        </a:xfrm>
+                        <a:prstGeom prst="rect">
+                          <a:avLst/>
+                        </a:prstGeom>
+                        <a:solidFill>
+                          <a:schemeClr val="bg1">
+                            <a:lumMod val="65000"/>
+                          </a:schemeClr>
+                        </a:solidFill>
+                        <a:ln>
+                          <a:noFill/>
+                        </a:ln>
+                        <a:effectLst/>
+                      </p:spPr>
+                      <p:style>
+                        <a:lnRef idx="1">
+                          <a:schemeClr val="accent1"/>
+                        </a:lnRef>
+                        <a:fillRef idx="3">
+                          <a:schemeClr val="accent1"/>
+                        </a:fillRef>
+                        <a:effectRef idx="2">
+                          <a:schemeClr val="accent1"/>
+                        </a:effectRef>
+                        <a:fontRef idx="minor">
+                          <a:schemeClr val="lt1"/>
+                        </a:fontRef>
+                      </p:style>
+                      <p:txBody>
+                        <a:bodyPr/>
+                        <a:p>
+                          <a:endParaRPr lang="en-US" sz="1350"/>
+                        </a:p>
+                      </p:txBody>
+                    </p:sp>
+                    <p:sp>
+                      <p:nvSpPr>
+                        <p:cNvPr id="190" name="Oval 189"/>
+                        <p:cNvSpPr/>
+                        <p:nvPr/>
+                      </p:nvSpPr>
+                      <p:spPr>
+                        <a:xfrm rot="10800000">
+                          <a:off x="6020" y="4865"/>
+                          <a:ext cx="929" cy="561"/>
+                        </a:xfrm>
+                        <a:prstGeom prst="ellipse">
+                          <a:avLst/>
+                        </a:prstGeom>
+                        <a:gradFill>
+                          <a:gsLst>
+                            <a:gs pos="0">
+                              <a:srgbClr val="FECF40"/>
+                            </a:gs>
+                            <a:gs pos="100000">
+                              <a:srgbClr val="846C21"/>
+                            </a:gs>
+                          </a:gsLst>
+                          <a:lin ang="16200000" scaled="0"/>
+                        </a:gradFill>
+                        <a:ln>
+                          <a:noFill/>
+                        </a:ln>
+                        <a:effectLst/>
+                      </p:spPr>
+                      <p:style>
+                        <a:lnRef idx="1">
+                          <a:schemeClr val="accent1"/>
+                        </a:lnRef>
+                        <a:fillRef idx="3">
+                          <a:schemeClr val="accent1"/>
+                        </a:fillRef>
+                        <a:effectRef idx="2">
+                          <a:schemeClr val="accent1"/>
+                        </a:effectRef>
+                        <a:fontRef idx="minor">
+                          <a:schemeClr val="lt1"/>
+                        </a:fontRef>
+                      </p:style>
+                      <p:txBody>
+                        <a:bodyPr/>
+                        <a:p>
+                          <a:endParaRPr lang="en-US" sz="1350"/>
+                        </a:p>
+                      </p:txBody>
+                    </p:sp>
+                    <p:sp>
+                      <p:nvSpPr>
+                        <p:cNvPr id="191" name="Rectangle 190"/>
+                        <p:cNvSpPr/>
+                        <p:nvPr/>
+                      </p:nvSpPr>
+                      <p:spPr>
+                        <a:xfrm>
+                          <a:off x="6227" y="5867"/>
+                          <a:ext cx="515" cy="360"/>
+                        </a:xfrm>
+                        <a:prstGeom prst="rect">
+                          <a:avLst/>
+                        </a:prstGeom>
+                        <a:solidFill>
+                          <a:schemeClr val="tx1">
+                            <a:lumMod val="65000"/>
+                            <a:lumOff val="35000"/>
+                          </a:schemeClr>
+                        </a:solidFill>
+                        <a:ln>
+                          <a:noFill/>
+                        </a:ln>
+                        <a:effectLst/>
+                      </p:spPr>
+                      <p:style>
+                        <a:lnRef idx="1">
+                          <a:schemeClr val="accent1"/>
+                        </a:lnRef>
+                        <a:fillRef idx="3">
+                          <a:schemeClr val="accent1"/>
+                        </a:fillRef>
+                        <a:effectRef idx="2">
+                          <a:schemeClr val="accent1"/>
+                        </a:effectRef>
+                        <a:fontRef idx="minor">
+                          <a:schemeClr val="lt1"/>
+                        </a:fontRef>
+                      </p:style>
+                      <p:txBody>
+                        <a:bodyPr/>
+                        <a:p>
+                          <a:endParaRPr lang="en-US" sz="1350"/>
+                        </a:p>
+                      </p:txBody>
+                    </p:sp>
+                  </p:grpSp>
+                  <p:grpSp>
+                    <p:nvGrpSpPr>
+                      <p:cNvPr id="192" name="Group 191"/>
+                      <p:cNvGrpSpPr/>
+                      <p:nvPr/>
+                    </p:nvGrpSpPr>
+                    <p:grpSpPr>
+                      <a:xfrm rot="6000000">
+                        <a:off x="6798" y="5797"/>
+                        <a:ext cx="548" cy="608"/>
+                        <a:chOff x="6020" y="4865"/>
+                        <a:chExt cx="928" cy="1362"/>
+                      </a:xfrm>
+                    </p:grpSpPr>
+                    <p:sp>
+                      <p:nvSpPr>
+                        <p:cNvPr id="193" name="Rectangle 192"/>
+                        <p:cNvSpPr/>
+                        <p:nvPr/>
+                      </p:nvSpPr>
+                      <p:spPr>
+                        <a:xfrm>
+                          <a:off x="6321" y="5259"/>
+                          <a:ext cx="327" cy="609"/>
+                        </a:xfrm>
+                        <a:prstGeom prst="rect">
+                          <a:avLst/>
+                        </a:prstGeom>
+                        <a:solidFill>
+                          <a:schemeClr val="bg1">
+                            <a:lumMod val="65000"/>
+                          </a:schemeClr>
+                        </a:solidFill>
+                        <a:ln>
+                          <a:noFill/>
+                        </a:ln>
+                        <a:effectLst/>
+                      </p:spPr>
+                      <p:style>
+                        <a:lnRef idx="1">
+                          <a:schemeClr val="accent1"/>
+                        </a:lnRef>
+                        <a:fillRef idx="3">
+                          <a:schemeClr val="accent1"/>
+                        </a:fillRef>
+                        <a:effectRef idx="2">
+                          <a:schemeClr val="accent1"/>
+                        </a:effectRef>
+                        <a:fontRef idx="minor">
+                          <a:schemeClr val="lt1"/>
+                        </a:fontRef>
+                      </p:style>
+                      <p:txBody>
+                        <a:bodyPr/>
+                        <a:p>
+                          <a:endParaRPr lang="en-US" sz="1350"/>
+                        </a:p>
+                      </p:txBody>
+                    </p:sp>
+                    <p:sp>
+                      <p:nvSpPr>
+                        <p:cNvPr id="194" name="Oval 193"/>
+                        <p:cNvSpPr/>
+                        <p:nvPr/>
+                      </p:nvSpPr>
+                      <p:spPr>
+                        <a:xfrm rot="10800000">
+                          <a:off x="6020" y="4865"/>
+                          <a:ext cx="929" cy="561"/>
+                        </a:xfrm>
+                        <a:prstGeom prst="ellipse">
+                          <a:avLst/>
+                        </a:prstGeom>
+                        <a:gradFill>
+                          <a:gsLst>
+                            <a:gs pos="0">
+                              <a:srgbClr val="FECF40"/>
+                            </a:gs>
+                            <a:gs pos="100000">
+                              <a:srgbClr val="846C21"/>
+                            </a:gs>
+                          </a:gsLst>
+                          <a:lin ang="16200000" scaled="0"/>
+                        </a:gradFill>
+                        <a:ln>
+                          <a:noFill/>
+                        </a:ln>
+                        <a:effectLst/>
+                      </p:spPr>
+                      <p:style>
+                        <a:lnRef idx="1">
+                          <a:schemeClr val="accent1"/>
+                        </a:lnRef>
+                        <a:fillRef idx="3">
+                          <a:schemeClr val="accent1"/>
+                        </a:fillRef>
+                        <a:effectRef idx="2">
+                          <a:schemeClr val="accent1"/>
+                        </a:effectRef>
+                        <a:fontRef idx="minor">
+                          <a:schemeClr val="lt1"/>
+                        </a:fontRef>
+                      </p:style>
+                      <p:txBody>
+                        <a:bodyPr/>
+                        <a:p>
+                          <a:endParaRPr lang="en-US" sz="1350"/>
+                        </a:p>
+                      </p:txBody>
+                    </p:sp>
+                    <p:sp>
+                      <p:nvSpPr>
+                        <p:cNvPr id="195" name="Rectangle 194"/>
+                        <p:cNvSpPr/>
+                        <p:nvPr/>
+                      </p:nvSpPr>
+                      <p:spPr>
+                        <a:xfrm>
+                          <a:off x="6227" y="5867"/>
+                          <a:ext cx="515" cy="360"/>
+                        </a:xfrm>
+                        <a:prstGeom prst="rect">
+                          <a:avLst/>
+                        </a:prstGeom>
+                        <a:solidFill>
+                          <a:schemeClr val="tx1">
+                            <a:lumMod val="65000"/>
+                            <a:lumOff val="35000"/>
+                          </a:schemeClr>
+                        </a:solidFill>
+                        <a:ln>
+                          <a:noFill/>
+                        </a:ln>
+                        <a:effectLst/>
+                      </p:spPr>
+                      <p:style>
+                        <a:lnRef idx="1">
+                          <a:schemeClr val="accent1"/>
+                        </a:lnRef>
+                        <a:fillRef idx="3">
+                          <a:schemeClr val="accent1"/>
+                        </a:fillRef>
+                        <a:effectRef idx="2">
+                          <a:schemeClr val="accent1"/>
+                        </a:effectRef>
+                        <a:fontRef idx="minor">
+                          <a:schemeClr val="lt1"/>
+                        </a:fontRef>
+                      </p:style>
+                      <p:txBody>
+                        <a:bodyPr/>
+                        <a:p>
+                          <a:endParaRPr lang="en-US" sz="1350"/>
+                        </a:p>
+                      </p:txBody>
+                    </p:sp>
+                  </p:grpSp>
+                  <p:grpSp>
+                    <p:nvGrpSpPr>
+                      <p:cNvPr id="196" name="Group 195"/>
+                      <p:cNvGrpSpPr/>
+                      <p:nvPr/>
+                    </p:nvGrpSpPr>
+                    <p:grpSpPr>
+                      <a:xfrm rot="1440000">
+                        <a:off x="8885" y="9600"/>
+                        <a:ext cx="548" cy="608"/>
+                        <a:chOff x="6020" y="4865"/>
+                        <a:chExt cx="928" cy="1362"/>
+                      </a:xfrm>
+                    </p:grpSpPr>
+                    <p:sp>
+                      <p:nvSpPr>
+                        <p:cNvPr id="197" name="Rectangle 196"/>
+                        <p:cNvSpPr/>
+                        <p:nvPr/>
+                      </p:nvSpPr>
+                      <p:spPr>
+                        <a:xfrm>
+                          <a:off x="6321" y="5259"/>
+                          <a:ext cx="327" cy="609"/>
+                        </a:xfrm>
+                        <a:prstGeom prst="rect">
+                          <a:avLst/>
+                        </a:prstGeom>
+                        <a:solidFill>
+                          <a:schemeClr val="bg1">
+                            <a:lumMod val="65000"/>
+                          </a:schemeClr>
+                        </a:solidFill>
+                        <a:ln>
+                          <a:noFill/>
+                        </a:ln>
+                        <a:effectLst/>
+                      </p:spPr>
+                      <p:style>
+                        <a:lnRef idx="1">
+                          <a:schemeClr val="accent1"/>
+                        </a:lnRef>
+                        <a:fillRef idx="3">
+                          <a:schemeClr val="accent1"/>
+                        </a:fillRef>
+                        <a:effectRef idx="2">
+                          <a:schemeClr val="accent1"/>
+                        </a:effectRef>
+                        <a:fontRef idx="minor">
+                          <a:schemeClr val="lt1"/>
+                        </a:fontRef>
+                      </p:style>
+                      <p:txBody>
+                        <a:bodyPr/>
+                        <a:p>
+                          <a:endParaRPr lang="en-US" sz="1350"/>
+                        </a:p>
+                      </p:txBody>
+                    </p:sp>
+                    <p:sp>
+                      <p:nvSpPr>
+                        <p:cNvPr id="198" name="Oval 197"/>
+                        <p:cNvSpPr/>
+                        <p:nvPr/>
+                      </p:nvSpPr>
+                      <p:spPr>
+                        <a:xfrm rot="10800000">
+                          <a:off x="6020" y="4865"/>
+                          <a:ext cx="929" cy="561"/>
+                        </a:xfrm>
+                        <a:prstGeom prst="ellipse">
+                          <a:avLst/>
+                        </a:prstGeom>
+                        <a:gradFill>
+                          <a:gsLst>
+                            <a:gs pos="0">
+                              <a:srgbClr val="FECF40"/>
+                            </a:gs>
+                            <a:gs pos="100000">
+                              <a:srgbClr val="846C21"/>
+                            </a:gs>
+                          </a:gsLst>
+                          <a:lin ang="16200000" scaled="0"/>
+                        </a:gradFill>
+                        <a:ln>
+                          <a:noFill/>
+                        </a:ln>
+                        <a:effectLst/>
+                      </p:spPr>
+                      <p:style>
+                        <a:lnRef idx="1">
+                          <a:schemeClr val="accent1"/>
+                        </a:lnRef>
+                        <a:fillRef idx="3">
+                          <a:schemeClr val="accent1"/>
+                        </a:fillRef>
+                        <a:effectRef idx="2">
+                          <a:schemeClr val="accent1"/>
+                        </a:effectRef>
+                        <a:fontRef idx="minor">
+                          <a:schemeClr val="lt1"/>
+                        </a:fontRef>
+                      </p:style>
+                      <p:txBody>
+                        <a:bodyPr/>
+                        <a:p>
+                          <a:endParaRPr lang="en-US" sz="1350"/>
+                        </a:p>
+                      </p:txBody>
+                    </p:sp>
+                    <p:sp>
+                      <p:nvSpPr>
+                        <p:cNvPr id="199" name="Rectangle 198"/>
+                        <p:cNvSpPr/>
+                        <p:nvPr/>
+                      </p:nvSpPr>
+                      <p:spPr>
+                        <a:xfrm>
+                          <a:off x="6227" y="5867"/>
+                          <a:ext cx="515" cy="360"/>
+                        </a:xfrm>
+                        <a:prstGeom prst="rect">
+                          <a:avLst/>
+                        </a:prstGeom>
+                        <a:solidFill>
+                          <a:schemeClr val="tx1">
+                            <a:lumMod val="65000"/>
+                            <a:lumOff val="35000"/>
+                          </a:schemeClr>
+                        </a:solidFill>
+                        <a:ln>
+                          <a:noFill/>
+                        </a:ln>
+                        <a:effectLst/>
+                      </p:spPr>
+                      <p:style>
+                        <a:lnRef idx="1">
+                          <a:schemeClr val="accent1"/>
+                        </a:lnRef>
+                        <a:fillRef idx="3">
+                          <a:schemeClr val="accent1"/>
+                        </a:fillRef>
+                        <a:effectRef idx="2">
+                          <a:schemeClr val="accent1"/>
+                        </a:effectRef>
+                        <a:fontRef idx="minor">
+                          <a:schemeClr val="lt1"/>
+                        </a:fontRef>
+                      </p:style>
+                      <p:txBody>
+                        <a:bodyPr/>
+                        <a:p>
+                          <a:endParaRPr lang="en-US" sz="1350"/>
+                        </a:p>
+                      </p:txBody>
+                    </p:sp>
+                  </p:grpSp>
+                  <p:grpSp>
+                    <p:nvGrpSpPr>
+                      <p:cNvPr id="200" name="Group 199"/>
+                      <p:cNvGrpSpPr/>
+                      <p:nvPr/>
+                    </p:nvGrpSpPr>
+                    <p:grpSpPr>
+                      <a:xfrm rot="780000">
+                        <a:off x="9519" y="9804"/>
+                        <a:ext cx="548" cy="608"/>
+                        <a:chOff x="6020" y="4865"/>
+                        <a:chExt cx="928" cy="1362"/>
+                      </a:xfrm>
+                    </p:grpSpPr>
+                    <p:sp>
+                      <p:nvSpPr>
+                        <p:cNvPr id="201" name="Rectangle 200"/>
+                        <p:cNvSpPr/>
+                        <p:nvPr/>
+                      </p:nvSpPr>
+                      <p:spPr>
+                        <a:xfrm>
+                          <a:off x="6321" y="5259"/>
+                          <a:ext cx="327" cy="609"/>
+                        </a:xfrm>
+                        <a:prstGeom prst="rect">
+                          <a:avLst/>
+                        </a:prstGeom>
+                        <a:solidFill>
+                          <a:schemeClr val="bg1">
+                            <a:lumMod val="65000"/>
+                          </a:schemeClr>
+                        </a:solidFill>
+                        <a:ln>
+                          <a:noFill/>
+                        </a:ln>
+                        <a:effectLst/>
+                      </p:spPr>
+                      <p:style>
+                        <a:lnRef idx="1">
+                          <a:schemeClr val="accent1"/>
+                        </a:lnRef>
+                        <a:fillRef idx="3">
+                          <a:schemeClr val="accent1"/>
+                        </a:fillRef>
+                        <a:effectRef idx="2">
+                          <a:schemeClr val="accent1"/>
+                        </a:effectRef>
+                        <a:fontRef idx="minor">
+                          <a:schemeClr val="lt1"/>
+                        </a:fontRef>
+                      </p:style>
+                      <p:txBody>
+                        <a:bodyPr/>
+                        <a:p>
+                          <a:endParaRPr lang="en-US" sz="1350"/>
+                        </a:p>
+                      </p:txBody>
+                    </p:sp>
+                    <p:sp>
+                      <p:nvSpPr>
+                        <p:cNvPr id="202" name="Oval 201"/>
+                        <p:cNvSpPr/>
+                        <p:nvPr/>
+                      </p:nvSpPr>
+                      <p:spPr>
+                        <a:xfrm rot="10800000">
+                          <a:off x="6020" y="4865"/>
+                          <a:ext cx="929" cy="561"/>
+                        </a:xfrm>
+                        <a:prstGeom prst="ellipse">
+                          <a:avLst/>
+                        </a:prstGeom>
+                        <a:gradFill>
+                          <a:gsLst>
+                            <a:gs pos="0">
+                              <a:srgbClr val="FECF40"/>
+                            </a:gs>
+                            <a:gs pos="100000">
+                              <a:srgbClr val="846C21"/>
+                            </a:gs>
+                          </a:gsLst>
+                          <a:lin ang="16200000" scaled="0"/>
+                        </a:gradFill>
+                        <a:ln>
+                          <a:noFill/>
+                        </a:ln>
+                        <a:effectLst/>
+                      </p:spPr>
+                      <p:style>
+                        <a:lnRef idx="1">
+                          <a:schemeClr val="accent1"/>
+                        </a:lnRef>
+                        <a:fillRef idx="3">
+                          <a:schemeClr val="accent1"/>
+                        </a:fillRef>
+                        <a:effectRef idx="2">
+                          <a:schemeClr val="accent1"/>
+                        </a:effectRef>
+                        <a:fontRef idx="minor">
+                          <a:schemeClr val="lt1"/>
+                        </a:fontRef>
+                      </p:style>
+                      <p:txBody>
+                        <a:bodyPr/>
+                        <a:p>
+                          <a:endParaRPr lang="en-US" sz="1350"/>
+                        </a:p>
+                      </p:txBody>
+                    </p:sp>
+                    <p:sp>
+                      <p:nvSpPr>
+                        <p:cNvPr id="203" name="Rectangle 202"/>
+                        <p:cNvSpPr/>
+                        <p:nvPr/>
+                      </p:nvSpPr>
+                      <p:spPr>
+                        <a:xfrm>
+                          <a:off x="6227" y="5867"/>
+                          <a:ext cx="515" cy="360"/>
+                        </a:xfrm>
+                        <a:prstGeom prst="rect">
+                          <a:avLst/>
+                        </a:prstGeom>
+                        <a:solidFill>
+                          <a:schemeClr val="tx1">
+                            <a:lumMod val="65000"/>
+                            <a:lumOff val="35000"/>
+                          </a:schemeClr>
+                        </a:solidFill>
+                        <a:ln>
+                          <a:noFill/>
+                        </a:ln>
+                        <a:effectLst/>
+                      </p:spPr>
+                      <p:style>
+                        <a:lnRef idx="1">
+                          <a:schemeClr val="accent1"/>
+                        </a:lnRef>
+                        <a:fillRef idx="3">
+                          <a:schemeClr val="accent1"/>
+                        </a:fillRef>
+                        <a:effectRef idx="2">
+                          <a:schemeClr val="accent1"/>
+                        </a:effectRef>
+                        <a:fontRef idx="minor">
+                          <a:schemeClr val="lt1"/>
+                        </a:fontRef>
+                      </p:style>
+                      <p:txBody>
+                        <a:bodyPr/>
+                        <a:p>
+                          <a:endParaRPr lang="en-US" sz="1350"/>
+                        </a:p>
+                      </p:txBody>
+                    </p:sp>
+                  </p:grpSp>
+                </p:grpSp>
               </p:grpSp>
-            </p:grpSp>
-            <p:grpSp>
-              <p:nvGrpSpPr>
-                <p:cNvPr id="205" name="Group 204"/>
-                <p:cNvGrpSpPr/>
-                <p:nvPr/>
-              </p:nvGrpSpPr>
-              <p:grpSpPr>
-                <a:xfrm rot="0">
-                  <a:off x="7520" y="3070"/>
-                  <a:ext cx="4623" cy="6194"/>
-                  <a:chOff x="11915" y="1947"/>
-                  <a:chExt cx="4865" cy="6516"/>
-                </a:xfrm>
-              </p:grpSpPr>
               <p:grpSp>
                 <p:nvGrpSpPr>
-                  <p:cNvPr id="206" name="Group 205"/>
+                  <p:cNvPr id="205" name="Group 204"/>
                   <p:cNvGrpSpPr/>
                   <p:nvPr/>
                 </p:nvGrpSpPr>
                 <p:grpSpPr>
-                  <a:xfrm>
-                    <a:off x="11915" y="3598"/>
-                    <a:ext cx="4865" cy="4865"/>
-                    <a:chOff x="12091" y="4398"/>
-                    <a:chExt cx="4865" cy="4865"/>
+                  <a:xfrm rot="0">
+                    <a:off x="7520" y="3070"/>
+                    <a:ext cx="4623" cy="6194"/>
+                    <a:chOff x="11915" y="1947"/>
+                    <a:chExt cx="4865" cy="6516"/>
                   </a:xfrm>
                 </p:grpSpPr>
+                <p:grpSp>
+                  <p:nvGrpSpPr>
+                    <p:cNvPr id="206" name="Group 205"/>
+                    <p:cNvGrpSpPr/>
+                    <p:nvPr/>
+                  </p:nvGrpSpPr>
+                  <p:grpSpPr>
+                    <a:xfrm>
+                      <a:off x="11915" y="3598"/>
+                      <a:ext cx="4865" cy="4865"/>
+                      <a:chOff x="12091" y="4398"/>
+                      <a:chExt cx="4865" cy="4865"/>
+                    </a:xfrm>
+                  </p:grpSpPr>
+                  <p:sp>
+                    <p:nvSpPr>
+                      <p:cNvPr id="207" name="Oval 206"/>
+                      <p:cNvSpPr/>
+                      <p:nvPr/>
+                    </p:nvSpPr>
+                    <p:spPr>
+                      <a:xfrm>
+                        <a:off x="12091" y="4398"/>
+                        <a:ext cx="4865" cy="4865"/>
+                      </a:xfrm>
+                      <a:prstGeom prst="ellipse">
+                        <a:avLst/>
+                      </a:prstGeom>
+                      <a:gradFill>
+                        <a:gsLst>
+                          <a:gs pos="0">
+                            <a:schemeClr val="accent1">
+                              <a:tint val="100000"/>
+                              <a:shade val="100000"/>
+                              <a:satMod val="130000"/>
+                            </a:schemeClr>
+                          </a:gs>
+                          <a:gs pos="95000">
+                            <a:schemeClr val="accent1">
+                              <a:tint val="50000"/>
+                              <a:shade val="100000"/>
+                              <a:satMod val="350000"/>
+                            </a:schemeClr>
+                          </a:gs>
+                        </a:gsLst>
+                      </a:gradFill>
+                      <a:ln>
+                        <a:solidFill>
+                          <a:schemeClr val="tx1"/>
+                        </a:solidFill>
+                      </a:ln>
+                      <a:effectLst/>
+                    </p:spPr>
+                    <p:style>
+                      <a:lnRef idx="1">
+                        <a:schemeClr val="accent1"/>
+                      </a:lnRef>
+                      <a:fillRef idx="3">
+                        <a:schemeClr val="accent1"/>
+                      </a:fillRef>
+                      <a:effectRef idx="2">
+                        <a:schemeClr val="accent1"/>
+                      </a:effectRef>
+                      <a:fontRef idx="minor">
+                        <a:schemeClr val="lt1"/>
+                      </a:fontRef>
+                    </p:style>
+                    <p:txBody>
+                      <a:bodyPr/>
+                      <a:p>
+                        <a:endParaRPr lang="en-US" sz="1350"/>
+                      </a:p>
+                    </p:txBody>
+                  </p:sp>
+                  <p:pic>
+                    <p:nvPicPr>
+                      <p:cNvPr id="208" name="Picture 207" descr="Picture1"/>
+                      <p:cNvPicPr>
+                        <a:picLocks noChangeAspect="1"/>
+                      </p:cNvPicPr>
+                      <p:nvPr/>
+                    </p:nvPicPr>
+                    <p:blipFill>
+                      <a:blip r:embed="rId1"/>
+                      <a:stretch>
+                        <a:fillRect/>
+                      </a:stretch>
+                    </p:blipFill>
+                    <p:spPr>
+                      <a:xfrm>
+                        <a:off x="12091" y="4425"/>
+                        <a:ext cx="4865" cy="1287"/>
+                      </a:xfrm>
+                      <a:prstGeom prst="rect">
+                        <a:avLst/>
+                      </a:prstGeom>
+                      <a:ln>
+                        <a:noFill/>
+                      </a:ln>
+                    </p:spPr>
+                  </p:pic>
+                  <p:sp>
+                    <p:nvSpPr>
+                      <p:cNvPr id="209" name="Oval 208"/>
+                      <p:cNvSpPr/>
+                      <p:nvPr/>
+                    </p:nvSpPr>
+                    <p:spPr>
+                      <a:xfrm>
+                        <a:off x="12378" y="5522"/>
+                        <a:ext cx="4270" cy="380"/>
+                      </a:xfrm>
+                      <a:prstGeom prst="ellipse">
+                        <a:avLst/>
+                      </a:prstGeom>
+                      <a:solidFill>
+                        <a:srgbClr val="73FECB"/>
+                      </a:solidFill>
+                      <a:ln>
+                        <a:solidFill>
+                          <a:schemeClr val="accent1"/>
+                        </a:solidFill>
+                        <a:prstDash val="sysDash"/>
+                      </a:ln>
+                      <a:effectLst/>
+                    </p:spPr>
+                    <p:style>
+                      <a:lnRef idx="1">
+                        <a:schemeClr val="accent1"/>
+                      </a:lnRef>
+                      <a:fillRef idx="3">
+                        <a:schemeClr val="accent1"/>
+                      </a:fillRef>
+                      <a:effectRef idx="2">
+                        <a:schemeClr val="accent1"/>
+                      </a:effectRef>
+                      <a:fontRef idx="minor">
+                        <a:schemeClr val="lt1"/>
+                      </a:fontRef>
+                    </p:style>
+                    <p:txBody>
+                      <a:bodyPr/>
+                      <a:p>
+                        <a:endParaRPr lang="en-US" sz="1350"/>
+                      </a:p>
+                    </p:txBody>
+                  </p:sp>
+                </p:grpSp>
                 <p:sp>
                   <p:nvSpPr>
-                    <p:cNvPr id="207" name="Oval 206"/>
+                    <p:cNvPr id="210" name="Can 209"/>
                     <p:cNvSpPr/>
                     <p:nvPr/>
                   </p:nvSpPr>
                   <p:spPr>
                     <a:xfrm>
-                      <a:off x="12091" y="4398"/>
-                      <a:ext cx="4865" cy="4865"/>
+                      <a:off x="13991" y="1947"/>
+                      <a:ext cx="736" cy="1757"/>
                     </a:xfrm>
-                    <a:prstGeom prst="ellipse">
+                    <a:prstGeom prst="can">
                       <a:avLst/>
                     </a:prstGeom>
-                    <a:gradFill>
-                      <a:gsLst>
-                        <a:gs pos="0">
-                          <a:schemeClr val="accent1">
-                            <a:tint val="100000"/>
-                            <a:shade val="100000"/>
-                            <a:satMod val="130000"/>
-                          </a:schemeClr>
-                        </a:gs>
-                        <a:gs pos="95000">
-                          <a:schemeClr val="accent1">
-                            <a:tint val="50000"/>
-                            <a:shade val="100000"/>
-                            <a:satMod val="350000"/>
-                          </a:schemeClr>
-                        </a:gs>
-                      </a:gsLst>
-                    </a:gradFill>
+                    <a:solidFill>
+                      <a:srgbClr val="73FECB"/>
+                    </a:solidFill>
                     <a:ln>
                       <a:solidFill>
                         <a:schemeClr val="tx1"/>
@@ -12433,222 +12568,184 @@
                     </a:p>
                   </p:txBody>
                 </p:sp>
-                <p:pic>
-                  <p:nvPicPr>
-                    <p:cNvPr id="208" name="Picture 207" descr="Picture1"/>
-                    <p:cNvPicPr>
-                      <a:picLocks noChangeAspect="1"/>
-                    </p:cNvPicPr>
-                    <p:nvPr/>
-                  </p:nvPicPr>
-                  <p:blipFill>
-                    <a:blip r:embed="rId1"/>
-                    <a:stretch>
-                      <a:fillRect/>
-                    </a:stretch>
-                  </p:blipFill>
-                  <p:spPr>
-                    <a:xfrm>
-                      <a:off x="12091" y="4425"/>
-                      <a:ext cx="4865" cy="1287"/>
-                    </a:xfrm>
-                    <a:prstGeom prst="rect">
-                      <a:avLst/>
-                    </a:prstGeom>
-                    <a:ln>
-                      <a:noFill/>
-                    </a:ln>
-                  </p:spPr>
-                </p:pic>
-                <p:sp>
-                  <p:nvSpPr>
-                    <p:cNvPr id="209" name="Oval 208"/>
-                    <p:cNvSpPr/>
-                    <p:nvPr/>
-                  </p:nvSpPr>
-                  <p:spPr>
-                    <a:xfrm>
-                      <a:off x="12378" y="5522"/>
-                      <a:ext cx="4270" cy="380"/>
-                    </a:xfrm>
-                    <a:prstGeom prst="ellipse">
-                      <a:avLst/>
-                    </a:prstGeom>
-                    <a:solidFill>
-                      <a:srgbClr val="73FECB"/>
-                    </a:solidFill>
-                    <a:ln>
-                      <a:solidFill>
-                        <a:schemeClr val="accent1"/>
-                      </a:solidFill>
-                      <a:prstDash val="sysDash"/>
-                    </a:ln>
-                    <a:effectLst/>
-                  </p:spPr>
-                  <p:style>
-                    <a:lnRef idx="1">
-                      <a:schemeClr val="accent1"/>
-                    </a:lnRef>
-                    <a:fillRef idx="3">
-                      <a:schemeClr val="accent1"/>
-                    </a:fillRef>
-                    <a:effectRef idx="2">
-                      <a:schemeClr val="accent1"/>
-                    </a:effectRef>
-                    <a:fontRef idx="minor">
-                      <a:schemeClr val="lt1"/>
-                    </a:fontRef>
-                  </p:style>
-                  <p:txBody>
-                    <a:bodyPr/>
-                    <a:p>
-                      <a:endParaRPr lang="en-US" sz="1350"/>
-                    </a:p>
-                  </p:txBody>
-                </p:sp>
               </p:grpSp>
-              <p:sp>
-                <p:nvSpPr>
-                  <p:cNvPr id="210" name="Can 209"/>
-                  <p:cNvSpPr/>
-                  <p:nvPr/>
-                </p:nvSpPr>
-                <p:spPr>
-                  <a:xfrm>
-                    <a:off x="13991" y="1947"/>
-                    <a:ext cx="736" cy="1757"/>
-                  </a:xfrm>
-                  <a:prstGeom prst="can">
-                    <a:avLst/>
-                  </a:prstGeom>
+            </p:grpSp>
+            <p:sp>
+              <p:nvSpPr>
+                <p:cNvPr id="213" name="5-Point Star 212"/>
+                <p:cNvSpPr/>
+                <p:nvPr/>
+              </p:nvSpPr>
+              <p:spPr>
+                <a:xfrm>
+                  <a:off x="11116" y="2169"/>
+                  <a:ext cx="345" cy="345"/>
+                </a:xfrm>
+                <a:prstGeom prst="star5">
+                  <a:avLst/>
+                </a:prstGeom>
+                <a:solidFill>
+                  <a:srgbClr val="FF0000"/>
+                </a:solidFill>
+                <a:ln>
+                  <a:noFill/>
+                </a:ln>
+              </p:spPr>
+              <p:style>
+                <a:lnRef idx="1">
+                  <a:schemeClr val="accent1"/>
+                </a:lnRef>
+                <a:fillRef idx="3">
+                  <a:schemeClr val="accent1"/>
+                </a:fillRef>
+                <a:effectRef idx="2">
+                  <a:schemeClr val="accent1"/>
+                </a:effectRef>
+                <a:fontRef idx="minor">
+                  <a:schemeClr val="lt1"/>
+                </a:fontRef>
+              </p:style>
+              <p:txBody>
+                <a:bodyPr/>
+                <a:p>
+                  <a:endParaRPr lang="en-US" sz="1350"/>
+                </a:p>
+              </p:txBody>
+            </p:sp>
+            <p:cxnSp>
+              <p:nvCxnSpPr>
+                <p:cNvPr id="215" name="Straight Connector 214"/>
+                <p:cNvCxnSpPr>
+                  <a:stCxn id="56" idx="5"/>
+                  <a:endCxn id="213" idx="1"/>
+                </p:cNvCxnSpPr>
+                <p:nvPr/>
+              </p:nvCxnSpPr>
+              <p:spPr>
+                <a:xfrm flipV="1">
+                  <a:off x="10574" y="2301"/>
+                  <a:ext cx="542" cy="187"/>
+                </a:xfrm>
+                <a:prstGeom prst="line">
+                  <a:avLst/>
+                </a:prstGeom>
+                <a:ln w="38100">
                   <a:solidFill>
-                    <a:srgbClr val="73FECB"/>
+                    <a:srgbClr val="FFC000"/>
                   </a:solidFill>
-                  <a:ln>
-                    <a:solidFill>
-                      <a:schemeClr val="tx1"/>
-                    </a:solidFill>
-                  </a:ln>
-                  <a:effectLst/>
-                </p:spPr>
-                <p:style>
-                  <a:lnRef idx="1">
-                    <a:schemeClr val="accent1"/>
-                  </a:lnRef>
-                  <a:fillRef idx="3">
-                    <a:schemeClr val="accent1"/>
-                  </a:fillRef>
-                  <a:effectRef idx="2">
-                    <a:schemeClr val="accent1"/>
-                  </a:effectRef>
-                  <a:fontRef idx="minor">
-                    <a:schemeClr val="lt1"/>
-                  </a:fontRef>
-                </p:style>
-                <p:txBody>
-                  <a:bodyPr/>
-                  <a:p>
-                    <a:endParaRPr lang="en-US" sz="1350"/>
-                  </a:p>
-                </p:txBody>
-              </p:sp>
-            </p:grpSp>
+                  <a:headEnd type="triangle"/>
+                  <a:tailEnd type="none"/>
+                </a:ln>
+                <a:effectLst/>
+              </p:spPr>
+              <p:style>
+                <a:lnRef idx="2">
+                  <a:schemeClr val="accent1"/>
+                </a:lnRef>
+                <a:fillRef idx="0">
+                  <a:schemeClr val="accent1"/>
+                </a:fillRef>
+                <a:effectRef idx="1">
+                  <a:schemeClr val="accent1"/>
+                </a:effectRef>
+                <a:fontRef idx="minor">
+                  <a:schemeClr val="tx1"/>
+                </a:fontRef>
+              </p:style>
+            </p:cxnSp>
+            <p:cxnSp>
+              <p:nvCxnSpPr>
+                <p:cNvPr id="216" name="Straight Connector 215"/>
+                <p:cNvCxnSpPr>
+                  <a:endCxn id="213" idx="2"/>
+                </p:cNvCxnSpPr>
+                <p:nvPr/>
+              </p:nvCxnSpPr>
+              <p:spPr>
+                <a:xfrm flipV="1">
+                  <a:off x="9197" y="2514"/>
+                  <a:ext cx="1985" cy="3225"/>
+                </a:xfrm>
+                <a:prstGeom prst="line">
+                  <a:avLst/>
+                </a:prstGeom>
+                <a:ln w="38100">
+                  <a:solidFill>
+                    <a:srgbClr val="FFC000"/>
+                  </a:solidFill>
+                  <a:headEnd type="triangle"/>
+                </a:ln>
+                <a:effectLst/>
+              </p:spPr>
+              <p:style>
+                <a:lnRef idx="2">
+                  <a:schemeClr val="accent1"/>
+                </a:lnRef>
+                <a:fillRef idx="0">
+                  <a:schemeClr val="accent1"/>
+                </a:fillRef>
+                <a:effectRef idx="1">
+                  <a:schemeClr val="accent1"/>
+                </a:effectRef>
+                <a:fontRef idx="minor">
+                  <a:schemeClr val="tx1"/>
+                </a:fontRef>
+              </p:style>
+            </p:cxnSp>
+            <p:cxnSp>
+              <p:nvCxnSpPr>
+                <p:cNvPr id="217" name="Straight Connector 216"/>
+                <p:cNvCxnSpPr>
+                  <a:stCxn id="213" idx="4"/>
+                  <a:endCxn id="182" idx="5"/>
+                </p:cNvCxnSpPr>
+                <p:nvPr/>
+              </p:nvCxnSpPr>
+              <p:spPr>
+                <a:xfrm>
+                  <a:off x="11461" y="2301"/>
+                  <a:ext cx="1379" cy="704"/>
+                </a:xfrm>
+                <a:prstGeom prst="line">
+                  <a:avLst/>
+                </a:prstGeom>
+                <a:ln w="38100">
+                  <a:solidFill>
+                    <a:srgbClr val="FFC000"/>
+                  </a:solidFill>
+                  <a:tailEnd type="triangle"/>
+                </a:ln>
+                <a:effectLst/>
+              </p:spPr>
+              <p:style>
+                <a:lnRef idx="2">
+                  <a:schemeClr val="accent1"/>
+                </a:lnRef>
+                <a:fillRef idx="0">
+                  <a:schemeClr val="accent1"/>
+                </a:fillRef>
+                <a:effectRef idx="1">
+                  <a:schemeClr val="accent1"/>
+                </a:effectRef>
+                <a:fontRef idx="minor">
+                  <a:schemeClr val="tx1"/>
+                </a:fontRef>
+              </p:style>
+            </p:cxnSp>
           </p:grpSp>
-          <p:sp>
-            <p:nvSpPr>
-              <p:cNvPr id="213" name="5-Point Star 212"/>
-              <p:cNvSpPr/>
-              <p:nvPr/>
-            </p:nvSpPr>
-            <p:spPr>
-              <a:xfrm>
-                <a:off x="11116" y="2169"/>
-                <a:ext cx="345" cy="345"/>
-              </a:xfrm>
-              <a:prstGeom prst="star5">
-                <a:avLst/>
-              </a:prstGeom>
-              <a:solidFill>
-                <a:srgbClr val="FF0000"/>
-              </a:solidFill>
-              <a:ln>
-                <a:noFill/>
-              </a:ln>
-            </p:spPr>
-            <p:style>
-              <a:lnRef idx="1">
-                <a:schemeClr val="accent1"/>
-              </a:lnRef>
-              <a:fillRef idx="3">
-                <a:schemeClr val="accent1"/>
-              </a:fillRef>
-              <a:effectRef idx="2">
-                <a:schemeClr val="accent1"/>
-              </a:effectRef>
-              <a:fontRef idx="minor">
-                <a:schemeClr val="lt1"/>
-              </a:fontRef>
-            </p:style>
-            <p:txBody>
-              <a:bodyPr/>
-              <a:p>
-                <a:endParaRPr lang="en-US" sz="1350"/>
-              </a:p>
-            </p:txBody>
-          </p:sp>
           <p:cxnSp>
             <p:nvCxnSpPr>
-              <p:cNvPr id="215" name="Straight Connector 214"/>
+              <p:cNvPr id="4" name="Straight Connector 3"/>
               <p:cNvCxnSpPr>
-                <a:stCxn id="56" idx="5"/>
-                <a:endCxn id="213" idx="1"/>
+                <a:stCxn id="146" idx="4"/>
+                <a:endCxn id="213" idx="3"/>
               </p:cNvCxnSpPr>
               <p:nvPr/>
             </p:nvCxnSpPr>
             <p:spPr>
-              <a:xfrm flipV="1">
-                <a:off x="10574" y="2301"/>
-                <a:ext cx="542" cy="187"/>
-              </a:xfrm>
-              <a:prstGeom prst="line">
-                <a:avLst/>
-              </a:prstGeom>
-              <a:ln w="38100">
-                <a:solidFill>
-                  <a:srgbClr val="FFC000"/>
-                </a:solidFill>
-                <a:headEnd type="triangle"/>
-                <a:tailEnd type="none"/>
-              </a:ln>
-              <a:effectLst/>
-            </p:spPr>
-            <p:style>
-              <a:lnRef idx="2">
-                <a:schemeClr val="accent1"/>
-              </a:lnRef>
-              <a:fillRef idx="0">
-                <a:schemeClr val="accent1"/>
-              </a:fillRef>
-              <a:effectRef idx="1">
-                <a:schemeClr val="accent1"/>
-              </a:effectRef>
-              <a:fontRef idx="minor">
-                <a:schemeClr val="tx1"/>
-              </a:fontRef>
-            </p:style>
-          </p:cxnSp>
-          <p:cxnSp>
-            <p:nvCxnSpPr>
-              <p:cNvPr id="216" name="Straight Connector 215"/>
-              <p:cNvCxnSpPr>
-                <a:endCxn id="213" idx="2"/>
-              </p:cNvCxnSpPr>
-              <p:nvPr/>
-            </p:nvCxnSpPr>
-            <p:spPr>
-              <a:xfrm flipV="1">
-                <a:off x="9197" y="2514"/>
-                <a:ext cx="1985" cy="3225"/>
+              <a:xfrm flipH="1" flipV="1">
+                <a:off x="8807" y="2003"/>
+                <a:ext cx="1760" cy="6320"/>
               </a:xfrm>
               <a:prstGeom prst="line">
                 <a:avLst/>
@@ -12678,17 +12775,16 @@
           </p:cxnSp>
           <p:cxnSp>
             <p:nvCxnSpPr>
-              <p:cNvPr id="217" name="Straight Connector 216"/>
+              <p:cNvPr id="5" name="Straight Connector 4"/>
               <p:cNvCxnSpPr>
-                <a:stCxn id="213" idx="4"/>
-                <a:endCxn id="182" idx="5"/>
+                <a:endCxn id="213" idx="3"/>
               </p:cNvCxnSpPr>
               <p:nvPr/>
             </p:nvCxnSpPr>
             <p:spPr>
-              <a:xfrm>
-                <a:off x="11461" y="2301"/>
-                <a:ext cx="1379" cy="704"/>
+              <a:xfrm flipH="1" flipV="1">
+                <a:off x="8807" y="2003"/>
+                <a:ext cx="3009" cy="2116"/>
               </a:xfrm>
               <a:prstGeom prst="line">
                 <a:avLst/>
@@ -12697,7 +12793,47 @@
                 <a:solidFill>
                   <a:srgbClr val="FFC000"/>
                 </a:solidFill>
-                <a:tailEnd type="triangle"/>
+                <a:headEnd type="triangle"/>
+              </a:ln>
+              <a:effectLst/>
+            </p:spPr>
+            <p:style>
+              <a:lnRef idx="2">
+                <a:schemeClr val="accent1"/>
+              </a:lnRef>
+              <a:fillRef idx="0">
+                <a:schemeClr val="accent1"/>
+              </a:fillRef>
+              <a:effectRef idx="1">
+                <a:schemeClr val="accent1"/>
+              </a:effectRef>
+              <a:fontRef idx="minor">
+                <a:schemeClr val="tx1"/>
+              </a:fontRef>
+            </p:style>
+          </p:cxnSp>
+          <p:cxnSp>
+            <p:nvCxnSpPr>
+              <p:cNvPr id="6" name="Straight Connector 5"/>
+              <p:cNvCxnSpPr>
+                <a:stCxn id="93" idx="4"/>
+                <a:endCxn id="213" idx="2"/>
+              </p:cNvCxnSpPr>
+              <p:nvPr/>
+            </p:nvCxnSpPr>
+            <p:spPr>
+              <a:xfrm flipV="1">
+                <a:off x="5834" y="2003"/>
+                <a:ext cx="2663" cy="1461"/>
+              </a:xfrm>
+              <a:prstGeom prst="line">
+                <a:avLst/>
+              </a:prstGeom>
+              <a:ln w="38100">
+                <a:solidFill>
+                  <a:srgbClr val="FFC000"/>
+                </a:solidFill>
+                <a:headEnd type="triangle"/>
               </a:ln>
               <a:effectLst/>
             </p:spPr>
@@ -12719,96 +12855,14 @@
         </p:grpSp>
         <p:cxnSp>
           <p:nvCxnSpPr>
-            <p:cNvPr id="4" name="Straight Connector 3"/>
-            <p:cNvCxnSpPr>
-              <a:stCxn id="146" idx="4"/>
-              <a:endCxn id="213" idx="3"/>
-            </p:cNvCxnSpPr>
-            <p:nvPr/>
-          </p:nvCxnSpPr>
-          <p:spPr>
-            <a:xfrm flipH="1" flipV="1">
-              <a:off x="8807" y="2003"/>
-              <a:ext cx="1760" cy="6320"/>
-            </a:xfrm>
-            <a:prstGeom prst="line">
-              <a:avLst/>
-            </a:prstGeom>
-            <a:ln w="38100">
-              <a:solidFill>
-                <a:srgbClr val="FFC000"/>
-              </a:solidFill>
-              <a:headEnd type="triangle"/>
-            </a:ln>
-            <a:effectLst/>
-          </p:spPr>
-          <p:style>
-            <a:lnRef idx="2">
-              <a:schemeClr val="accent1"/>
-            </a:lnRef>
-            <a:fillRef idx="0">
-              <a:schemeClr val="accent1"/>
-            </a:fillRef>
-            <a:effectRef idx="1">
-              <a:schemeClr val="accent1"/>
-            </a:effectRef>
-            <a:fontRef idx="minor">
-              <a:schemeClr val="tx1"/>
-            </a:fontRef>
-          </p:style>
-        </p:cxnSp>
-        <p:cxnSp>
-          <p:nvCxnSpPr>
-            <p:cNvPr id="5" name="Straight Connector 4"/>
-            <p:cNvCxnSpPr>
-              <a:endCxn id="213" idx="3"/>
-            </p:cNvCxnSpPr>
-            <p:nvPr/>
-          </p:nvCxnSpPr>
-          <p:spPr>
-            <a:xfrm flipH="1" flipV="1">
-              <a:off x="8807" y="2003"/>
-              <a:ext cx="3009" cy="2116"/>
-            </a:xfrm>
-            <a:prstGeom prst="line">
-              <a:avLst/>
-            </a:prstGeom>
-            <a:ln w="38100">
-              <a:solidFill>
-                <a:srgbClr val="FFC000"/>
-              </a:solidFill>
-              <a:headEnd type="triangle"/>
-            </a:ln>
-            <a:effectLst/>
-          </p:spPr>
-          <p:style>
-            <a:lnRef idx="2">
-              <a:schemeClr val="accent1"/>
-            </a:lnRef>
-            <a:fillRef idx="0">
-              <a:schemeClr val="accent1"/>
-            </a:fillRef>
-            <a:effectRef idx="1">
-              <a:schemeClr val="accent1"/>
-            </a:effectRef>
-            <a:fontRef idx="minor">
-              <a:schemeClr val="tx1"/>
-            </a:fontRef>
-          </p:style>
-        </p:cxnSp>
-        <p:cxnSp>
-          <p:nvCxnSpPr>
-            <p:cNvPr id="6" name="Straight Connector 5"/>
-            <p:cNvCxnSpPr>
-              <a:stCxn id="93" idx="4"/>
-              <a:endCxn id="213" idx="2"/>
-            </p:cNvCxnSpPr>
+            <p:cNvPr id="8" name="Straight Connector 7"/>
+            <p:cNvCxnSpPr/>
             <p:nvPr/>
           </p:nvCxnSpPr>
           <p:spPr>
             <a:xfrm flipV="1">
-              <a:off x="5834" y="2003"/>
-              <a:ext cx="2663" cy="1461"/>
+              <a:off x="6729" y="1937"/>
+              <a:ext cx="1870" cy="6358"/>
             </a:xfrm>
             <a:prstGeom prst="line">
               <a:avLst/>
@@ -12843,6 +12897,566 @@
     <a:masterClrMapping/>
   </p:clrMapOvr>
   <p:transition advClick="0"/>
+</p:sld>
+</file>
+
+<file path=ppt/slides/slide6.xml><?xml version="1.0" encoding="utf-8"?>
+<p:sld xmlns:a="http://schemas.openxmlformats.org/drawingml/2006/main" xmlns:r="http://schemas.openxmlformats.org/officeDocument/2006/relationships" xmlns:p="http://schemas.openxmlformats.org/presentationml/2006/main">
+  <p:cSld>
+    <p:spTree>
+      <p:nvGrpSpPr>
+        <p:cNvPr id="1" name=""/>
+        <p:cNvGrpSpPr/>
+        <p:nvPr/>
+      </p:nvGrpSpPr>
+      <p:grpSpPr/>
+      <p:pic>
+        <p:nvPicPr>
+          <p:cNvPr id="7" name="Picture 6"/>
+          <p:cNvPicPr>
+            <a:picLocks noChangeAspect="1"/>
+          </p:cNvPicPr>
+          <p:nvPr/>
+        </p:nvPicPr>
+        <p:blipFill>
+          <a:blip r:embed="rId1"/>
+          <a:stretch>
+            <a:fillRect/>
+          </a:stretch>
+        </p:blipFill>
+        <p:spPr>
+          <a:xfrm>
+            <a:off x="796925" y="300990"/>
+            <a:ext cx="3719830" cy="5261610"/>
+          </a:xfrm>
+          <a:prstGeom prst="rect">
+            <a:avLst/>
+          </a:prstGeom>
+        </p:spPr>
+      </p:pic>
+      <p:sp>
+        <p:nvSpPr>
+          <p:cNvPr id="8" name="Text Box 7"/>
+          <p:cNvSpPr txBox="1"/>
+          <p:nvPr/>
+        </p:nvSpPr>
+        <p:spPr>
+          <a:xfrm>
+            <a:off x="1069340" y="5917565"/>
+            <a:ext cx="5128895" cy="645160"/>
+          </a:xfrm>
+          <a:prstGeom prst="rect">
+            <a:avLst/>
+          </a:prstGeom>
+          <a:noFill/>
+        </p:spPr>
+        <p:txBody>
+          <a:bodyPr wrap="square" rtlCol="0" anchor="t">
+            <a:spAutoFit/>
+          </a:bodyPr>
+          <a:p>
+            <a:r>
+              <a:rPr lang="en-US"/>
+              <a:t>http://www.downloadclipart.net/download/5816/big-blue-wire-globe-svg</a:t>
+            </a:r>
+            <a:endParaRPr lang="en-US"/>
+          </a:p>
+        </p:txBody>
+      </p:sp>
+      <p:sp>
+        <p:nvSpPr>
+          <p:cNvPr id="9" name="Text Box 8"/>
+          <p:cNvSpPr txBox="1"/>
+          <p:nvPr/>
+        </p:nvSpPr>
+        <p:spPr>
+          <a:xfrm>
+            <a:off x="7702550" y="1412240"/>
+            <a:ext cx="2101850" cy="368300"/>
+          </a:xfrm>
+          <a:prstGeom prst="rect">
+            <a:avLst/>
+          </a:prstGeom>
+          <a:noFill/>
+        </p:spPr>
+        <p:txBody>
+          <a:bodyPr wrap="none" rtlCol="0">
+            <a:spAutoFit/>
+          </a:bodyPr>
+          <a:p>
+            <a:r>
+              <a:rPr lang="en-US" altLang="en-US"/>
+              <a:t>Uniform Selector</a:t>
+            </a:r>
+            <a:endParaRPr lang="en-US" altLang="en-US"/>
+          </a:p>
+        </p:txBody>
+      </p:sp>
+      <p:cxnSp>
+        <p:nvCxnSpPr>
+          <p:cNvPr id="10" name="Straight Arrow Connector 9"/>
+          <p:cNvCxnSpPr/>
+          <p:nvPr/>
+        </p:nvCxnSpPr>
+        <p:spPr>
+          <a:xfrm flipH="1">
+            <a:off x="4073525" y="1780540"/>
+            <a:ext cx="361315" cy="615315"/>
+          </a:xfrm>
+          <a:prstGeom prst="straightConnector1">
+            <a:avLst/>
+          </a:prstGeom>
+          <a:ln w="38100" cmpd="sng">
+            <a:solidFill>
+              <a:schemeClr val="accent1">
+                <a:shade val="50000"/>
+              </a:schemeClr>
+            </a:solidFill>
+            <a:prstDash val="solid"/>
+            <a:tailEnd type="triangle"/>
+          </a:ln>
+        </p:spPr>
+        <p:style>
+          <a:lnRef idx="1">
+            <a:schemeClr val="accent1"/>
+          </a:lnRef>
+          <a:fillRef idx="0">
+            <a:schemeClr val="accent1"/>
+          </a:fillRef>
+          <a:effectRef idx="0">
+            <a:schemeClr val="accent1"/>
+          </a:effectRef>
+          <a:fontRef idx="minor">
+            <a:schemeClr val="tx1"/>
+          </a:fontRef>
+        </p:style>
+      </p:cxnSp>
+      <p:sp>
+        <p:nvSpPr>
+          <p:cNvPr id="11" name="Text Box 10"/>
+          <p:cNvSpPr txBox="1"/>
+          <p:nvPr/>
+        </p:nvSpPr>
+        <p:spPr>
+          <a:xfrm>
+            <a:off x="4371340" y="1412240"/>
+            <a:ext cx="1364615" cy="645160"/>
+          </a:xfrm>
+          <a:prstGeom prst="rect">
+            <a:avLst/>
+          </a:prstGeom>
+          <a:noFill/>
+        </p:spPr>
+        <p:txBody>
+          <a:bodyPr wrap="square" rtlCol="0">
+            <a:spAutoFit/>
+          </a:bodyPr>
+          <a:p>
+            <a:r>
+              <a:rPr lang="en-US" altLang="en-US"/>
+              <a:t>PMT </a:t>
+            </a:r>
+            <a:endParaRPr lang="en-US" altLang="en-US"/>
+          </a:p>
+          <a:p>
+            <a:r>
+              <a:rPr lang="en-US" altLang="en-US"/>
+              <a:t>panel</a:t>
+            </a:r>
+            <a:endParaRPr lang="en-US" altLang="en-US"/>
+          </a:p>
+        </p:txBody>
+      </p:sp>
+      <p:cxnSp>
+        <p:nvCxnSpPr>
+          <p:cNvPr id="12" name="Straight Arrow Connector 11"/>
+          <p:cNvCxnSpPr/>
+          <p:nvPr/>
+        </p:nvCxnSpPr>
+        <p:spPr>
+          <a:xfrm flipH="1" flipV="1">
+            <a:off x="4516120" y="3191510"/>
+            <a:ext cx="1074420" cy="3175"/>
+          </a:xfrm>
+          <a:prstGeom prst="straightConnector1">
+            <a:avLst/>
+          </a:prstGeom>
+          <a:ln w="38100" cmpd="sng">
+            <a:solidFill>
+              <a:schemeClr val="accent1">
+                <a:shade val="50000"/>
+              </a:schemeClr>
+            </a:solidFill>
+            <a:prstDash val="solid"/>
+            <a:tailEnd type="triangle"/>
+          </a:ln>
+        </p:spPr>
+        <p:style>
+          <a:lnRef idx="1">
+            <a:schemeClr val="accent1"/>
+          </a:lnRef>
+          <a:fillRef idx="0">
+            <a:schemeClr val="accent1"/>
+          </a:fillRef>
+          <a:effectRef idx="0">
+            <a:schemeClr val="accent1"/>
+          </a:effectRef>
+          <a:fontRef idx="minor">
+            <a:schemeClr val="tx1"/>
+          </a:fontRef>
+        </p:style>
+      </p:cxnSp>
+      <p:sp>
+        <p:nvSpPr>
+          <p:cNvPr id="13" name="Text Box 12"/>
+          <p:cNvSpPr txBox="1"/>
+          <p:nvPr/>
+        </p:nvSpPr>
+        <p:spPr>
+          <a:xfrm>
+            <a:off x="4434840" y="2471420"/>
+            <a:ext cx="1364615" cy="645160"/>
+          </a:xfrm>
+          <a:prstGeom prst="rect">
+            <a:avLst/>
+          </a:prstGeom>
+          <a:noFill/>
+        </p:spPr>
+        <p:txBody>
+          <a:bodyPr wrap="square" rtlCol="0">
+            <a:spAutoFit/>
+          </a:bodyPr>
+          <a:p>
+            <a:pPr algn="ctr"/>
+            <a:r>
+              <a:rPr lang="en-US" altLang="en-US"/>
+              <a:t>PMT sphere</a:t>
+            </a:r>
+            <a:endParaRPr lang="en-US" altLang="en-US"/>
+          </a:p>
+        </p:txBody>
+      </p:sp>
+    </p:spTree>
+  </p:cSld>
+  <p:clrMapOvr>
+    <a:masterClrMapping/>
+  </p:clrMapOvr>
+</p:sld>
+</file>
+
+<file path=ppt/slides/slide7.xml><?xml version="1.0" encoding="utf-8"?>
+<p:sld xmlns:a="http://schemas.openxmlformats.org/drawingml/2006/main" xmlns:r="http://schemas.openxmlformats.org/officeDocument/2006/relationships" xmlns:p="http://schemas.openxmlformats.org/presentationml/2006/main">
+  <p:cSld>
+    <p:spTree>
+      <p:nvGrpSpPr>
+        <p:cNvPr id="1" name=""/>
+        <p:cNvGrpSpPr/>
+        <p:nvPr/>
+      </p:nvGrpSpPr>
+      <p:grpSpPr/>
+      <p:grpSp>
+        <p:nvGrpSpPr>
+          <p:cNvPr id="14" name="Group 13"/>
+          <p:cNvGrpSpPr/>
+          <p:nvPr/>
+        </p:nvGrpSpPr>
+        <p:grpSpPr>
+          <a:xfrm>
+            <a:off x="788670" y="402590"/>
+            <a:ext cx="10358120" cy="5861050"/>
+            <a:chOff x="1242" y="634"/>
+            <a:chExt cx="16312" cy="9230"/>
+          </a:xfrm>
+        </p:grpSpPr>
+        <p:grpSp>
+          <p:nvGrpSpPr>
+            <p:cNvPr id="12" name="Group 11"/>
+            <p:cNvGrpSpPr/>
+            <p:nvPr/>
+          </p:nvGrpSpPr>
+          <p:grpSpPr>
+            <a:xfrm>
+              <a:off x="1242" y="634"/>
+              <a:ext cx="16312" cy="9230"/>
+              <a:chOff x="-345" y="366"/>
+              <a:chExt cx="16312" cy="9230"/>
+            </a:xfrm>
+          </p:grpSpPr>
+          <p:pic>
+            <p:nvPicPr>
+              <p:cNvPr id="23" name="Picture 9"/>
+              <p:cNvPicPr>
+                <a:picLocks noChangeAspect="1"/>
+              </p:cNvPicPr>
+              <p:nvPr/>
+            </p:nvPicPr>
+            <p:blipFill>
+              <a:blip r:embed="rId1"/>
+              <a:stretch>
+                <a:fillRect/>
+              </a:stretch>
+            </p:blipFill>
+            <p:spPr>
+              <a:xfrm>
+                <a:off x="-345" y="366"/>
+                <a:ext cx="16312" cy="9231"/>
+              </a:xfrm>
+              <a:prstGeom prst="rect">
+                <a:avLst/>
+              </a:prstGeom>
+              <a:noFill/>
+              <a:ln w="9525">
+                <a:noFill/>
+              </a:ln>
+            </p:spPr>
+          </p:pic>
+          <p:sp>
+            <p:nvSpPr>
+              <p:cNvPr id="4" name="Rectangle 3"/>
+              <p:cNvSpPr/>
+              <p:nvPr/>
+            </p:nvSpPr>
+            <p:spPr>
+              <a:xfrm>
+                <a:off x="7619" y="7894"/>
+                <a:ext cx="2405" cy="1597"/>
+              </a:xfrm>
+              <a:prstGeom prst="rect">
+                <a:avLst/>
+              </a:prstGeom>
+              <a:solidFill>
+                <a:schemeClr val="bg1"/>
+              </a:solidFill>
+              <a:ln>
+                <a:solidFill>
+                  <a:schemeClr val="bg1"/>
+                </a:solidFill>
+              </a:ln>
+            </p:spPr>
+            <p:style>
+              <a:lnRef idx="2">
+                <a:schemeClr val="accent1">
+                  <a:shade val="50000"/>
+                </a:schemeClr>
+              </a:lnRef>
+              <a:fillRef idx="1">
+                <a:schemeClr val="accent1"/>
+              </a:fillRef>
+              <a:effectRef idx="0">
+                <a:schemeClr val="accent1"/>
+              </a:effectRef>
+              <a:fontRef idx="minor">
+                <a:schemeClr val="lt1"/>
+              </a:fontRef>
+            </p:style>
+            <p:txBody>
+              <a:bodyPr rtlCol="0" anchor="ctr"/>
+              <a:p>
+                <a:pPr algn="ctr"/>
+                <a:endParaRPr lang="en-US"/>
+              </a:p>
+            </p:txBody>
+          </p:sp>
+          <p:cxnSp>
+            <p:nvCxnSpPr>
+              <p:cNvPr id="7" name="Straight Connector 6"/>
+              <p:cNvCxnSpPr/>
+              <p:nvPr/>
+            </p:nvCxnSpPr>
+            <p:spPr>
+              <a:xfrm>
+                <a:off x="6631" y="8338"/>
+                <a:ext cx="1690" cy="0"/>
+              </a:xfrm>
+              <a:prstGeom prst="line">
+                <a:avLst/>
+              </a:prstGeom>
+              <a:ln w="38100">
+                <a:solidFill>
+                  <a:schemeClr val="tx1"/>
+                </a:solidFill>
+              </a:ln>
+            </p:spPr>
+            <p:style>
+              <a:lnRef idx="1">
+                <a:schemeClr val="accent1"/>
+              </a:lnRef>
+              <a:fillRef idx="0">
+                <a:schemeClr val="accent1"/>
+              </a:fillRef>
+              <a:effectRef idx="0">
+                <a:schemeClr val="accent1"/>
+              </a:effectRef>
+              <a:fontRef idx="minor">
+                <a:schemeClr val="tx1"/>
+              </a:fontRef>
+            </p:style>
+          </p:cxnSp>
+          <p:cxnSp>
+            <p:nvCxnSpPr>
+              <p:cNvPr id="8" name="Straight Connector 7"/>
+              <p:cNvCxnSpPr/>
+              <p:nvPr/>
+            </p:nvCxnSpPr>
+            <p:spPr>
+              <a:xfrm>
+                <a:off x="3707" y="8596"/>
+                <a:ext cx="4614" cy="0"/>
+              </a:xfrm>
+              <a:prstGeom prst="line">
+                <a:avLst/>
+              </a:prstGeom>
+              <a:ln w="38100">
+                <a:solidFill>
+                  <a:schemeClr val="tx1"/>
+                </a:solidFill>
+              </a:ln>
+            </p:spPr>
+            <p:style>
+              <a:lnRef idx="1">
+                <a:schemeClr val="accent1"/>
+              </a:lnRef>
+              <a:fillRef idx="0">
+                <a:schemeClr val="accent1"/>
+              </a:fillRef>
+              <a:effectRef idx="0">
+                <a:schemeClr val="accent1"/>
+              </a:effectRef>
+              <a:fontRef idx="minor">
+                <a:schemeClr val="tx1"/>
+              </a:fontRef>
+            </p:style>
+          </p:cxnSp>
+          <p:sp>
+            <p:nvSpPr>
+              <p:cNvPr id="9" name="Rectangle 8"/>
+              <p:cNvSpPr/>
+              <p:nvPr/>
+            </p:nvSpPr>
+            <p:spPr>
+              <a:xfrm>
+                <a:off x="8335" y="8123"/>
+                <a:ext cx="1705" cy="334"/>
+              </a:xfrm>
+              <a:prstGeom prst="rect">
+                <a:avLst/>
+              </a:prstGeom>
+              <a:solidFill>
+                <a:schemeClr val="bg1"/>
+              </a:solidFill>
+              <a:ln w="25400">
+                <a:solidFill>
+                  <a:schemeClr val="tx1"/>
+                </a:solidFill>
+              </a:ln>
+            </p:spPr>
+            <p:style>
+              <a:lnRef idx="2">
+                <a:schemeClr val="accent1">
+                  <a:shade val="50000"/>
+                </a:schemeClr>
+              </a:lnRef>
+              <a:fillRef idx="1">
+                <a:schemeClr val="accent1"/>
+              </a:fillRef>
+              <a:effectRef idx="0">
+                <a:schemeClr val="accent1"/>
+              </a:effectRef>
+              <a:fontRef idx="minor">
+                <a:schemeClr val="lt1"/>
+              </a:fontRef>
+            </p:style>
+            <p:txBody>
+              <a:bodyPr rtlCol="0" anchor="ctr"/>
+              <a:p>
+                <a:pPr algn="ctr"/>
+                <a:endParaRPr lang="en-US"/>
+              </a:p>
+            </p:txBody>
+          </p:sp>
+          <p:sp>
+            <p:nvSpPr>
+              <p:cNvPr id="10" name="Rectangle 9"/>
+              <p:cNvSpPr/>
+              <p:nvPr/>
+            </p:nvSpPr>
+            <p:spPr>
+              <a:xfrm>
+                <a:off x="8335" y="8525"/>
+                <a:ext cx="1705" cy="334"/>
+              </a:xfrm>
+              <a:prstGeom prst="rect">
+                <a:avLst/>
+              </a:prstGeom>
+              <a:solidFill>
+                <a:schemeClr val="bg1"/>
+              </a:solidFill>
+              <a:ln w="25400">
+                <a:solidFill>
+                  <a:schemeClr val="tx1"/>
+                </a:solidFill>
+              </a:ln>
+            </p:spPr>
+            <p:style>
+              <a:lnRef idx="2">
+                <a:schemeClr val="accent1">
+                  <a:shade val="50000"/>
+                </a:schemeClr>
+              </a:lnRef>
+              <a:fillRef idx="1">
+                <a:schemeClr val="accent1"/>
+              </a:fillRef>
+              <a:effectRef idx="0">
+                <a:schemeClr val="accent1"/>
+              </a:effectRef>
+              <a:fontRef idx="minor">
+                <a:schemeClr val="lt1"/>
+              </a:fontRef>
+            </p:style>
+            <p:txBody>
+              <a:bodyPr rtlCol="0" anchor="ctr"/>
+              <a:p>
+                <a:pPr algn="ctr"/>
+                <a:endParaRPr lang="en-US"/>
+              </a:p>
+            </p:txBody>
+          </p:sp>
+        </p:grpSp>
+        <p:sp>
+          <p:nvSpPr>
+            <p:cNvPr id="13" name="Text Box 12"/>
+            <p:cNvSpPr txBox="1"/>
+            <p:nvPr/>
+          </p:nvSpPr>
+          <p:spPr>
+            <a:xfrm>
+              <a:off x="9837" y="9228"/>
+              <a:ext cx="1875" cy="531"/>
+            </a:xfrm>
+            <a:prstGeom prst="rect">
+              <a:avLst/>
+            </a:prstGeom>
+            <a:noFill/>
+          </p:spPr>
+          <p:txBody>
+            <a:bodyPr wrap="none" rtlCol="0">
+              <a:spAutoFit/>
+            </a:bodyPr>
+            <a:p>
+              <a:r>
+                <a:rPr lang="en-US" altLang="en-US" sz="1600"/>
+                <a:t>amplifiers</a:t>
+              </a:r>
+              <a:endParaRPr lang="en-US" altLang="en-US" sz="1600"/>
+            </a:p>
+          </p:txBody>
+        </p:sp>
+      </p:grpSp>
+    </p:spTree>
+  </p:cSld>
+  <p:clrMapOvr>
+    <a:masterClrMapping/>
+  </p:clrMapOvr>
 </p:sld>
 </file>
 
